--- a/Stuffs/Project Review 0.pptx
+++ b/Stuffs/Project Review 0.pptx
@@ -5,7 +5,7 @@
     <p:sldMasterId id="2147483648" r:id="rId1"/>
   </p:sldMasterIdLst>
   <p:notesMasterIdLst>
-    <p:notesMasterId r:id="rId9"/>
+    <p:notesMasterId r:id="rId13"/>
   </p:notesMasterIdLst>
   <p:sldIdLst>
     <p:sldId id="256" r:id="rId2"/>
@@ -15,6 +15,10 @@
     <p:sldId id="260" r:id="rId6"/>
     <p:sldId id="261" r:id="rId7"/>
     <p:sldId id="262" r:id="rId8"/>
+    <p:sldId id="263" r:id="rId9"/>
+    <p:sldId id="264" r:id="rId10"/>
+    <p:sldId id="265" r:id="rId11"/>
+    <p:sldId id="266" r:id="rId12"/>
   </p:sldIdLst>
   <p:sldSz cx="12192000" cy="6858000"/>
   <p:notesSz cx="6858000" cy="9144000"/>
@@ -203,7 +207,7 @@
           <a:p>
             <a:fld id="{0AA84BF3-02E1-425B-826A-FC088225B7FA}" type="datetimeFigureOut">
               <a:rPr lang="en-IN" smtClean="0"/>
-              <a:t>24-08-2025</a:t>
+              <a:t>19-09-2025</a:t>
             </a:fld>
             <a:endParaRPr lang="en-IN"/>
           </a:p>
@@ -620,7 +624,7 @@
           <a:p>
             <a:fld id="{9750F8BD-FA40-4745-AB73-AC2C9989060C}" type="datetime1">
               <a:rPr lang="en-IN" smtClean="0"/>
-              <a:t>24-08-2025</a:t>
+              <a:t>19-09-2025</a:t>
             </a:fld>
             <a:endParaRPr lang="en-IN"/>
           </a:p>
@@ -823,7 +827,7 @@
           <a:p>
             <a:fld id="{87C82231-51AD-48AC-AC3F-CE15A1A69F9F}" type="datetime1">
               <a:rPr lang="en-IN" smtClean="0"/>
-              <a:t>24-08-2025</a:t>
+              <a:t>19-09-2025</a:t>
             </a:fld>
             <a:endParaRPr lang="en-IN"/>
           </a:p>
@@ -1036,7 +1040,7 @@
           <a:p>
             <a:fld id="{3CEE283B-EC9E-4CC8-A5E9-65E2EC7F5DEB}" type="datetime1">
               <a:rPr lang="en-IN" smtClean="0"/>
-              <a:t>24-08-2025</a:t>
+              <a:t>19-09-2025</a:t>
             </a:fld>
             <a:endParaRPr lang="en-IN"/>
           </a:p>
@@ -1239,7 +1243,7 @@
           <a:p>
             <a:fld id="{9FF5589C-7687-4AD4-9AB6-11ABB94A82B0}" type="datetime1">
               <a:rPr lang="en-IN" smtClean="0"/>
-              <a:t>24-08-2025</a:t>
+              <a:t>19-09-2025</a:t>
             </a:fld>
             <a:endParaRPr lang="en-IN"/>
           </a:p>
@@ -1518,7 +1522,7 @@
           <a:p>
             <a:fld id="{AB047E73-7A41-4B84-BC0D-78B4D7E0BF22}" type="datetime1">
               <a:rPr lang="en-IN" smtClean="0"/>
-              <a:t>24-08-2025</a:t>
+              <a:t>19-09-2025</a:t>
             </a:fld>
             <a:endParaRPr lang="en-IN"/>
           </a:p>
@@ -1789,7 +1793,7 @@
           <a:p>
             <a:fld id="{6062C4F7-1237-4BC4-A514-BA47DBD5FFDD}" type="datetime1">
               <a:rPr lang="en-IN" smtClean="0"/>
-              <a:t>24-08-2025</a:t>
+              <a:t>19-09-2025</a:t>
             </a:fld>
             <a:endParaRPr lang="en-IN"/>
           </a:p>
@@ -2207,7 +2211,7 @@
           <a:p>
             <a:fld id="{4BE4B02C-9B16-4655-B277-E1831133CB70}" type="datetime1">
               <a:rPr lang="en-IN" smtClean="0"/>
-              <a:t>24-08-2025</a:t>
+              <a:t>19-09-2025</a:t>
             </a:fld>
             <a:endParaRPr lang="en-IN"/>
           </a:p>
@@ -2352,7 +2356,7 @@
           <a:p>
             <a:fld id="{BCD59C5A-C997-491B-B07D-69D7348C5EE1}" type="datetime1">
               <a:rPr lang="en-IN" smtClean="0"/>
-              <a:t>24-08-2025</a:t>
+              <a:t>19-09-2025</a:t>
             </a:fld>
             <a:endParaRPr lang="en-IN"/>
           </a:p>
@@ -2468,7 +2472,7 @@
           <a:p>
             <a:fld id="{131D806A-9CA3-4F43-878E-2477D20661BE}" type="datetime1">
               <a:rPr lang="en-IN" smtClean="0"/>
-              <a:t>24-08-2025</a:t>
+              <a:t>19-09-2025</a:t>
             </a:fld>
             <a:endParaRPr lang="en-IN"/>
           </a:p>
@@ -2784,7 +2788,7 @@
           <a:p>
             <a:fld id="{7A92A77B-E8B2-4E56-906E-1B60E3B55971}" type="datetime1">
               <a:rPr lang="en-IN" smtClean="0"/>
-              <a:t>24-08-2025</a:t>
+              <a:t>19-09-2025</a:t>
             </a:fld>
             <a:endParaRPr lang="en-IN"/>
           </a:p>
@@ -3076,7 +3080,7 @@
           <a:p>
             <a:fld id="{3B69D2FD-4828-4681-8984-EDDC2BA02B67}" type="datetime1">
               <a:rPr lang="en-IN" smtClean="0"/>
-              <a:t>24-08-2025</a:t>
+              <a:t>19-09-2025</a:t>
             </a:fld>
             <a:endParaRPr lang="en-IN"/>
           </a:p>
@@ -3322,7 +3326,7 @@
           <a:p>
             <a:fld id="{96CB2DC2-4D7E-43DB-B027-259034741087}" type="datetime1">
               <a:rPr lang="en-IN" smtClean="0"/>
-              <a:t>24-08-2025</a:t>
+              <a:t>19-09-2025</a:t>
             </a:fld>
             <a:endParaRPr lang="en-IN"/>
           </a:p>
@@ -3861,7 +3865,7 @@
           <a:p>
             <a:fld id="{DEB2D6F8-F382-45BA-BACE-AEB70DCBBF84}" type="datetime1">
               <a:rPr lang="en-IN" b="1" smtClean="0"/>
-              <a:t>24-08-2025</a:t>
+              <a:t>19-09-2025</a:t>
             </a:fld>
             <a:endParaRPr lang="en-IN" b="1" dirty="0"/>
           </a:p>
@@ -5547,6 +5551,3124 @@
 </p:sld>
 </file>
 
+<file path=ppt/slides/slide10.xml><?xml version="1.0" encoding="utf-8"?>
+<p:sld xmlns:a="http://schemas.openxmlformats.org/drawingml/2006/main" xmlns:r="http://schemas.openxmlformats.org/officeDocument/2006/relationships" xmlns:p="http://schemas.openxmlformats.org/presentationml/2006/main">
+  <p:cSld>
+    <p:spTree>
+      <p:nvGrpSpPr>
+        <p:cNvPr id="1" name="">
+          <a:extLst>
+            <a:ext uri="{FF2B5EF4-FFF2-40B4-BE49-F238E27FC236}">
+              <a16:creationId xmlns:a16="http://schemas.microsoft.com/office/drawing/2014/main" id="{E32CF049-1E87-DDEE-5CD3-C58DAC4A7F1D}"/>
+            </a:ext>
+          </a:extLst>
+        </p:cNvPr>
+        <p:cNvGrpSpPr/>
+        <p:nvPr/>
+      </p:nvGrpSpPr>
+      <p:grpSpPr>
+        <a:xfrm>
+          <a:off x="0" y="0"/>
+          <a:ext cx="0" cy="0"/>
+          <a:chOff x="0" y="0"/>
+          <a:chExt cx="0" cy="0"/>
+        </a:xfrm>
+      </p:grpSpPr>
+      <p:sp>
+        <p:nvSpPr>
+          <p:cNvPr id="5" name="Footer Placeholder 4">
+            <a:extLst>
+              <a:ext uri="{FF2B5EF4-FFF2-40B4-BE49-F238E27FC236}">
+                <a16:creationId xmlns:a16="http://schemas.microsoft.com/office/drawing/2014/main" id="{5FC0C06E-06FA-C2E8-2EF9-DBA4FCC60A9A}"/>
+              </a:ext>
+            </a:extLst>
+          </p:cNvPr>
+          <p:cNvSpPr>
+            <a:spLocks noGrp="1"/>
+          </p:cNvSpPr>
+          <p:nvPr>
+            <p:ph type="ftr" sz="quarter" idx="11"/>
+          </p:nvPr>
+        </p:nvSpPr>
+        <p:spPr/>
+        <p:txBody>
+          <a:bodyPr/>
+          <a:lstStyle/>
+          <a:p>
+            <a:r>
+              <a:rPr lang="en-IN" b="1"/>
+              <a:t>Project Review 0</a:t>
+            </a:r>
+            <a:endParaRPr lang="en-IN" b="1" dirty="0"/>
+          </a:p>
+        </p:txBody>
+      </p:sp>
+      <p:sp>
+        <p:nvSpPr>
+          <p:cNvPr id="6" name="Slide Number Placeholder 5">
+            <a:extLst>
+              <a:ext uri="{FF2B5EF4-FFF2-40B4-BE49-F238E27FC236}">
+                <a16:creationId xmlns:a16="http://schemas.microsoft.com/office/drawing/2014/main" id="{9B89D5DA-EFC9-D7CB-D347-1F4989D68E0C}"/>
+              </a:ext>
+            </a:extLst>
+          </p:cNvPr>
+          <p:cNvSpPr>
+            <a:spLocks noGrp="1"/>
+          </p:cNvSpPr>
+          <p:nvPr>
+            <p:ph type="sldNum" sz="quarter" idx="12"/>
+          </p:nvPr>
+        </p:nvSpPr>
+        <p:spPr/>
+        <p:txBody>
+          <a:bodyPr/>
+          <a:lstStyle/>
+          <a:p>
+            <a:fld id="{4912F8CF-BD92-4E9C-97A8-FB8335672A19}" type="slidenum">
+              <a:rPr lang="en-IN" b="1" smtClean="0"/>
+              <a:t>10</a:t>
+            </a:fld>
+            <a:endParaRPr lang="en-IN" b="1" dirty="0"/>
+          </a:p>
+        </p:txBody>
+      </p:sp>
+      <p:sp>
+        <p:nvSpPr>
+          <p:cNvPr id="7" name="TextBox 6">
+            <a:extLst>
+              <a:ext uri="{FF2B5EF4-FFF2-40B4-BE49-F238E27FC236}">
+                <a16:creationId xmlns:a16="http://schemas.microsoft.com/office/drawing/2014/main" id="{356A3FD5-F689-D59C-380D-0905A455E076}"/>
+              </a:ext>
+            </a:extLst>
+          </p:cNvPr>
+          <p:cNvSpPr txBox="1"/>
+          <p:nvPr/>
+        </p:nvSpPr>
+        <p:spPr>
+          <a:xfrm>
+            <a:off x="658761" y="159876"/>
+            <a:ext cx="2428568" cy="307777"/>
+          </a:xfrm>
+          <a:prstGeom prst="rect">
+            <a:avLst/>
+          </a:prstGeom>
+          <a:noFill/>
+        </p:spPr>
+        <p:txBody>
+          <a:bodyPr wrap="square" rtlCol="0">
+            <a:spAutoFit/>
+          </a:bodyPr>
+          <a:lstStyle/>
+          <a:p>
+            <a:r>
+              <a:rPr lang="en-IN" sz="1400" b="1" dirty="0">
+                <a:latin typeface="Dubai" panose="020B0503030403030204" pitchFamily="34" charset="-78"/>
+                <a:cs typeface="Dubai" panose="020B0503030403030204" pitchFamily="34" charset="-78"/>
+              </a:rPr>
+              <a:t>Smart Transit Manager</a:t>
+            </a:r>
+          </a:p>
+        </p:txBody>
+      </p:sp>
+      <p:sp>
+        <p:nvSpPr>
+          <p:cNvPr id="2" name="Date Placeholder 1">
+            <a:extLst>
+              <a:ext uri="{FF2B5EF4-FFF2-40B4-BE49-F238E27FC236}">
+                <a16:creationId xmlns:a16="http://schemas.microsoft.com/office/drawing/2014/main" id="{605E07F2-DA32-89FB-8211-AABF6484BF96}"/>
+              </a:ext>
+            </a:extLst>
+          </p:cNvPr>
+          <p:cNvSpPr>
+            <a:spLocks noGrp="1"/>
+          </p:cNvSpPr>
+          <p:nvPr>
+            <p:ph type="dt" sz="half" idx="10"/>
+          </p:nvPr>
+        </p:nvSpPr>
+        <p:spPr/>
+        <p:txBody>
+          <a:bodyPr/>
+          <a:lstStyle/>
+          <a:p>
+            <a:fld id="{5D43BDE2-43FC-4E6A-9A43-DB8242B3C950}" type="datetime1">
+              <a:rPr lang="en-IN" b="1" smtClean="0"/>
+              <a:t>19-09-2025</a:t>
+            </a:fld>
+            <a:endParaRPr lang="en-IN" b="1" dirty="0"/>
+          </a:p>
+        </p:txBody>
+      </p:sp>
+      <p:cxnSp>
+        <p:nvCxnSpPr>
+          <p:cNvPr id="8" name="Straight Connector 7">
+            <a:extLst>
+              <a:ext uri="{FF2B5EF4-FFF2-40B4-BE49-F238E27FC236}">
+                <a16:creationId xmlns:a16="http://schemas.microsoft.com/office/drawing/2014/main" id="{3440E869-4807-0421-64A2-FB6B4C624033}"/>
+              </a:ext>
+            </a:extLst>
+          </p:cNvPr>
+          <p:cNvCxnSpPr>
+            <a:cxnSpLocks/>
+          </p:cNvCxnSpPr>
+          <p:nvPr/>
+        </p:nvCxnSpPr>
+        <p:spPr>
+          <a:xfrm>
+            <a:off x="363794" y="821619"/>
+            <a:ext cx="11484077" cy="0"/>
+          </a:xfrm>
+          <a:prstGeom prst="line">
+            <a:avLst/>
+          </a:prstGeom>
+          <a:ln>
+            <a:solidFill>
+              <a:schemeClr val="tx1"/>
+            </a:solidFill>
+          </a:ln>
+        </p:spPr>
+        <p:style>
+          <a:lnRef idx="1">
+            <a:schemeClr val="accent1"/>
+          </a:lnRef>
+          <a:fillRef idx="0">
+            <a:schemeClr val="accent1"/>
+          </a:fillRef>
+          <a:effectRef idx="0">
+            <a:schemeClr val="accent1"/>
+          </a:effectRef>
+          <a:fontRef idx="minor">
+            <a:schemeClr val="tx1"/>
+          </a:fontRef>
+        </p:style>
+      </p:cxnSp>
+      <p:cxnSp>
+        <p:nvCxnSpPr>
+          <p:cNvPr id="13" name="Straight Connector 12">
+            <a:extLst>
+              <a:ext uri="{FF2B5EF4-FFF2-40B4-BE49-F238E27FC236}">
+                <a16:creationId xmlns:a16="http://schemas.microsoft.com/office/drawing/2014/main" id="{457ADE4A-8F5C-0262-BFA4-2741DAAC16AB}"/>
+              </a:ext>
+            </a:extLst>
+          </p:cNvPr>
+          <p:cNvCxnSpPr>
+            <a:cxnSpLocks/>
+          </p:cNvCxnSpPr>
+          <p:nvPr/>
+        </p:nvCxnSpPr>
+        <p:spPr>
+          <a:xfrm>
+            <a:off x="363794" y="1003516"/>
+            <a:ext cx="11484077" cy="0"/>
+          </a:xfrm>
+          <a:prstGeom prst="line">
+            <a:avLst/>
+          </a:prstGeom>
+          <a:ln>
+            <a:solidFill>
+              <a:schemeClr val="tx1"/>
+            </a:solidFill>
+          </a:ln>
+        </p:spPr>
+        <p:style>
+          <a:lnRef idx="1">
+            <a:schemeClr val="accent1"/>
+          </a:lnRef>
+          <a:fillRef idx="0">
+            <a:schemeClr val="accent1"/>
+          </a:fillRef>
+          <a:effectRef idx="0">
+            <a:schemeClr val="accent1"/>
+          </a:effectRef>
+          <a:fontRef idx="minor">
+            <a:schemeClr val="tx1"/>
+          </a:fontRef>
+        </p:style>
+      </p:cxnSp>
+      <p:cxnSp>
+        <p:nvCxnSpPr>
+          <p:cNvPr id="15" name="Straight Connector 14">
+            <a:extLst>
+              <a:ext uri="{FF2B5EF4-FFF2-40B4-BE49-F238E27FC236}">
+                <a16:creationId xmlns:a16="http://schemas.microsoft.com/office/drawing/2014/main" id="{BE42164E-D2AB-E52D-8A15-D9261430362F}"/>
+              </a:ext>
+            </a:extLst>
+          </p:cNvPr>
+          <p:cNvCxnSpPr>
+            <a:cxnSpLocks/>
+          </p:cNvCxnSpPr>
+          <p:nvPr/>
+        </p:nvCxnSpPr>
+        <p:spPr>
+          <a:xfrm>
+            <a:off x="373626" y="914403"/>
+            <a:ext cx="285135" cy="0"/>
+          </a:xfrm>
+          <a:prstGeom prst="line">
+            <a:avLst/>
+          </a:prstGeom>
+          <a:ln w="38100"/>
+        </p:spPr>
+        <p:style>
+          <a:lnRef idx="3">
+            <a:schemeClr val="dk1"/>
+          </a:lnRef>
+          <a:fillRef idx="0">
+            <a:schemeClr val="dk1"/>
+          </a:fillRef>
+          <a:effectRef idx="2">
+            <a:schemeClr val="dk1"/>
+          </a:effectRef>
+          <a:fontRef idx="minor">
+            <a:schemeClr val="tx1"/>
+          </a:fontRef>
+        </p:style>
+      </p:cxnSp>
+      <p:cxnSp>
+        <p:nvCxnSpPr>
+          <p:cNvPr id="17" name="Straight Connector 16">
+            <a:extLst>
+              <a:ext uri="{FF2B5EF4-FFF2-40B4-BE49-F238E27FC236}">
+                <a16:creationId xmlns:a16="http://schemas.microsoft.com/office/drawing/2014/main" id="{CFCCE18C-22DC-0A48-277B-CB949CE0F7BE}"/>
+              </a:ext>
+            </a:extLst>
+          </p:cNvPr>
+          <p:cNvCxnSpPr>
+            <a:cxnSpLocks/>
+          </p:cNvCxnSpPr>
+          <p:nvPr/>
+        </p:nvCxnSpPr>
+        <p:spPr>
+          <a:xfrm>
+            <a:off x="762002" y="909488"/>
+            <a:ext cx="285135" cy="0"/>
+          </a:xfrm>
+          <a:prstGeom prst="line">
+            <a:avLst/>
+          </a:prstGeom>
+          <a:ln w="38100"/>
+        </p:spPr>
+        <p:style>
+          <a:lnRef idx="3">
+            <a:schemeClr val="dk1"/>
+          </a:lnRef>
+          <a:fillRef idx="0">
+            <a:schemeClr val="dk1"/>
+          </a:fillRef>
+          <a:effectRef idx="2">
+            <a:schemeClr val="dk1"/>
+          </a:effectRef>
+          <a:fontRef idx="minor">
+            <a:schemeClr val="tx1"/>
+          </a:fontRef>
+        </p:style>
+      </p:cxnSp>
+      <p:cxnSp>
+        <p:nvCxnSpPr>
+          <p:cNvPr id="18" name="Straight Connector 17">
+            <a:extLst>
+              <a:ext uri="{FF2B5EF4-FFF2-40B4-BE49-F238E27FC236}">
+                <a16:creationId xmlns:a16="http://schemas.microsoft.com/office/drawing/2014/main" id="{C17D9E73-CFAA-DC3B-03A1-2FDDD5ED6281}"/>
+              </a:ext>
+            </a:extLst>
+          </p:cNvPr>
+          <p:cNvCxnSpPr>
+            <a:cxnSpLocks/>
+          </p:cNvCxnSpPr>
+          <p:nvPr/>
+        </p:nvCxnSpPr>
+        <p:spPr>
+          <a:xfrm>
+            <a:off x="1150376" y="914403"/>
+            <a:ext cx="285135" cy="0"/>
+          </a:xfrm>
+          <a:prstGeom prst="line">
+            <a:avLst/>
+          </a:prstGeom>
+          <a:ln w="38100"/>
+        </p:spPr>
+        <p:style>
+          <a:lnRef idx="3">
+            <a:schemeClr val="dk1"/>
+          </a:lnRef>
+          <a:fillRef idx="0">
+            <a:schemeClr val="dk1"/>
+          </a:fillRef>
+          <a:effectRef idx="2">
+            <a:schemeClr val="dk1"/>
+          </a:effectRef>
+          <a:fontRef idx="minor">
+            <a:schemeClr val="tx1"/>
+          </a:fontRef>
+        </p:style>
+      </p:cxnSp>
+      <p:cxnSp>
+        <p:nvCxnSpPr>
+          <p:cNvPr id="19" name="Straight Connector 18">
+            <a:extLst>
+              <a:ext uri="{FF2B5EF4-FFF2-40B4-BE49-F238E27FC236}">
+                <a16:creationId xmlns:a16="http://schemas.microsoft.com/office/drawing/2014/main" id="{39EFB438-EC07-E0AD-211A-718EBCC0B26F}"/>
+              </a:ext>
+            </a:extLst>
+          </p:cNvPr>
+          <p:cNvCxnSpPr>
+            <a:cxnSpLocks/>
+          </p:cNvCxnSpPr>
+          <p:nvPr/>
+        </p:nvCxnSpPr>
+        <p:spPr>
+          <a:xfrm>
+            <a:off x="1519084" y="909489"/>
+            <a:ext cx="285135" cy="0"/>
+          </a:xfrm>
+          <a:prstGeom prst="line">
+            <a:avLst/>
+          </a:prstGeom>
+          <a:ln w="38100"/>
+        </p:spPr>
+        <p:style>
+          <a:lnRef idx="3">
+            <a:schemeClr val="dk1"/>
+          </a:lnRef>
+          <a:fillRef idx="0">
+            <a:schemeClr val="dk1"/>
+          </a:fillRef>
+          <a:effectRef idx="2">
+            <a:schemeClr val="dk1"/>
+          </a:effectRef>
+          <a:fontRef idx="minor">
+            <a:schemeClr val="tx1"/>
+          </a:fontRef>
+        </p:style>
+      </p:cxnSp>
+      <p:cxnSp>
+        <p:nvCxnSpPr>
+          <p:cNvPr id="20" name="Straight Connector 19">
+            <a:extLst>
+              <a:ext uri="{FF2B5EF4-FFF2-40B4-BE49-F238E27FC236}">
+                <a16:creationId xmlns:a16="http://schemas.microsoft.com/office/drawing/2014/main" id="{072C94C0-4A58-E745-F5B2-B2D7664AC0EF}"/>
+              </a:ext>
+            </a:extLst>
+          </p:cNvPr>
+          <p:cNvCxnSpPr>
+            <a:cxnSpLocks/>
+          </p:cNvCxnSpPr>
+          <p:nvPr/>
+        </p:nvCxnSpPr>
+        <p:spPr>
+          <a:xfrm>
+            <a:off x="1917296" y="914402"/>
+            <a:ext cx="285135" cy="0"/>
+          </a:xfrm>
+          <a:prstGeom prst="line">
+            <a:avLst/>
+          </a:prstGeom>
+          <a:ln w="38100"/>
+        </p:spPr>
+        <p:style>
+          <a:lnRef idx="3">
+            <a:schemeClr val="dk1"/>
+          </a:lnRef>
+          <a:fillRef idx="0">
+            <a:schemeClr val="dk1"/>
+          </a:fillRef>
+          <a:effectRef idx="2">
+            <a:schemeClr val="dk1"/>
+          </a:effectRef>
+          <a:fontRef idx="minor">
+            <a:schemeClr val="tx1"/>
+          </a:fontRef>
+        </p:style>
+      </p:cxnSp>
+      <p:cxnSp>
+        <p:nvCxnSpPr>
+          <p:cNvPr id="21" name="Straight Connector 20">
+            <a:extLst>
+              <a:ext uri="{FF2B5EF4-FFF2-40B4-BE49-F238E27FC236}">
+                <a16:creationId xmlns:a16="http://schemas.microsoft.com/office/drawing/2014/main" id="{96D8E8E1-9B69-73DF-F79E-F5F1ECCC9E14}"/>
+              </a:ext>
+            </a:extLst>
+          </p:cNvPr>
+          <p:cNvCxnSpPr>
+            <a:cxnSpLocks/>
+          </p:cNvCxnSpPr>
+          <p:nvPr/>
+        </p:nvCxnSpPr>
+        <p:spPr>
+          <a:xfrm>
+            <a:off x="2286002" y="909487"/>
+            <a:ext cx="285135" cy="0"/>
+          </a:xfrm>
+          <a:prstGeom prst="line">
+            <a:avLst/>
+          </a:prstGeom>
+          <a:ln w="38100"/>
+        </p:spPr>
+        <p:style>
+          <a:lnRef idx="3">
+            <a:schemeClr val="dk1"/>
+          </a:lnRef>
+          <a:fillRef idx="0">
+            <a:schemeClr val="dk1"/>
+          </a:fillRef>
+          <a:effectRef idx="2">
+            <a:schemeClr val="dk1"/>
+          </a:effectRef>
+          <a:fontRef idx="minor">
+            <a:schemeClr val="tx1"/>
+          </a:fontRef>
+        </p:style>
+      </p:cxnSp>
+      <p:cxnSp>
+        <p:nvCxnSpPr>
+          <p:cNvPr id="22" name="Straight Connector 21">
+            <a:extLst>
+              <a:ext uri="{FF2B5EF4-FFF2-40B4-BE49-F238E27FC236}">
+                <a16:creationId xmlns:a16="http://schemas.microsoft.com/office/drawing/2014/main" id="{8339C90F-BC18-23E0-D3AC-058CB32ACBFD}"/>
+              </a:ext>
+            </a:extLst>
+          </p:cNvPr>
+          <p:cNvCxnSpPr>
+            <a:cxnSpLocks/>
+          </p:cNvCxnSpPr>
+          <p:nvPr/>
+        </p:nvCxnSpPr>
+        <p:spPr>
+          <a:xfrm>
+            <a:off x="2664548" y="914403"/>
+            <a:ext cx="285135" cy="0"/>
+          </a:xfrm>
+          <a:prstGeom prst="line">
+            <a:avLst/>
+          </a:prstGeom>
+          <a:ln w="38100"/>
+        </p:spPr>
+        <p:style>
+          <a:lnRef idx="3">
+            <a:schemeClr val="dk1"/>
+          </a:lnRef>
+          <a:fillRef idx="0">
+            <a:schemeClr val="dk1"/>
+          </a:fillRef>
+          <a:effectRef idx="2">
+            <a:schemeClr val="dk1"/>
+          </a:effectRef>
+          <a:fontRef idx="minor">
+            <a:schemeClr val="tx1"/>
+          </a:fontRef>
+        </p:style>
+      </p:cxnSp>
+      <p:cxnSp>
+        <p:nvCxnSpPr>
+          <p:cNvPr id="23" name="Straight Connector 22">
+            <a:extLst>
+              <a:ext uri="{FF2B5EF4-FFF2-40B4-BE49-F238E27FC236}">
+                <a16:creationId xmlns:a16="http://schemas.microsoft.com/office/drawing/2014/main" id="{5236C529-A64D-681B-0DD8-590A09864D0F}"/>
+              </a:ext>
+            </a:extLst>
+          </p:cNvPr>
+          <p:cNvCxnSpPr>
+            <a:cxnSpLocks/>
+          </p:cNvCxnSpPr>
+          <p:nvPr/>
+        </p:nvCxnSpPr>
+        <p:spPr>
+          <a:xfrm>
+            <a:off x="3033255" y="919318"/>
+            <a:ext cx="285135" cy="0"/>
+          </a:xfrm>
+          <a:prstGeom prst="line">
+            <a:avLst/>
+          </a:prstGeom>
+          <a:ln w="38100"/>
+        </p:spPr>
+        <p:style>
+          <a:lnRef idx="3">
+            <a:schemeClr val="dk1"/>
+          </a:lnRef>
+          <a:fillRef idx="0">
+            <a:schemeClr val="dk1"/>
+          </a:fillRef>
+          <a:effectRef idx="2">
+            <a:schemeClr val="dk1"/>
+          </a:effectRef>
+          <a:fontRef idx="minor">
+            <a:schemeClr val="tx1"/>
+          </a:fontRef>
+        </p:style>
+      </p:cxnSp>
+      <p:cxnSp>
+        <p:nvCxnSpPr>
+          <p:cNvPr id="24" name="Straight Connector 23">
+            <a:extLst>
+              <a:ext uri="{FF2B5EF4-FFF2-40B4-BE49-F238E27FC236}">
+                <a16:creationId xmlns:a16="http://schemas.microsoft.com/office/drawing/2014/main" id="{AA9C4738-24CB-866F-7AC2-F21AD8489B70}"/>
+              </a:ext>
+            </a:extLst>
+          </p:cNvPr>
+          <p:cNvCxnSpPr>
+            <a:cxnSpLocks/>
+          </p:cNvCxnSpPr>
+          <p:nvPr/>
+        </p:nvCxnSpPr>
+        <p:spPr>
+          <a:xfrm>
+            <a:off x="3421629" y="914403"/>
+            <a:ext cx="285135" cy="0"/>
+          </a:xfrm>
+          <a:prstGeom prst="line">
+            <a:avLst/>
+          </a:prstGeom>
+          <a:ln w="38100"/>
+        </p:spPr>
+        <p:style>
+          <a:lnRef idx="3">
+            <a:schemeClr val="dk1"/>
+          </a:lnRef>
+          <a:fillRef idx="0">
+            <a:schemeClr val="dk1"/>
+          </a:fillRef>
+          <a:effectRef idx="2">
+            <a:schemeClr val="dk1"/>
+          </a:effectRef>
+          <a:fontRef idx="minor">
+            <a:schemeClr val="tx1"/>
+          </a:fontRef>
+        </p:style>
+      </p:cxnSp>
+      <p:cxnSp>
+        <p:nvCxnSpPr>
+          <p:cNvPr id="25" name="Straight Connector 24">
+            <a:extLst>
+              <a:ext uri="{FF2B5EF4-FFF2-40B4-BE49-F238E27FC236}">
+                <a16:creationId xmlns:a16="http://schemas.microsoft.com/office/drawing/2014/main" id="{81BC35FF-02FB-6129-31B9-BF8B481DF5C6}"/>
+              </a:ext>
+            </a:extLst>
+          </p:cNvPr>
+          <p:cNvCxnSpPr>
+            <a:cxnSpLocks/>
+          </p:cNvCxnSpPr>
+          <p:nvPr/>
+        </p:nvCxnSpPr>
+        <p:spPr>
+          <a:xfrm>
+            <a:off x="3790338" y="919317"/>
+            <a:ext cx="285135" cy="0"/>
+          </a:xfrm>
+          <a:prstGeom prst="line">
+            <a:avLst/>
+          </a:prstGeom>
+          <a:ln w="38100"/>
+        </p:spPr>
+        <p:style>
+          <a:lnRef idx="3">
+            <a:schemeClr val="dk1"/>
+          </a:lnRef>
+          <a:fillRef idx="0">
+            <a:schemeClr val="dk1"/>
+          </a:fillRef>
+          <a:effectRef idx="2">
+            <a:schemeClr val="dk1"/>
+          </a:effectRef>
+          <a:fontRef idx="minor">
+            <a:schemeClr val="tx1"/>
+          </a:fontRef>
+        </p:style>
+      </p:cxnSp>
+      <p:cxnSp>
+        <p:nvCxnSpPr>
+          <p:cNvPr id="26" name="Straight Connector 25">
+            <a:extLst>
+              <a:ext uri="{FF2B5EF4-FFF2-40B4-BE49-F238E27FC236}">
+                <a16:creationId xmlns:a16="http://schemas.microsoft.com/office/drawing/2014/main" id="{BF997454-240A-7C82-5678-F7EE3DD01204}"/>
+              </a:ext>
+            </a:extLst>
+          </p:cNvPr>
+          <p:cNvCxnSpPr>
+            <a:cxnSpLocks/>
+          </p:cNvCxnSpPr>
+          <p:nvPr/>
+        </p:nvCxnSpPr>
+        <p:spPr>
+          <a:xfrm>
+            <a:off x="4188545" y="914403"/>
+            <a:ext cx="285135" cy="0"/>
+          </a:xfrm>
+          <a:prstGeom prst="line">
+            <a:avLst/>
+          </a:prstGeom>
+          <a:ln w="38100"/>
+        </p:spPr>
+        <p:style>
+          <a:lnRef idx="3">
+            <a:schemeClr val="dk1"/>
+          </a:lnRef>
+          <a:fillRef idx="0">
+            <a:schemeClr val="dk1"/>
+          </a:fillRef>
+          <a:effectRef idx="2">
+            <a:schemeClr val="dk1"/>
+          </a:effectRef>
+          <a:fontRef idx="minor">
+            <a:schemeClr val="tx1"/>
+          </a:fontRef>
+        </p:style>
+      </p:cxnSp>
+      <p:cxnSp>
+        <p:nvCxnSpPr>
+          <p:cNvPr id="27" name="Straight Connector 26">
+            <a:extLst>
+              <a:ext uri="{FF2B5EF4-FFF2-40B4-BE49-F238E27FC236}">
+                <a16:creationId xmlns:a16="http://schemas.microsoft.com/office/drawing/2014/main" id="{1D3CF4FC-BE55-089C-CAB3-87C3BE075511}"/>
+              </a:ext>
+            </a:extLst>
+          </p:cNvPr>
+          <p:cNvCxnSpPr>
+            <a:cxnSpLocks/>
+          </p:cNvCxnSpPr>
+          <p:nvPr/>
+        </p:nvCxnSpPr>
+        <p:spPr>
+          <a:xfrm>
+            <a:off x="4557260" y="909487"/>
+            <a:ext cx="285135" cy="0"/>
+          </a:xfrm>
+          <a:prstGeom prst="line">
+            <a:avLst/>
+          </a:prstGeom>
+          <a:ln w="38100"/>
+        </p:spPr>
+        <p:style>
+          <a:lnRef idx="3">
+            <a:schemeClr val="dk1"/>
+          </a:lnRef>
+          <a:fillRef idx="0">
+            <a:schemeClr val="dk1"/>
+          </a:fillRef>
+          <a:effectRef idx="2">
+            <a:schemeClr val="dk1"/>
+          </a:effectRef>
+          <a:fontRef idx="minor">
+            <a:schemeClr val="tx1"/>
+          </a:fontRef>
+        </p:style>
+      </p:cxnSp>
+      <p:cxnSp>
+        <p:nvCxnSpPr>
+          <p:cNvPr id="28" name="Straight Connector 27">
+            <a:extLst>
+              <a:ext uri="{FF2B5EF4-FFF2-40B4-BE49-F238E27FC236}">
+                <a16:creationId xmlns:a16="http://schemas.microsoft.com/office/drawing/2014/main" id="{1C6190AF-1E2D-C9EF-F114-B8334CFAE95D}"/>
+              </a:ext>
+            </a:extLst>
+          </p:cNvPr>
+          <p:cNvCxnSpPr>
+            <a:cxnSpLocks/>
+          </p:cNvCxnSpPr>
+          <p:nvPr/>
+        </p:nvCxnSpPr>
+        <p:spPr>
+          <a:xfrm>
+            <a:off x="4925970" y="914400"/>
+            <a:ext cx="285135" cy="0"/>
+          </a:xfrm>
+          <a:prstGeom prst="line">
+            <a:avLst/>
+          </a:prstGeom>
+          <a:ln w="38100"/>
+        </p:spPr>
+        <p:style>
+          <a:lnRef idx="3">
+            <a:schemeClr val="dk1"/>
+          </a:lnRef>
+          <a:fillRef idx="0">
+            <a:schemeClr val="dk1"/>
+          </a:fillRef>
+          <a:effectRef idx="2">
+            <a:schemeClr val="dk1"/>
+          </a:effectRef>
+          <a:fontRef idx="minor">
+            <a:schemeClr val="tx1"/>
+          </a:fontRef>
+        </p:style>
+      </p:cxnSp>
+      <p:cxnSp>
+        <p:nvCxnSpPr>
+          <p:cNvPr id="29" name="Straight Connector 28">
+            <a:extLst>
+              <a:ext uri="{FF2B5EF4-FFF2-40B4-BE49-F238E27FC236}">
+                <a16:creationId xmlns:a16="http://schemas.microsoft.com/office/drawing/2014/main" id="{6487C443-7AB3-3B3B-D839-F1DDAEC6C2FF}"/>
+              </a:ext>
+            </a:extLst>
+          </p:cNvPr>
+          <p:cNvCxnSpPr>
+            <a:cxnSpLocks/>
+          </p:cNvCxnSpPr>
+          <p:nvPr/>
+        </p:nvCxnSpPr>
+        <p:spPr>
+          <a:xfrm>
+            <a:off x="5275017" y="919318"/>
+            <a:ext cx="285135" cy="0"/>
+          </a:xfrm>
+          <a:prstGeom prst="line">
+            <a:avLst/>
+          </a:prstGeom>
+          <a:ln w="38100"/>
+        </p:spPr>
+        <p:style>
+          <a:lnRef idx="3">
+            <a:schemeClr val="dk1"/>
+          </a:lnRef>
+          <a:fillRef idx="0">
+            <a:schemeClr val="dk1"/>
+          </a:fillRef>
+          <a:effectRef idx="2">
+            <a:schemeClr val="dk1"/>
+          </a:effectRef>
+          <a:fontRef idx="minor">
+            <a:schemeClr val="tx1"/>
+          </a:fontRef>
+        </p:style>
+      </p:cxnSp>
+      <p:cxnSp>
+        <p:nvCxnSpPr>
+          <p:cNvPr id="30" name="Straight Connector 29">
+            <a:extLst>
+              <a:ext uri="{FF2B5EF4-FFF2-40B4-BE49-F238E27FC236}">
+                <a16:creationId xmlns:a16="http://schemas.microsoft.com/office/drawing/2014/main" id="{8BA72FCD-0213-DB32-2984-3F726FC88AC9}"/>
+              </a:ext>
+            </a:extLst>
+          </p:cNvPr>
+          <p:cNvCxnSpPr>
+            <a:cxnSpLocks/>
+          </p:cNvCxnSpPr>
+          <p:nvPr/>
+        </p:nvCxnSpPr>
+        <p:spPr>
+          <a:xfrm>
+            <a:off x="5653557" y="914399"/>
+            <a:ext cx="285135" cy="0"/>
+          </a:xfrm>
+          <a:prstGeom prst="line">
+            <a:avLst/>
+          </a:prstGeom>
+          <a:ln w="38100"/>
+        </p:spPr>
+        <p:style>
+          <a:lnRef idx="3">
+            <a:schemeClr val="dk1"/>
+          </a:lnRef>
+          <a:fillRef idx="0">
+            <a:schemeClr val="dk1"/>
+          </a:fillRef>
+          <a:effectRef idx="2">
+            <a:schemeClr val="dk1"/>
+          </a:effectRef>
+          <a:fontRef idx="minor">
+            <a:schemeClr val="tx1"/>
+          </a:fontRef>
+        </p:style>
+      </p:cxnSp>
+      <p:cxnSp>
+        <p:nvCxnSpPr>
+          <p:cNvPr id="31" name="Straight Connector 30">
+            <a:extLst>
+              <a:ext uri="{FF2B5EF4-FFF2-40B4-BE49-F238E27FC236}">
+                <a16:creationId xmlns:a16="http://schemas.microsoft.com/office/drawing/2014/main" id="{F69AAA46-E1F5-3C4C-9500-A285AAFB45DB}"/>
+              </a:ext>
+            </a:extLst>
+          </p:cNvPr>
+          <p:cNvCxnSpPr>
+            <a:cxnSpLocks/>
+          </p:cNvCxnSpPr>
+          <p:nvPr/>
+        </p:nvCxnSpPr>
+        <p:spPr>
+          <a:xfrm>
+            <a:off x="6032101" y="909488"/>
+            <a:ext cx="285135" cy="0"/>
+          </a:xfrm>
+          <a:prstGeom prst="line">
+            <a:avLst/>
+          </a:prstGeom>
+          <a:ln w="38100"/>
+        </p:spPr>
+        <p:style>
+          <a:lnRef idx="3">
+            <a:schemeClr val="dk1"/>
+          </a:lnRef>
+          <a:fillRef idx="0">
+            <a:schemeClr val="dk1"/>
+          </a:fillRef>
+          <a:effectRef idx="2">
+            <a:schemeClr val="dk1"/>
+          </a:effectRef>
+          <a:fontRef idx="minor">
+            <a:schemeClr val="tx1"/>
+          </a:fontRef>
+        </p:style>
+      </p:cxnSp>
+      <p:cxnSp>
+        <p:nvCxnSpPr>
+          <p:cNvPr id="32" name="Straight Connector 31">
+            <a:extLst>
+              <a:ext uri="{FF2B5EF4-FFF2-40B4-BE49-F238E27FC236}">
+                <a16:creationId xmlns:a16="http://schemas.microsoft.com/office/drawing/2014/main" id="{3E4DBA70-E4E9-4951-4A70-8ED7DB7A32F7}"/>
+              </a:ext>
+            </a:extLst>
+          </p:cNvPr>
+          <p:cNvCxnSpPr>
+            <a:cxnSpLocks/>
+          </p:cNvCxnSpPr>
+          <p:nvPr/>
+        </p:nvCxnSpPr>
+        <p:spPr>
+          <a:xfrm>
+            <a:off x="6440138" y="914400"/>
+            <a:ext cx="285135" cy="0"/>
+          </a:xfrm>
+          <a:prstGeom prst="line">
+            <a:avLst/>
+          </a:prstGeom>
+          <a:ln w="38100"/>
+        </p:spPr>
+        <p:style>
+          <a:lnRef idx="3">
+            <a:schemeClr val="dk1"/>
+          </a:lnRef>
+          <a:fillRef idx="0">
+            <a:schemeClr val="dk1"/>
+          </a:fillRef>
+          <a:effectRef idx="2">
+            <a:schemeClr val="dk1"/>
+          </a:effectRef>
+          <a:fontRef idx="minor">
+            <a:schemeClr val="tx1"/>
+          </a:fontRef>
+        </p:style>
+      </p:cxnSp>
+      <p:cxnSp>
+        <p:nvCxnSpPr>
+          <p:cNvPr id="37" name="Straight Connector 36">
+            <a:extLst>
+              <a:ext uri="{FF2B5EF4-FFF2-40B4-BE49-F238E27FC236}">
+                <a16:creationId xmlns:a16="http://schemas.microsoft.com/office/drawing/2014/main" id="{62F8A405-D27C-4A36-5DF2-57254E1D51FC}"/>
+              </a:ext>
+            </a:extLst>
+          </p:cNvPr>
+          <p:cNvCxnSpPr>
+            <a:cxnSpLocks/>
+          </p:cNvCxnSpPr>
+          <p:nvPr/>
+        </p:nvCxnSpPr>
+        <p:spPr>
+          <a:xfrm>
+            <a:off x="6848188" y="919317"/>
+            <a:ext cx="285135" cy="0"/>
+          </a:xfrm>
+          <a:prstGeom prst="line">
+            <a:avLst/>
+          </a:prstGeom>
+          <a:ln w="38100"/>
+        </p:spPr>
+        <p:style>
+          <a:lnRef idx="3">
+            <a:schemeClr val="dk1"/>
+          </a:lnRef>
+          <a:fillRef idx="0">
+            <a:schemeClr val="dk1"/>
+          </a:fillRef>
+          <a:effectRef idx="2">
+            <a:schemeClr val="dk1"/>
+          </a:effectRef>
+          <a:fontRef idx="minor">
+            <a:schemeClr val="tx1"/>
+          </a:fontRef>
+        </p:style>
+      </p:cxnSp>
+      <p:cxnSp>
+        <p:nvCxnSpPr>
+          <p:cNvPr id="38" name="Straight Connector 37">
+            <a:extLst>
+              <a:ext uri="{FF2B5EF4-FFF2-40B4-BE49-F238E27FC236}">
+                <a16:creationId xmlns:a16="http://schemas.microsoft.com/office/drawing/2014/main" id="{0C4A710A-2454-5BF4-5E10-D1AD85D4C25B}"/>
+              </a:ext>
+            </a:extLst>
+          </p:cNvPr>
+          <p:cNvCxnSpPr>
+            <a:cxnSpLocks/>
+          </p:cNvCxnSpPr>
+          <p:nvPr/>
+        </p:nvCxnSpPr>
+        <p:spPr>
+          <a:xfrm>
+            <a:off x="7216894" y="914402"/>
+            <a:ext cx="285135" cy="0"/>
+          </a:xfrm>
+          <a:prstGeom prst="line">
+            <a:avLst/>
+          </a:prstGeom>
+          <a:ln w="38100"/>
+        </p:spPr>
+        <p:style>
+          <a:lnRef idx="3">
+            <a:schemeClr val="dk1"/>
+          </a:lnRef>
+          <a:fillRef idx="0">
+            <a:schemeClr val="dk1"/>
+          </a:fillRef>
+          <a:effectRef idx="2">
+            <a:schemeClr val="dk1"/>
+          </a:effectRef>
+          <a:fontRef idx="minor">
+            <a:schemeClr val="tx1"/>
+          </a:fontRef>
+        </p:style>
+      </p:cxnSp>
+      <p:cxnSp>
+        <p:nvCxnSpPr>
+          <p:cNvPr id="39" name="Straight Connector 38">
+            <a:extLst>
+              <a:ext uri="{FF2B5EF4-FFF2-40B4-BE49-F238E27FC236}">
+                <a16:creationId xmlns:a16="http://schemas.microsoft.com/office/drawing/2014/main" id="{838F94AF-3869-CA36-361D-2F2C559EE48E}"/>
+              </a:ext>
+            </a:extLst>
+          </p:cNvPr>
+          <p:cNvCxnSpPr>
+            <a:cxnSpLocks/>
+          </p:cNvCxnSpPr>
+          <p:nvPr/>
+        </p:nvCxnSpPr>
+        <p:spPr>
+          <a:xfrm>
+            <a:off x="7595440" y="919318"/>
+            <a:ext cx="285135" cy="0"/>
+          </a:xfrm>
+          <a:prstGeom prst="line">
+            <a:avLst/>
+          </a:prstGeom>
+          <a:ln w="38100"/>
+        </p:spPr>
+        <p:style>
+          <a:lnRef idx="3">
+            <a:schemeClr val="dk1"/>
+          </a:lnRef>
+          <a:fillRef idx="0">
+            <a:schemeClr val="dk1"/>
+          </a:fillRef>
+          <a:effectRef idx="2">
+            <a:schemeClr val="dk1"/>
+          </a:effectRef>
+          <a:fontRef idx="minor">
+            <a:schemeClr val="tx1"/>
+          </a:fontRef>
+        </p:style>
+      </p:cxnSp>
+      <p:cxnSp>
+        <p:nvCxnSpPr>
+          <p:cNvPr id="40" name="Straight Connector 39">
+            <a:extLst>
+              <a:ext uri="{FF2B5EF4-FFF2-40B4-BE49-F238E27FC236}">
+                <a16:creationId xmlns:a16="http://schemas.microsoft.com/office/drawing/2014/main" id="{92EC20E7-72D4-07C9-E1DD-F11ACF2A9504}"/>
+              </a:ext>
+            </a:extLst>
+          </p:cNvPr>
+          <p:cNvCxnSpPr>
+            <a:cxnSpLocks/>
+          </p:cNvCxnSpPr>
+          <p:nvPr/>
+        </p:nvCxnSpPr>
+        <p:spPr>
+          <a:xfrm>
+            <a:off x="7964147" y="914401"/>
+            <a:ext cx="285135" cy="0"/>
+          </a:xfrm>
+          <a:prstGeom prst="line">
+            <a:avLst/>
+          </a:prstGeom>
+          <a:ln w="38100"/>
+        </p:spPr>
+        <p:style>
+          <a:lnRef idx="3">
+            <a:schemeClr val="dk1"/>
+          </a:lnRef>
+          <a:fillRef idx="0">
+            <a:schemeClr val="dk1"/>
+          </a:fillRef>
+          <a:effectRef idx="2">
+            <a:schemeClr val="dk1"/>
+          </a:effectRef>
+          <a:fontRef idx="minor">
+            <a:schemeClr val="tx1"/>
+          </a:fontRef>
+        </p:style>
+      </p:cxnSp>
+      <p:cxnSp>
+        <p:nvCxnSpPr>
+          <p:cNvPr id="41" name="Straight Connector 40">
+            <a:extLst>
+              <a:ext uri="{FF2B5EF4-FFF2-40B4-BE49-F238E27FC236}">
+                <a16:creationId xmlns:a16="http://schemas.microsoft.com/office/drawing/2014/main" id="{8CE34913-6BD1-CF3C-E2A5-0851E3A94799}"/>
+              </a:ext>
+            </a:extLst>
+          </p:cNvPr>
+          <p:cNvCxnSpPr>
+            <a:cxnSpLocks/>
+          </p:cNvCxnSpPr>
+          <p:nvPr/>
+        </p:nvCxnSpPr>
+        <p:spPr>
+          <a:xfrm>
+            <a:off x="8352521" y="919318"/>
+            <a:ext cx="285135" cy="0"/>
+          </a:xfrm>
+          <a:prstGeom prst="line">
+            <a:avLst/>
+          </a:prstGeom>
+          <a:ln w="38100"/>
+        </p:spPr>
+        <p:style>
+          <a:lnRef idx="3">
+            <a:schemeClr val="dk1"/>
+          </a:lnRef>
+          <a:fillRef idx="0">
+            <a:schemeClr val="dk1"/>
+          </a:fillRef>
+          <a:effectRef idx="2">
+            <a:schemeClr val="dk1"/>
+          </a:effectRef>
+          <a:fontRef idx="minor">
+            <a:schemeClr val="tx1"/>
+          </a:fontRef>
+        </p:style>
+      </p:cxnSp>
+      <p:cxnSp>
+        <p:nvCxnSpPr>
+          <p:cNvPr id="42" name="Straight Connector 41">
+            <a:extLst>
+              <a:ext uri="{FF2B5EF4-FFF2-40B4-BE49-F238E27FC236}">
+                <a16:creationId xmlns:a16="http://schemas.microsoft.com/office/drawing/2014/main" id="{1D6B7611-6E80-D7A0-FAAA-5809737BF11B}"/>
+              </a:ext>
+            </a:extLst>
+          </p:cNvPr>
+          <p:cNvCxnSpPr>
+            <a:cxnSpLocks/>
+          </p:cNvCxnSpPr>
+          <p:nvPr/>
+        </p:nvCxnSpPr>
+        <p:spPr>
+          <a:xfrm>
+            <a:off x="8721230" y="914400"/>
+            <a:ext cx="285135" cy="0"/>
+          </a:xfrm>
+          <a:prstGeom prst="line">
+            <a:avLst/>
+          </a:prstGeom>
+          <a:ln w="38100"/>
+        </p:spPr>
+        <p:style>
+          <a:lnRef idx="3">
+            <a:schemeClr val="dk1"/>
+          </a:lnRef>
+          <a:fillRef idx="0">
+            <a:schemeClr val="dk1"/>
+          </a:fillRef>
+          <a:effectRef idx="2">
+            <a:schemeClr val="dk1"/>
+          </a:effectRef>
+          <a:fontRef idx="minor">
+            <a:schemeClr val="tx1"/>
+          </a:fontRef>
+        </p:style>
+      </p:cxnSp>
+      <p:cxnSp>
+        <p:nvCxnSpPr>
+          <p:cNvPr id="43" name="Straight Connector 42">
+            <a:extLst>
+              <a:ext uri="{FF2B5EF4-FFF2-40B4-BE49-F238E27FC236}">
+                <a16:creationId xmlns:a16="http://schemas.microsoft.com/office/drawing/2014/main" id="{04B1B2FF-CF01-37C4-77BB-61C07DFAC2CF}"/>
+              </a:ext>
+            </a:extLst>
+          </p:cNvPr>
+          <p:cNvCxnSpPr>
+            <a:cxnSpLocks/>
+          </p:cNvCxnSpPr>
+          <p:nvPr/>
+        </p:nvCxnSpPr>
+        <p:spPr>
+          <a:xfrm>
+            <a:off x="9119437" y="919318"/>
+            <a:ext cx="285135" cy="0"/>
+          </a:xfrm>
+          <a:prstGeom prst="line">
+            <a:avLst/>
+          </a:prstGeom>
+          <a:ln w="38100"/>
+        </p:spPr>
+        <p:style>
+          <a:lnRef idx="3">
+            <a:schemeClr val="dk1"/>
+          </a:lnRef>
+          <a:fillRef idx="0">
+            <a:schemeClr val="dk1"/>
+          </a:fillRef>
+          <a:effectRef idx="2">
+            <a:schemeClr val="dk1"/>
+          </a:effectRef>
+          <a:fontRef idx="minor">
+            <a:schemeClr val="tx1"/>
+          </a:fontRef>
+        </p:style>
+      </p:cxnSp>
+      <p:cxnSp>
+        <p:nvCxnSpPr>
+          <p:cNvPr id="44" name="Straight Connector 43">
+            <a:extLst>
+              <a:ext uri="{FF2B5EF4-FFF2-40B4-BE49-F238E27FC236}">
+                <a16:creationId xmlns:a16="http://schemas.microsoft.com/office/drawing/2014/main" id="{FDACD16C-C179-593F-8ADB-BB911F00D416}"/>
+              </a:ext>
+            </a:extLst>
+          </p:cNvPr>
+          <p:cNvCxnSpPr>
+            <a:cxnSpLocks/>
+          </p:cNvCxnSpPr>
+          <p:nvPr/>
+        </p:nvCxnSpPr>
+        <p:spPr>
+          <a:xfrm>
+            <a:off x="9488152" y="914402"/>
+            <a:ext cx="285135" cy="0"/>
+          </a:xfrm>
+          <a:prstGeom prst="line">
+            <a:avLst/>
+          </a:prstGeom>
+          <a:ln w="38100"/>
+        </p:spPr>
+        <p:style>
+          <a:lnRef idx="3">
+            <a:schemeClr val="dk1"/>
+          </a:lnRef>
+          <a:fillRef idx="0">
+            <a:schemeClr val="dk1"/>
+          </a:fillRef>
+          <a:effectRef idx="2">
+            <a:schemeClr val="dk1"/>
+          </a:effectRef>
+          <a:fontRef idx="minor">
+            <a:schemeClr val="tx1"/>
+          </a:fontRef>
+        </p:style>
+      </p:cxnSp>
+      <p:cxnSp>
+        <p:nvCxnSpPr>
+          <p:cNvPr id="45" name="Straight Connector 44">
+            <a:extLst>
+              <a:ext uri="{FF2B5EF4-FFF2-40B4-BE49-F238E27FC236}">
+                <a16:creationId xmlns:a16="http://schemas.microsoft.com/office/drawing/2014/main" id="{E2E9A036-3408-A892-2424-B896725B26BE}"/>
+              </a:ext>
+            </a:extLst>
+          </p:cNvPr>
+          <p:cNvCxnSpPr>
+            <a:cxnSpLocks/>
+          </p:cNvCxnSpPr>
+          <p:nvPr/>
+        </p:nvCxnSpPr>
+        <p:spPr>
+          <a:xfrm>
+            <a:off x="9856862" y="919315"/>
+            <a:ext cx="285135" cy="0"/>
+          </a:xfrm>
+          <a:prstGeom prst="line">
+            <a:avLst/>
+          </a:prstGeom>
+          <a:ln w="38100"/>
+        </p:spPr>
+        <p:style>
+          <a:lnRef idx="3">
+            <a:schemeClr val="dk1"/>
+          </a:lnRef>
+          <a:fillRef idx="0">
+            <a:schemeClr val="dk1"/>
+          </a:fillRef>
+          <a:effectRef idx="2">
+            <a:schemeClr val="dk1"/>
+          </a:effectRef>
+          <a:fontRef idx="minor">
+            <a:schemeClr val="tx1"/>
+          </a:fontRef>
+        </p:style>
+      </p:cxnSp>
+      <p:cxnSp>
+        <p:nvCxnSpPr>
+          <p:cNvPr id="46" name="Straight Connector 45">
+            <a:extLst>
+              <a:ext uri="{FF2B5EF4-FFF2-40B4-BE49-F238E27FC236}">
+                <a16:creationId xmlns:a16="http://schemas.microsoft.com/office/drawing/2014/main" id="{1A9647A3-FF3F-EE5D-024F-CFBE40D85C44}"/>
+              </a:ext>
+            </a:extLst>
+          </p:cNvPr>
+          <p:cNvCxnSpPr>
+            <a:cxnSpLocks/>
+          </p:cNvCxnSpPr>
+          <p:nvPr/>
+        </p:nvCxnSpPr>
+        <p:spPr>
+          <a:xfrm>
+            <a:off x="10205909" y="924233"/>
+            <a:ext cx="285135" cy="0"/>
+          </a:xfrm>
+          <a:prstGeom prst="line">
+            <a:avLst/>
+          </a:prstGeom>
+          <a:ln w="38100"/>
+        </p:spPr>
+        <p:style>
+          <a:lnRef idx="3">
+            <a:schemeClr val="dk1"/>
+          </a:lnRef>
+          <a:fillRef idx="0">
+            <a:schemeClr val="dk1"/>
+          </a:fillRef>
+          <a:effectRef idx="2">
+            <a:schemeClr val="dk1"/>
+          </a:effectRef>
+          <a:fontRef idx="minor">
+            <a:schemeClr val="tx1"/>
+          </a:fontRef>
+        </p:style>
+      </p:cxnSp>
+      <p:cxnSp>
+        <p:nvCxnSpPr>
+          <p:cNvPr id="47" name="Straight Connector 46">
+            <a:extLst>
+              <a:ext uri="{FF2B5EF4-FFF2-40B4-BE49-F238E27FC236}">
+                <a16:creationId xmlns:a16="http://schemas.microsoft.com/office/drawing/2014/main" id="{309ECDEA-9D2E-77BE-B58F-9E3514B0A8B0}"/>
+              </a:ext>
+            </a:extLst>
+          </p:cNvPr>
+          <p:cNvCxnSpPr>
+            <a:cxnSpLocks/>
+          </p:cNvCxnSpPr>
+          <p:nvPr/>
+        </p:nvCxnSpPr>
+        <p:spPr>
+          <a:xfrm>
+            <a:off x="10584449" y="919314"/>
+            <a:ext cx="285135" cy="0"/>
+          </a:xfrm>
+          <a:prstGeom prst="line">
+            <a:avLst/>
+          </a:prstGeom>
+          <a:ln w="38100"/>
+        </p:spPr>
+        <p:style>
+          <a:lnRef idx="3">
+            <a:schemeClr val="dk1"/>
+          </a:lnRef>
+          <a:fillRef idx="0">
+            <a:schemeClr val="dk1"/>
+          </a:fillRef>
+          <a:effectRef idx="2">
+            <a:schemeClr val="dk1"/>
+          </a:effectRef>
+          <a:fontRef idx="minor">
+            <a:schemeClr val="tx1"/>
+          </a:fontRef>
+        </p:style>
+      </p:cxnSp>
+      <p:cxnSp>
+        <p:nvCxnSpPr>
+          <p:cNvPr id="48" name="Straight Connector 47">
+            <a:extLst>
+              <a:ext uri="{FF2B5EF4-FFF2-40B4-BE49-F238E27FC236}">
+                <a16:creationId xmlns:a16="http://schemas.microsoft.com/office/drawing/2014/main" id="{84F1DC5D-7AC6-E99A-97C0-E26159D6CF08}"/>
+              </a:ext>
+            </a:extLst>
+          </p:cNvPr>
+          <p:cNvCxnSpPr>
+            <a:cxnSpLocks/>
+          </p:cNvCxnSpPr>
+          <p:nvPr/>
+        </p:nvCxnSpPr>
+        <p:spPr>
+          <a:xfrm>
+            <a:off x="10962993" y="914403"/>
+            <a:ext cx="285135" cy="0"/>
+          </a:xfrm>
+          <a:prstGeom prst="line">
+            <a:avLst/>
+          </a:prstGeom>
+          <a:ln w="38100"/>
+        </p:spPr>
+        <p:style>
+          <a:lnRef idx="3">
+            <a:schemeClr val="dk1"/>
+          </a:lnRef>
+          <a:fillRef idx="0">
+            <a:schemeClr val="dk1"/>
+          </a:fillRef>
+          <a:effectRef idx="2">
+            <a:schemeClr val="dk1"/>
+          </a:effectRef>
+          <a:fontRef idx="minor">
+            <a:schemeClr val="tx1"/>
+          </a:fontRef>
+        </p:style>
+      </p:cxnSp>
+      <p:cxnSp>
+        <p:nvCxnSpPr>
+          <p:cNvPr id="49" name="Straight Connector 48">
+            <a:extLst>
+              <a:ext uri="{FF2B5EF4-FFF2-40B4-BE49-F238E27FC236}">
+                <a16:creationId xmlns:a16="http://schemas.microsoft.com/office/drawing/2014/main" id="{14A0D0AF-217E-FED3-9DB4-D9DA4DF9B758}"/>
+              </a:ext>
+            </a:extLst>
+          </p:cNvPr>
+          <p:cNvCxnSpPr>
+            <a:cxnSpLocks/>
+          </p:cNvCxnSpPr>
+          <p:nvPr/>
+        </p:nvCxnSpPr>
+        <p:spPr>
+          <a:xfrm>
+            <a:off x="11351366" y="919315"/>
+            <a:ext cx="285135" cy="0"/>
+          </a:xfrm>
+          <a:prstGeom prst="line">
+            <a:avLst/>
+          </a:prstGeom>
+          <a:ln w="38100"/>
+        </p:spPr>
+        <p:style>
+          <a:lnRef idx="3">
+            <a:schemeClr val="dk1"/>
+          </a:lnRef>
+          <a:fillRef idx="0">
+            <a:schemeClr val="dk1"/>
+          </a:fillRef>
+          <a:effectRef idx="2">
+            <a:schemeClr val="dk1"/>
+          </a:effectRef>
+          <a:fontRef idx="minor">
+            <a:schemeClr val="tx1"/>
+          </a:fontRef>
+        </p:style>
+      </p:cxnSp>
+      <p:pic>
+        <p:nvPicPr>
+          <p:cNvPr id="52" name="Graphic 51" descr="Bus with solid fill">
+            <a:extLst>
+              <a:ext uri="{FF2B5EF4-FFF2-40B4-BE49-F238E27FC236}">
+                <a16:creationId xmlns:a16="http://schemas.microsoft.com/office/drawing/2014/main" id="{7C770A8B-8216-7C6C-BAA5-915214F5B504}"/>
+              </a:ext>
+            </a:extLst>
+          </p:cNvPr>
+          <p:cNvPicPr>
+            <a:picLocks noChangeAspect="1"/>
+          </p:cNvPicPr>
+          <p:nvPr/>
+        </p:nvPicPr>
+        <p:blipFill>
+          <a:blip r:embed="rId2">
+            <a:extLst>
+              <a:ext uri="{96DAC541-7B7A-43D3-8B79-37D633B846F1}">
+                <asvg:svgBlip xmlns:asvg="http://schemas.microsoft.com/office/drawing/2016/SVG/main" r:embed="rId3"/>
+              </a:ext>
+            </a:extLst>
+          </a:blip>
+          <a:stretch>
+            <a:fillRect/>
+          </a:stretch>
+        </p:blipFill>
+        <p:spPr>
+          <a:xfrm>
+            <a:off x="9779776" y="460037"/>
+            <a:ext cx="571143" cy="571143"/>
+          </a:xfrm>
+          <a:prstGeom prst="rect">
+            <a:avLst/>
+          </a:prstGeom>
+        </p:spPr>
+      </p:pic>
+      <p:sp>
+        <p:nvSpPr>
+          <p:cNvPr id="10" name="TextBox 9">
+            <a:extLst>
+              <a:ext uri="{FF2B5EF4-FFF2-40B4-BE49-F238E27FC236}">
+                <a16:creationId xmlns:a16="http://schemas.microsoft.com/office/drawing/2014/main" id="{2DC9E2E9-4232-42F7-11BD-A747D97613E9}"/>
+              </a:ext>
+            </a:extLst>
+          </p:cNvPr>
+          <p:cNvSpPr txBox="1"/>
+          <p:nvPr/>
+        </p:nvSpPr>
+        <p:spPr>
+          <a:xfrm>
+            <a:off x="2325331" y="3293254"/>
+            <a:ext cx="7020248" cy="769441"/>
+          </a:xfrm>
+          <a:prstGeom prst="rect">
+            <a:avLst/>
+          </a:prstGeom>
+          <a:noFill/>
+        </p:spPr>
+        <p:txBody>
+          <a:bodyPr wrap="square">
+            <a:spAutoFit/>
+          </a:bodyPr>
+          <a:lstStyle/>
+          <a:p>
+            <a:pPr algn="ctr"/>
+            <a:r>
+              <a:rPr lang="en-IN" sz="4400" dirty="0">
+                <a:latin typeface="Berlin Sans FB Demi" panose="020E0802020502020306" pitchFamily="34" charset="0"/>
+              </a:rPr>
+              <a:t>Thankyou!</a:t>
+            </a:r>
+          </a:p>
+        </p:txBody>
+      </p:sp>
+      <p:pic>
+        <p:nvPicPr>
+          <p:cNvPr id="11" name="Picture 10">
+            <a:extLst>
+              <a:ext uri="{FF2B5EF4-FFF2-40B4-BE49-F238E27FC236}">
+                <a16:creationId xmlns:a16="http://schemas.microsoft.com/office/drawing/2014/main" id="{47C86767-FBFF-4E82-6BF9-D970336A8A86}"/>
+              </a:ext>
+            </a:extLst>
+          </p:cNvPr>
+          <p:cNvPicPr>
+            <a:picLocks noChangeAspect="1"/>
+          </p:cNvPicPr>
+          <p:nvPr/>
+        </p:nvPicPr>
+        <p:blipFill>
+          <a:blip r:embed="rId4">
+            <a:extLst>
+              <a:ext uri="{28A0092B-C50C-407E-A947-70E740481C1C}">
+                <a14:useLocalDpi xmlns:a14="http://schemas.microsoft.com/office/drawing/2010/main" val="0"/>
+              </a:ext>
+            </a:extLst>
+          </a:blip>
+          <a:srcRect l="16380" t="21238" r="15448" b="27025"/>
+          <a:stretch>
+            <a:fillRect/>
+          </a:stretch>
+        </p:blipFill>
+        <p:spPr>
+          <a:xfrm>
+            <a:off x="270068" y="160480"/>
+            <a:ext cx="435996" cy="330886"/>
+          </a:xfrm>
+          <a:prstGeom prst="rect">
+            <a:avLst/>
+          </a:prstGeom>
+        </p:spPr>
+      </p:pic>
+      <p:sp>
+        <p:nvSpPr>
+          <p:cNvPr id="3" name="TextBox 2">
+            <a:extLst>
+              <a:ext uri="{FF2B5EF4-FFF2-40B4-BE49-F238E27FC236}">
+                <a16:creationId xmlns:a16="http://schemas.microsoft.com/office/drawing/2014/main" id="{F47A089A-0E72-6B32-84C3-EB759D465481}"/>
+              </a:ext>
+            </a:extLst>
+          </p:cNvPr>
+          <p:cNvSpPr txBox="1"/>
+          <p:nvPr/>
+        </p:nvSpPr>
+        <p:spPr>
+          <a:xfrm>
+            <a:off x="717767" y="1265167"/>
+            <a:ext cx="10815477" cy="1107996"/>
+          </a:xfrm>
+          <a:prstGeom prst="rect">
+            <a:avLst/>
+          </a:prstGeom>
+          <a:noFill/>
+        </p:spPr>
+        <p:txBody>
+          <a:bodyPr wrap="square">
+            <a:spAutoFit/>
+          </a:bodyPr>
+          <a:lstStyle/>
+          <a:p>
+            <a:pPr algn="ctr"/>
+            <a:r>
+              <a:rPr lang="en-IN" sz="6600" dirty="0">
+                <a:latin typeface="Britannic Bold" panose="020B0903060703020204" pitchFamily="34" charset="0"/>
+              </a:rPr>
+              <a:t>Content to be added here</a:t>
+            </a:r>
+          </a:p>
+        </p:txBody>
+      </p:sp>
+    </p:spTree>
+    <p:extLst>
+      <p:ext uri="{BB962C8B-B14F-4D97-AF65-F5344CB8AC3E}">
+        <p14:creationId xmlns:p14="http://schemas.microsoft.com/office/powerpoint/2010/main" val="914663667"/>
+      </p:ext>
+    </p:extLst>
+  </p:cSld>
+  <p:clrMapOvr>
+    <a:masterClrMapping/>
+  </p:clrMapOvr>
+  <mc:AlternateContent xmlns:mc="http://schemas.openxmlformats.org/markup-compatibility/2006" xmlns:p159="http://schemas.microsoft.com/office/powerpoint/2015/09/main">
+    <mc:Choice Requires="p159">
+      <p:transition xmlns:p14="http://schemas.microsoft.com/office/powerpoint/2010/main" spd="slow" p14:dur="2000">
+        <p159:morph option="byObject"/>
+      </p:transition>
+    </mc:Choice>
+    <mc:Fallback xmlns="">
+      <p:transition spd="slow">
+        <p:fade/>
+      </p:transition>
+    </mc:Fallback>
+  </mc:AlternateContent>
+</p:sld>
+</file>
+
+<file path=ppt/slides/slide11.xml><?xml version="1.0" encoding="utf-8"?>
+<p:sld xmlns:a="http://schemas.openxmlformats.org/drawingml/2006/main" xmlns:r="http://schemas.openxmlformats.org/officeDocument/2006/relationships" xmlns:p="http://schemas.openxmlformats.org/presentationml/2006/main">
+  <p:cSld>
+    <p:spTree>
+      <p:nvGrpSpPr>
+        <p:cNvPr id="1" name="">
+          <a:extLst>
+            <a:ext uri="{FF2B5EF4-FFF2-40B4-BE49-F238E27FC236}">
+              <a16:creationId xmlns:a16="http://schemas.microsoft.com/office/drawing/2014/main" id="{11E680EF-DF91-1EE2-F902-B897F0BA9556}"/>
+            </a:ext>
+          </a:extLst>
+        </p:cNvPr>
+        <p:cNvGrpSpPr/>
+        <p:nvPr/>
+      </p:nvGrpSpPr>
+      <p:grpSpPr>
+        <a:xfrm>
+          <a:off x="0" y="0"/>
+          <a:ext cx="0" cy="0"/>
+          <a:chOff x="0" y="0"/>
+          <a:chExt cx="0" cy="0"/>
+        </a:xfrm>
+      </p:grpSpPr>
+      <p:sp>
+        <p:nvSpPr>
+          <p:cNvPr id="5" name="Footer Placeholder 4">
+            <a:extLst>
+              <a:ext uri="{FF2B5EF4-FFF2-40B4-BE49-F238E27FC236}">
+                <a16:creationId xmlns:a16="http://schemas.microsoft.com/office/drawing/2014/main" id="{3FDBD8A0-5A36-E7A5-2935-440D97978FBE}"/>
+              </a:ext>
+            </a:extLst>
+          </p:cNvPr>
+          <p:cNvSpPr>
+            <a:spLocks noGrp="1"/>
+          </p:cNvSpPr>
+          <p:nvPr>
+            <p:ph type="ftr" sz="quarter" idx="11"/>
+          </p:nvPr>
+        </p:nvSpPr>
+        <p:spPr/>
+        <p:txBody>
+          <a:bodyPr/>
+          <a:lstStyle/>
+          <a:p>
+            <a:r>
+              <a:rPr lang="en-IN" b="1"/>
+              <a:t>Project Review 0</a:t>
+            </a:r>
+            <a:endParaRPr lang="en-IN" b="1" dirty="0"/>
+          </a:p>
+        </p:txBody>
+      </p:sp>
+      <p:sp>
+        <p:nvSpPr>
+          <p:cNvPr id="6" name="Slide Number Placeholder 5">
+            <a:extLst>
+              <a:ext uri="{FF2B5EF4-FFF2-40B4-BE49-F238E27FC236}">
+                <a16:creationId xmlns:a16="http://schemas.microsoft.com/office/drawing/2014/main" id="{EC3BEAB1-EFC6-D0C8-F1D9-75FD8F22CE08}"/>
+              </a:ext>
+            </a:extLst>
+          </p:cNvPr>
+          <p:cNvSpPr>
+            <a:spLocks noGrp="1"/>
+          </p:cNvSpPr>
+          <p:nvPr>
+            <p:ph type="sldNum" sz="quarter" idx="12"/>
+          </p:nvPr>
+        </p:nvSpPr>
+        <p:spPr/>
+        <p:txBody>
+          <a:bodyPr/>
+          <a:lstStyle/>
+          <a:p>
+            <a:fld id="{4912F8CF-BD92-4E9C-97A8-FB8335672A19}" type="slidenum">
+              <a:rPr lang="en-IN" b="1" smtClean="0"/>
+              <a:t>11</a:t>
+            </a:fld>
+            <a:endParaRPr lang="en-IN" b="1" dirty="0"/>
+          </a:p>
+        </p:txBody>
+      </p:sp>
+      <p:sp>
+        <p:nvSpPr>
+          <p:cNvPr id="7" name="TextBox 6">
+            <a:extLst>
+              <a:ext uri="{FF2B5EF4-FFF2-40B4-BE49-F238E27FC236}">
+                <a16:creationId xmlns:a16="http://schemas.microsoft.com/office/drawing/2014/main" id="{056732A6-9D80-00F5-EB28-FF5656EA3320}"/>
+              </a:ext>
+            </a:extLst>
+          </p:cNvPr>
+          <p:cNvSpPr txBox="1"/>
+          <p:nvPr/>
+        </p:nvSpPr>
+        <p:spPr>
+          <a:xfrm>
+            <a:off x="658761" y="159876"/>
+            <a:ext cx="2428568" cy="307777"/>
+          </a:xfrm>
+          <a:prstGeom prst="rect">
+            <a:avLst/>
+          </a:prstGeom>
+          <a:noFill/>
+        </p:spPr>
+        <p:txBody>
+          <a:bodyPr wrap="square" rtlCol="0">
+            <a:spAutoFit/>
+          </a:bodyPr>
+          <a:lstStyle/>
+          <a:p>
+            <a:r>
+              <a:rPr lang="en-IN" sz="1400" b="1" dirty="0">
+                <a:latin typeface="Dubai" panose="020B0503030403030204" pitchFamily="34" charset="-78"/>
+                <a:cs typeface="Dubai" panose="020B0503030403030204" pitchFamily="34" charset="-78"/>
+              </a:rPr>
+              <a:t>Smart Transit Manager</a:t>
+            </a:r>
+          </a:p>
+        </p:txBody>
+      </p:sp>
+      <p:sp>
+        <p:nvSpPr>
+          <p:cNvPr id="2" name="Date Placeholder 1">
+            <a:extLst>
+              <a:ext uri="{FF2B5EF4-FFF2-40B4-BE49-F238E27FC236}">
+                <a16:creationId xmlns:a16="http://schemas.microsoft.com/office/drawing/2014/main" id="{28313DE4-966A-6A2F-502F-43E8DEBAC1F8}"/>
+              </a:ext>
+            </a:extLst>
+          </p:cNvPr>
+          <p:cNvSpPr>
+            <a:spLocks noGrp="1"/>
+          </p:cNvSpPr>
+          <p:nvPr>
+            <p:ph type="dt" sz="half" idx="10"/>
+          </p:nvPr>
+        </p:nvSpPr>
+        <p:spPr/>
+        <p:txBody>
+          <a:bodyPr/>
+          <a:lstStyle/>
+          <a:p>
+            <a:fld id="{5D43BDE2-43FC-4E6A-9A43-DB8242B3C950}" type="datetime1">
+              <a:rPr lang="en-IN" b="1" smtClean="0"/>
+              <a:t>19-09-2025</a:t>
+            </a:fld>
+            <a:endParaRPr lang="en-IN" b="1" dirty="0"/>
+          </a:p>
+        </p:txBody>
+      </p:sp>
+      <p:cxnSp>
+        <p:nvCxnSpPr>
+          <p:cNvPr id="8" name="Straight Connector 7">
+            <a:extLst>
+              <a:ext uri="{FF2B5EF4-FFF2-40B4-BE49-F238E27FC236}">
+                <a16:creationId xmlns:a16="http://schemas.microsoft.com/office/drawing/2014/main" id="{11F242D9-5759-DCA2-4AC3-9E2B3FC872F1}"/>
+              </a:ext>
+            </a:extLst>
+          </p:cNvPr>
+          <p:cNvCxnSpPr>
+            <a:cxnSpLocks/>
+          </p:cNvCxnSpPr>
+          <p:nvPr/>
+        </p:nvCxnSpPr>
+        <p:spPr>
+          <a:xfrm>
+            <a:off x="363794" y="821619"/>
+            <a:ext cx="11484077" cy="0"/>
+          </a:xfrm>
+          <a:prstGeom prst="line">
+            <a:avLst/>
+          </a:prstGeom>
+          <a:ln>
+            <a:solidFill>
+              <a:schemeClr val="tx1"/>
+            </a:solidFill>
+          </a:ln>
+        </p:spPr>
+        <p:style>
+          <a:lnRef idx="1">
+            <a:schemeClr val="accent1"/>
+          </a:lnRef>
+          <a:fillRef idx="0">
+            <a:schemeClr val="accent1"/>
+          </a:fillRef>
+          <a:effectRef idx="0">
+            <a:schemeClr val="accent1"/>
+          </a:effectRef>
+          <a:fontRef idx="minor">
+            <a:schemeClr val="tx1"/>
+          </a:fontRef>
+        </p:style>
+      </p:cxnSp>
+      <p:cxnSp>
+        <p:nvCxnSpPr>
+          <p:cNvPr id="13" name="Straight Connector 12">
+            <a:extLst>
+              <a:ext uri="{FF2B5EF4-FFF2-40B4-BE49-F238E27FC236}">
+                <a16:creationId xmlns:a16="http://schemas.microsoft.com/office/drawing/2014/main" id="{109AF3A1-C485-392E-5C41-26EE7C001D63}"/>
+              </a:ext>
+            </a:extLst>
+          </p:cNvPr>
+          <p:cNvCxnSpPr>
+            <a:cxnSpLocks/>
+          </p:cNvCxnSpPr>
+          <p:nvPr/>
+        </p:nvCxnSpPr>
+        <p:spPr>
+          <a:xfrm>
+            <a:off x="363794" y="1003516"/>
+            <a:ext cx="11484077" cy="0"/>
+          </a:xfrm>
+          <a:prstGeom prst="line">
+            <a:avLst/>
+          </a:prstGeom>
+          <a:ln>
+            <a:solidFill>
+              <a:schemeClr val="tx1"/>
+            </a:solidFill>
+          </a:ln>
+        </p:spPr>
+        <p:style>
+          <a:lnRef idx="1">
+            <a:schemeClr val="accent1"/>
+          </a:lnRef>
+          <a:fillRef idx="0">
+            <a:schemeClr val="accent1"/>
+          </a:fillRef>
+          <a:effectRef idx="0">
+            <a:schemeClr val="accent1"/>
+          </a:effectRef>
+          <a:fontRef idx="minor">
+            <a:schemeClr val="tx1"/>
+          </a:fontRef>
+        </p:style>
+      </p:cxnSp>
+      <p:cxnSp>
+        <p:nvCxnSpPr>
+          <p:cNvPr id="15" name="Straight Connector 14">
+            <a:extLst>
+              <a:ext uri="{FF2B5EF4-FFF2-40B4-BE49-F238E27FC236}">
+                <a16:creationId xmlns:a16="http://schemas.microsoft.com/office/drawing/2014/main" id="{843B6D92-2973-23DF-8C21-0923B8752A6B}"/>
+              </a:ext>
+            </a:extLst>
+          </p:cNvPr>
+          <p:cNvCxnSpPr>
+            <a:cxnSpLocks/>
+          </p:cNvCxnSpPr>
+          <p:nvPr/>
+        </p:nvCxnSpPr>
+        <p:spPr>
+          <a:xfrm>
+            <a:off x="373626" y="914403"/>
+            <a:ext cx="285135" cy="0"/>
+          </a:xfrm>
+          <a:prstGeom prst="line">
+            <a:avLst/>
+          </a:prstGeom>
+          <a:ln w="38100"/>
+        </p:spPr>
+        <p:style>
+          <a:lnRef idx="3">
+            <a:schemeClr val="dk1"/>
+          </a:lnRef>
+          <a:fillRef idx="0">
+            <a:schemeClr val="dk1"/>
+          </a:fillRef>
+          <a:effectRef idx="2">
+            <a:schemeClr val="dk1"/>
+          </a:effectRef>
+          <a:fontRef idx="minor">
+            <a:schemeClr val="tx1"/>
+          </a:fontRef>
+        </p:style>
+      </p:cxnSp>
+      <p:cxnSp>
+        <p:nvCxnSpPr>
+          <p:cNvPr id="17" name="Straight Connector 16">
+            <a:extLst>
+              <a:ext uri="{FF2B5EF4-FFF2-40B4-BE49-F238E27FC236}">
+                <a16:creationId xmlns:a16="http://schemas.microsoft.com/office/drawing/2014/main" id="{CFA87BBA-E2DC-274E-2B54-B7E82308F9CD}"/>
+              </a:ext>
+            </a:extLst>
+          </p:cNvPr>
+          <p:cNvCxnSpPr>
+            <a:cxnSpLocks/>
+          </p:cNvCxnSpPr>
+          <p:nvPr/>
+        </p:nvCxnSpPr>
+        <p:spPr>
+          <a:xfrm>
+            <a:off x="762002" y="909488"/>
+            <a:ext cx="285135" cy="0"/>
+          </a:xfrm>
+          <a:prstGeom prst="line">
+            <a:avLst/>
+          </a:prstGeom>
+          <a:ln w="38100"/>
+        </p:spPr>
+        <p:style>
+          <a:lnRef idx="3">
+            <a:schemeClr val="dk1"/>
+          </a:lnRef>
+          <a:fillRef idx="0">
+            <a:schemeClr val="dk1"/>
+          </a:fillRef>
+          <a:effectRef idx="2">
+            <a:schemeClr val="dk1"/>
+          </a:effectRef>
+          <a:fontRef idx="minor">
+            <a:schemeClr val="tx1"/>
+          </a:fontRef>
+        </p:style>
+      </p:cxnSp>
+      <p:cxnSp>
+        <p:nvCxnSpPr>
+          <p:cNvPr id="18" name="Straight Connector 17">
+            <a:extLst>
+              <a:ext uri="{FF2B5EF4-FFF2-40B4-BE49-F238E27FC236}">
+                <a16:creationId xmlns:a16="http://schemas.microsoft.com/office/drawing/2014/main" id="{4DE9F11E-CD46-3558-D44B-636BFF0BEEAB}"/>
+              </a:ext>
+            </a:extLst>
+          </p:cNvPr>
+          <p:cNvCxnSpPr>
+            <a:cxnSpLocks/>
+          </p:cNvCxnSpPr>
+          <p:nvPr/>
+        </p:nvCxnSpPr>
+        <p:spPr>
+          <a:xfrm>
+            <a:off x="1150376" y="914403"/>
+            <a:ext cx="285135" cy="0"/>
+          </a:xfrm>
+          <a:prstGeom prst="line">
+            <a:avLst/>
+          </a:prstGeom>
+          <a:ln w="38100"/>
+        </p:spPr>
+        <p:style>
+          <a:lnRef idx="3">
+            <a:schemeClr val="dk1"/>
+          </a:lnRef>
+          <a:fillRef idx="0">
+            <a:schemeClr val="dk1"/>
+          </a:fillRef>
+          <a:effectRef idx="2">
+            <a:schemeClr val="dk1"/>
+          </a:effectRef>
+          <a:fontRef idx="minor">
+            <a:schemeClr val="tx1"/>
+          </a:fontRef>
+        </p:style>
+      </p:cxnSp>
+      <p:cxnSp>
+        <p:nvCxnSpPr>
+          <p:cNvPr id="19" name="Straight Connector 18">
+            <a:extLst>
+              <a:ext uri="{FF2B5EF4-FFF2-40B4-BE49-F238E27FC236}">
+                <a16:creationId xmlns:a16="http://schemas.microsoft.com/office/drawing/2014/main" id="{8856566A-9012-D922-8F1D-44E4E2012F10}"/>
+              </a:ext>
+            </a:extLst>
+          </p:cNvPr>
+          <p:cNvCxnSpPr>
+            <a:cxnSpLocks/>
+          </p:cNvCxnSpPr>
+          <p:nvPr/>
+        </p:nvCxnSpPr>
+        <p:spPr>
+          <a:xfrm>
+            <a:off x="1519084" y="909489"/>
+            <a:ext cx="285135" cy="0"/>
+          </a:xfrm>
+          <a:prstGeom prst="line">
+            <a:avLst/>
+          </a:prstGeom>
+          <a:ln w="38100"/>
+        </p:spPr>
+        <p:style>
+          <a:lnRef idx="3">
+            <a:schemeClr val="dk1"/>
+          </a:lnRef>
+          <a:fillRef idx="0">
+            <a:schemeClr val="dk1"/>
+          </a:fillRef>
+          <a:effectRef idx="2">
+            <a:schemeClr val="dk1"/>
+          </a:effectRef>
+          <a:fontRef idx="minor">
+            <a:schemeClr val="tx1"/>
+          </a:fontRef>
+        </p:style>
+      </p:cxnSp>
+      <p:cxnSp>
+        <p:nvCxnSpPr>
+          <p:cNvPr id="20" name="Straight Connector 19">
+            <a:extLst>
+              <a:ext uri="{FF2B5EF4-FFF2-40B4-BE49-F238E27FC236}">
+                <a16:creationId xmlns:a16="http://schemas.microsoft.com/office/drawing/2014/main" id="{8C396F0A-C142-CCCA-242B-A64398C6D5C2}"/>
+              </a:ext>
+            </a:extLst>
+          </p:cNvPr>
+          <p:cNvCxnSpPr>
+            <a:cxnSpLocks/>
+          </p:cNvCxnSpPr>
+          <p:nvPr/>
+        </p:nvCxnSpPr>
+        <p:spPr>
+          <a:xfrm>
+            <a:off x="1917296" y="914402"/>
+            <a:ext cx="285135" cy="0"/>
+          </a:xfrm>
+          <a:prstGeom prst="line">
+            <a:avLst/>
+          </a:prstGeom>
+          <a:ln w="38100"/>
+        </p:spPr>
+        <p:style>
+          <a:lnRef idx="3">
+            <a:schemeClr val="dk1"/>
+          </a:lnRef>
+          <a:fillRef idx="0">
+            <a:schemeClr val="dk1"/>
+          </a:fillRef>
+          <a:effectRef idx="2">
+            <a:schemeClr val="dk1"/>
+          </a:effectRef>
+          <a:fontRef idx="minor">
+            <a:schemeClr val="tx1"/>
+          </a:fontRef>
+        </p:style>
+      </p:cxnSp>
+      <p:cxnSp>
+        <p:nvCxnSpPr>
+          <p:cNvPr id="21" name="Straight Connector 20">
+            <a:extLst>
+              <a:ext uri="{FF2B5EF4-FFF2-40B4-BE49-F238E27FC236}">
+                <a16:creationId xmlns:a16="http://schemas.microsoft.com/office/drawing/2014/main" id="{582C304C-153F-80D0-AC00-E907A8BEEA8C}"/>
+              </a:ext>
+            </a:extLst>
+          </p:cNvPr>
+          <p:cNvCxnSpPr>
+            <a:cxnSpLocks/>
+          </p:cNvCxnSpPr>
+          <p:nvPr/>
+        </p:nvCxnSpPr>
+        <p:spPr>
+          <a:xfrm>
+            <a:off x="2286002" y="909487"/>
+            <a:ext cx="285135" cy="0"/>
+          </a:xfrm>
+          <a:prstGeom prst="line">
+            <a:avLst/>
+          </a:prstGeom>
+          <a:ln w="38100"/>
+        </p:spPr>
+        <p:style>
+          <a:lnRef idx="3">
+            <a:schemeClr val="dk1"/>
+          </a:lnRef>
+          <a:fillRef idx="0">
+            <a:schemeClr val="dk1"/>
+          </a:fillRef>
+          <a:effectRef idx="2">
+            <a:schemeClr val="dk1"/>
+          </a:effectRef>
+          <a:fontRef idx="minor">
+            <a:schemeClr val="tx1"/>
+          </a:fontRef>
+        </p:style>
+      </p:cxnSp>
+      <p:cxnSp>
+        <p:nvCxnSpPr>
+          <p:cNvPr id="22" name="Straight Connector 21">
+            <a:extLst>
+              <a:ext uri="{FF2B5EF4-FFF2-40B4-BE49-F238E27FC236}">
+                <a16:creationId xmlns:a16="http://schemas.microsoft.com/office/drawing/2014/main" id="{B8018E16-6B46-4905-1893-6761BC2EFE6C}"/>
+              </a:ext>
+            </a:extLst>
+          </p:cNvPr>
+          <p:cNvCxnSpPr>
+            <a:cxnSpLocks/>
+          </p:cNvCxnSpPr>
+          <p:nvPr/>
+        </p:nvCxnSpPr>
+        <p:spPr>
+          <a:xfrm>
+            <a:off x="2664548" y="914403"/>
+            <a:ext cx="285135" cy="0"/>
+          </a:xfrm>
+          <a:prstGeom prst="line">
+            <a:avLst/>
+          </a:prstGeom>
+          <a:ln w="38100"/>
+        </p:spPr>
+        <p:style>
+          <a:lnRef idx="3">
+            <a:schemeClr val="dk1"/>
+          </a:lnRef>
+          <a:fillRef idx="0">
+            <a:schemeClr val="dk1"/>
+          </a:fillRef>
+          <a:effectRef idx="2">
+            <a:schemeClr val="dk1"/>
+          </a:effectRef>
+          <a:fontRef idx="minor">
+            <a:schemeClr val="tx1"/>
+          </a:fontRef>
+        </p:style>
+      </p:cxnSp>
+      <p:cxnSp>
+        <p:nvCxnSpPr>
+          <p:cNvPr id="23" name="Straight Connector 22">
+            <a:extLst>
+              <a:ext uri="{FF2B5EF4-FFF2-40B4-BE49-F238E27FC236}">
+                <a16:creationId xmlns:a16="http://schemas.microsoft.com/office/drawing/2014/main" id="{82325EF3-1006-4AC8-F598-DF1366277867}"/>
+              </a:ext>
+            </a:extLst>
+          </p:cNvPr>
+          <p:cNvCxnSpPr>
+            <a:cxnSpLocks/>
+          </p:cNvCxnSpPr>
+          <p:nvPr/>
+        </p:nvCxnSpPr>
+        <p:spPr>
+          <a:xfrm>
+            <a:off x="3033255" y="919318"/>
+            <a:ext cx="285135" cy="0"/>
+          </a:xfrm>
+          <a:prstGeom prst="line">
+            <a:avLst/>
+          </a:prstGeom>
+          <a:ln w="38100"/>
+        </p:spPr>
+        <p:style>
+          <a:lnRef idx="3">
+            <a:schemeClr val="dk1"/>
+          </a:lnRef>
+          <a:fillRef idx="0">
+            <a:schemeClr val="dk1"/>
+          </a:fillRef>
+          <a:effectRef idx="2">
+            <a:schemeClr val="dk1"/>
+          </a:effectRef>
+          <a:fontRef idx="minor">
+            <a:schemeClr val="tx1"/>
+          </a:fontRef>
+        </p:style>
+      </p:cxnSp>
+      <p:cxnSp>
+        <p:nvCxnSpPr>
+          <p:cNvPr id="24" name="Straight Connector 23">
+            <a:extLst>
+              <a:ext uri="{FF2B5EF4-FFF2-40B4-BE49-F238E27FC236}">
+                <a16:creationId xmlns:a16="http://schemas.microsoft.com/office/drawing/2014/main" id="{80C2E580-D7B3-83B2-51FD-B229A4B603E7}"/>
+              </a:ext>
+            </a:extLst>
+          </p:cNvPr>
+          <p:cNvCxnSpPr>
+            <a:cxnSpLocks/>
+          </p:cNvCxnSpPr>
+          <p:nvPr/>
+        </p:nvCxnSpPr>
+        <p:spPr>
+          <a:xfrm>
+            <a:off x="3421629" y="914403"/>
+            <a:ext cx="285135" cy="0"/>
+          </a:xfrm>
+          <a:prstGeom prst="line">
+            <a:avLst/>
+          </a:prstGeom>
+          <a:ln w="38100"/>
+        </p:spPr>
+        <p:style>
+          <a:lnRef idx="3">
+            <a:schemeClr val="dk1"/>
+          </a:lnRef>
+          <a:fillRef idx="0">
+            <a:schemeClr val="dk1"/>
+          </a:fillRef>
+          <a:effectRef idx="2">
+            <a:schemeClr val="dk1"/>
+          </a:effectRef>
+          <a:fontRef idx="minor">
+            <a:schemeClr val="tx1"/>
+          </a:fontRef>
+        </p:style>
+      </p:cxnSp>
+      <p:cxnSp>
+        <p:nvCxnSpPr>
+          <p:cNvPr id="25" name="Straight Connector 24">
+            <a:extLst>
+              <a:ext uri="{FF2B5EF4-FFF2-40B4-BE49-F238E27FC236}">
+                <a16:creationId xmlns:a16="http://schemas.microsoft.com/office/drawing/2014/main" id="{3B98CA4D-F58E-BC02-D849-F4B8B40CFD52}"/>
+              </a:ext>
+            </a:extLst>
+          </p:cNvPr>
+          <p:cNvCxnSpPr>
+            <a:cxnSpLocks/>
+          </p:cNvCxnSpPr>
+          <p:nvPr/>
+        </p:nvCxnSpPr>
+        <p:spPr>
+          <a:xfrm>
+            <a:off x="3790338" y="919317"/>
+            <a:ext cx="285135" cy="0"/>
+          </a:xfrm>
+          <a:prstGeom prst="line">
+            <a:avLst/>
+          </a:prstGeom>
+          <a:ln w="38100"/>
+        </p:spPr>
+        <p:style>
+          <a:lnRef idx="3">
+            <a:schemeClr val="dk1"/>
+          </a:lnRef>
+          <a:fillRef idx="0">
+            <a:schemeClr val="dk1"/>
+          </a:fillRef>
+          <a:effectRef idx="2">
+            <a:schemeClr val="dk1"/>
+          </a:effectRef>
+          <a:fontRef idx="minor">
+            <a:schemeClr val="tx1"/>
+          </a:fontRef>
+        </p:style>
+      </p:cxnSp>
+      <p:cxnSp>
+        <p:nvCxnSpPr>
+          <p:cNvPr id="26" name="Straight Connector 25">
+            <a:extLst>
+              <a:ext uri="{FF2B5EF4-FFF2-40B4-BE49-F238E27FC236}">
+                <a16:creationId xmlns:a16="http://schemas.microsoft.com/office/drawing/2014/main" id="{313BBD81-FB4C-6FBF-7359-7DF5A75AFDED}"/>
+              </a:ext>
+            </a:extLst>
+          </p:cNvPr>
+          <p:cNvCxnSpPr>
+            <a:cxnSpLocks/>
+          </p:cNvCxnSpPr>
+          <p:nvPr/>
+        </p:nvCxnSpPr>
+        <p:spPr>
+          <a:xfrm>
+            <a:off x="4188545" y="914403"/>
+            <a:ext cx="285135" cy="0"/>
+          </a:xfrm>
+          <a:prstGeom prst="line">
+            <a:avLst/>
+          </a:prstGeom>
+          <a:ln w="38100"/>
+        </p:spPr>
+        <p:style>
+          <a:lnRef idx="3">
+            <a:schemeClr val="dk1"/>
+          </a:lnRef>
+          <a:fillRef idx="0">
+            <a:schemeClr val="dk1"/>
+          </a:fillRef>
+          <a:effectRef idx="2">
+            <a:schemeClr val="dk1"/>
+          </a:effectRef>
+          <a:fontRef idx="minor">
+            <a:schemeClr val="tx1"/>
+          </a:fontRef>
+        </p:style>
+      </p:cxnSp>
+      <p:cxnSp>
+        <p:nvCxnSpPr>
+          <p:cNvPr id="27" name="Straight Connector 26">
+            <a:extLst>
+              <a:ext uri="{FF2B5EF4-FFF2-40B4-BE49-F238E27FC236}">
+                <a16:creationId xmlns:a16="http://schemas.microsoft.com/office/drawing/2014/main" id="{0666C5ED-8960-E0C2-5075-FD71A423133B}"/>
+              </a:ext>
+            </a:extLst>
+          </p:cNvPr>
+          <p:cNvCxnSpPr>
+            <a:cxnSpLocks/>
+          </p:cNvCxnSpPr>
+          <p:nvPr/>
+        </p:nvCxnSpPr>
+        <p:spPr>
+          <a:xfrm>
+            <a:off x="4557260" y="909487"/>
+            <a:ext cx="285135" cy="0"/>
+          </a:xfrm>
+          <a:prstGeom prst="line">
+            <a:avLst/>
+          </a:prstGeom>
+          <a:ln w="38100"/>
+        </p:spPr>
+        <p:style>
+          <a:lnRef idx="3">
+            <a:schemeClr val="dk1"/>
+          </a:lnRef>
+          <a:fillRef idx="0">
+            <a:schemeClr val="dk1"/>
+          </a:fillRef>
+          <a:effectRef idx="2">
+            <a:schemeClr val="dk1"/>
+          </a:effectRef>
+          <a:fontRef idx="minor">
+            <a:schemeClr val="tx1"/>
+          </a:fontRef>
+        </p:style>
+      </p:cxnSp>
+      <p:cxnSp>
+        <p:nvCxnSpPr>
+          <p:cNvPr id="28" name="Straight Connector 27">
+            <a:extLst>
+              <a:ext uri="{FF2B5EF4-FFF2-40B4-BE49-F238E27FC236}">
+                <a16:creationId xmlns:a16="http://schemas.microsoft.com/office/drawing/2014/main" id="{4A7F180B-6993-7AA1-2471-F20C85FD9C47}"/>
+              </a:ext>
+            </a:extLst>
+          </p:cNvPr>
+          <p:cNvCxnSpPr>
+            <a:cxnSpLocks/>
+          </p:cNvCxnSpPr>
+          <p:nvPr/>
+        </p:nvCxnSpPr>
+        <p:spPr>
+          <a:xfrm>
+            <a:off x="4925970" y="914400"/>
+            <a:ext cx="285135" cy="0"/>
+          </a:xfrm>
+          <a:prstGeom prst="line">
+            <a:avLst/>
+          </a:prstGeom>
+          <a:ln w="38100"/>
+        </p:spPr>
+        <p:style>
+          <a:lnRef idx="3">
+            <a:schemeClr val="dk1"/>
+          </a:lnRef>
+          <a:fillRef idx="0">
+            <a:schemeClr val="dk1"/>
+          </a:fillRef>
+          <a:effectRef idx="2">
+            <a:schemeClr val="dk1"/>
+          </a:effectRef>
+          <a:fontRef idx="minor">
+            <a:schemeClr val="tx1"/>
+          </a:fontRef>
+        </p:style>
+      </p:cxnSp>
+      <p:cxnSp>
+        <p:nvCxnSpPr>
+          <p:cNvPr id="29" name="Straight Connector 28">
+            <a:extLst>
+              <a:ext uri="{FF2B5EF4-FFF2-40B4-BE49-F238E27FC236}">
+                <a16:creationId xmlns:a16="http://schemas.microsoft.com/office/drawing/2014/main" id="{5B8C1C75-0A6B-EC29-CBB5-2AE37D4696A7}"/>
+              </a:ext>
+            </a:extLst>
+          </p:cNvPr>
+          <p:cNvCxnSpPr>
+            <a:cxnSpLocks/>
+          </p:cNvCxnSpPr>
+          <p:nvPr/>
+        </p:nvCxnSpPr>
+        <p:spPr>
+          <a:xfrm>
+            <a:off x="5275017" y="919318"/>
+            <a:ext cx="285135" cy="0"/>
+          </a:xfrm>
+          <a:prstGeom prst="line">
+            <a:avLst/>
+          </a:prstGeom>
+          <a:ln w="38100"/>
+        </p:spPr>
+        <p:style>
+          <a:lnRef idx="3">
+            <a:schemeClr val="dk1"/>
+          </a:lnRef>
+          <a:fillRef idx="0">
+            <a:schemeClr val="dk1"/>
+          </a:fillRef>
+          <a:effectRef idx="2">
+            <a:schemeClr val="dk1"/>
+          </a:effectRef>
+          <a:fontRef idx="minor">
+            <a:schemeClr val="tx1"/>
+          </a:fontRef>
+        </p:style>
+      </p:cxnSp>
+      <p:cxnSp>
+        <p:nvCxnSpPr>
+          <p:cNvPr id="30" name="Straight Connector 29">
+            <a:extLst>
+              <a:ext uri="{FF2B5EF4-FFF2-40B4-BE49-F238E27FC236}">
+                <a16:creationId xmlns:a16="http://schemas.microsoft.com/office/drawing/2014/main" id="{E58C9367-71B9-1451-23D1-5E1A8C3A3FAA}"/>
+              </a:ext>
+            </a:extLst>
+          </p:cNvPr>
+          <p:cNvCxnSpPr>
+            <a:cxnSpLocks/>
+          </p:cNvCxnSpPr>
+          <p:nvPr/>
+        </p:nvCxnSpPr>
+        <p:spPr>
+          <a:xfrm>
+            <a:off x="5653557" y="914399"/>
+            <a:ext cx="285135" cy="0"/>
+          </a:xfrm>
+          <a:prstGeom prst="line">
+            <a:avLst/>
+          </a:prstGeom>
+          <a:ln w="38100"/>
+        </p:spPr>
+        <p:style>
+          <a:lnRef idx="3">
+            <a:schemeClr val="dk1"/>
+          </a:lnRef>
+          <a:fillRef idx="0">
+            <a:schemeClr val="dk1"/>
+          </a:fillRef>
+          <a:effectRef idx="2">
+            <a:schemeClr val="dk1"/>
+          </a:effectRef>
+          <a:fontRef idx="minor">
+            <a:schemeClr val="tx1"/>
+          </a:fontRef>
+        </p:style>
+      </p:cxnSp>
+      <p:cxnSp>
+        <p:nvCxnSpPr>
+          <p:cNvPr id="31" name="Straight Connector 30">
+            <a:extLst>
+              <a:ext uri="{FF2B5EF4-FFF2-40B4-BE49-F238E27FC236}">
+                <a16:creationId xmlns:a16="http://schemas.microsoft.com/office/drawing/2014/main" id="{1C23F11A-7A7C-263B-9210-943FB954D2DD}"/>
+              </a:ext>
+            </a:extLst>
+          </p:cNvPr>
+          <p:cNvCxnSpPr>
+            <a:cxnSpLocks/>
+          </p:cNvCxnSpPr>
+          <p:nvPr/>
+        </p:nvCxnSpPr>
+        <p:spPr>
+          <a:xfrm>
+            <a:off x="6032101" y="909488"/>
+            <a:ext cx="285135" cy="0"/>
+          </a:xfrm>
+          <a:prstGeom prst="line">
+            <a:avLst/>
+          </a:prstGeom>
+          <a:ln w="38100"/>
+        </p:spPr>
+        <p:style>
+          <a:lnRef idx="3">
+            <a:schemeClr val="dk1"/>
+          </a:lnRef>
+          <a:fillRef idx="0">
+            <a:schemeClr val="dk1"/>
+          </a:fillRef>
+          <a:effectRef idx="2">
+            <a:schemeClr val="dk1"/>
+          </a:effectRef>
+          <a:fontRef idx="minor">
+            <a:schemeClr val="tx1"/>
+          </a:fontRef>
+        </p:style>
+      </p:cxnSp>
+      <p:cxnSp>
+        <p:nvCxnSpPr>
+          <p:cNvPr id="32" name="Straight Connector 31">
+            <a:extLst>
+              <a:ext uri="{FF2B5EF4-FFF2-40B4-BE49-F238E27FC236}">
+                <a16:creationId xmlns:a16="http://schemas.microsoft.com/office/drawing/2014/main" id="{F223DE6C-D15D-41A3-9566-015FFC13F881}"/>
+              </a:ext>
+            </a:extLst>
+          </p:cNvPr>
+          <p:cNvCxnSpPr>
+            <a:cxnSpLocks/>
+          </p:cNvCxnSpPr>
+          <p:nvPr/>
+        </p:nvCxnSpPr>
+        <p:spPr>
+          <a:xfrm>
+            <a:off x="6440138" y="914400"/>
+            <a:ext cx="285135" cy="0"/>
+          </a:xfrm>
+          <a:prstGeom prst="line">
+            <a:avLst/>
+          </a:prstGeom>
+          <a:ln w="38100"/>
+        </p:spPr>
+        <p:style>
+          <a:lnRef idx="3">
+            <a:schemeClr val="dk1"/>
+          </a:lnRef>
+          <a:fillRef idx="0">
+            <a:schemeClr val="dk1"/>
+          </a:fillRef>
+          <a:effectRef idx="2">
+            <a:schemeClr val="dk1"/>
+          </a:effectRef>
+          <a:fontRef idx="minor">
+            <a:schemeClr val="tx1"/>
+          </a:fontRef>
+        </p:style>
+      </p:cxnSp>
+      <p:cxnSp>
+        <p:nvCxnSpPr>
+          <p:cNvPr id="37" name="Straight Connector 36">
+            <a:extLst>
+              <a:ext uri="{FF2B5EF4-FFF2-40B4-BE49-F238E27FC236}">
+                <a16:creationId xmlns:a16="http://schemas.microsoft.com/office/drawing/2014/main" id="{C2B4A957-61AA-AFE3-E45E-52E264DDACDC}"/>
+              </a:ext>
+            </a:extLst>
+          </p:cNvPr>
+          <p:cNvCxnSpPr>
+            <a:cxnSpLocks/>
+          </p:cNvCxnSpPr>
+          <p:nvPr/>
+        </p:nvCxnSpPr>
+        <p:spPr>
+          <a:xfrm>
+            <a:off x="6848188" y="919317"/>
+            <a:ext cx="285135" cy="0"/>
+          </a:xfrm>
+          <a:prstGeom prst="line">
+            <a:avLst/>
+          </a:prstGeom>
+          <a:ln w="38100"/>
+        </p:spPr>
+        <p:style>
+          <a:lnRef idx="3">
+            <a:schemeClr val="dk1"/>
+          </a:lnRef>
+          <a:fillRef idx="0">
+            <a:schemeClr val="dk1"/>
+          </a:fillRef>
+          <a:effectRef idx="2">
+            <a:schemeClr val="dk1"/>
+          </a:effectRef>
+          <a:fontRef idx="minor">
+            <a:schemeClr val="tx1"/>
+          </a:fontRef>
+        </p:style>
+      </p:cxnSp>
+      <p:cxnSp>
+        <p:nvCxnSpPr>
+          <p:cNvPr id="38" name="Straight Connector 37">
+            <a:extLst>
+              <a:ext uri="{FF2B5EF4-FFF2-40B4-BE49-F238E27FC236}">
+                <a16:creationId xmlns:a16="http://schemas.microsoft.com/office/drawing/2014/main" id="{57D6CAD7-9D3F-28B4-B35F-88BB73549534}"/>
+              </a:ext>
+            </a:extLst>
+          </p:cNvPr>
+          <p:cNvCxnSpPr>
+            <a:cxnSpLocks/>
+          </p:cNvCxnSpPr>
+          <p:nvPr/>
+        </p:nvCxnSpPr>
+        <p:spPr>
+          <a:xfrm>
+            <a:off x="7216894" y="914402"/>
+            <a:ext cx="285135" cy="0"/>
+          </a:xfrm>
+          <a:prstGeom prst="line">
+            <a:avLst/>
+          </a:prstGeom>
+          <a:ln w="38100"/>
+        </p:spPr>
+        <p:style>
+          <a:lnRef idx="3">
+            <a:schemeClr val="dk1"/>
+          </a:lnRef>
+          <a:fillRef idx="0">
+            <a:schemeClr val="dk1"/>
+          </a:fillRef>
+          <a:effectRef idx="2">
+            <a:schemeClr val="dk1"/>
+          </a:effectRef>
+          <a:fontRef idx="minor">
+            <a:schemeClr val="tx1"/>
+          </a:fontRef>
+        </p:style>
+      </p:cxnSp>
+      <p:cxnSp>
+        <p:nvCxnSpPr>
+          <p:cNvPr id="39" name="Straight Connector 38">
+            <a:extLst>
+              <a:ext uri="{FF2B5EF4-FFF2-40B4-BE49-F238E27FC236}">
+                <a16:creationId xmlns:a16="http://schemas.microsoft.com/office/drawing/2014/main" id="{C219A752-0DB4-A820-D29B-26CBF40EA273}"/>
+              </a:ext>
+            </a:extLst>
+          </p:cNvPr>
+          <p:cNvCxnSpPr>
+            <a:cxnSpLocks/>
+          </p:cNvCxnSpPr>
+          <p:nvPr/>
+        </p:nvCxnSpPr>
+        <p:spPr>
+          <a:xfrm>
+            <a:off x="7595440" y="919318"/>
+            <a:ext cx="285135" cy="0"/>
+          </a:xfrm>
+          <a:prstGeom prst="line">
+            <a:avLst/>
+          </a:prstGeom>
+          <a:ln w="38100"/>
+        </p:spPr>
+        <p:style>
+          <a:lnRef idx="3">
+            <a:schemeClr val="dk1"/>
+          </a:lnRef>
+          <a:fillRef idx="0">
+            <a:schemeClr val="dk1"/>
+          </a:fillRef>
+          <a:effectRef idx="2">
+            <a:schemeClr val="dk1"/>
+          </a:effectRef>
+          <a:fontRef idx="minor">
+            <a:schemeClr val="tx1"/>
+          </a:fontRef>
+        </p:style>
+      </p:cxnSp>
+      <p:cxnSp>
+        <p:nvCxnSpPr>
+          <p:cNvPr id="40" name="Straight Connector 39">
+            <a:extLst>
+              <a:ext uri="{FF2B5EF4-FFF2-40B4-BE49-F238E27FC236}">
+                <a16:creationId xmlns:a16="http://schemas.microsoft.com/office/drawing/2014/main" id="{1918F45D-F5BB-A2AA-A195-3AD4E2289EBE}"/>
+              </a:ext>
+            </a:extLst>
+          </p:cNvPr>
+          <p:cNvCxnSpPr>
+            <a:cxnSpLocks/>
+          </p:cNvCxnSpPr>
+          <p:nvPr/>
+        </p:nvCxnSpPr>
+        <p:spPr>
+          <a:xfrm>
+            <a:off x="7964147" y="914401"/>
+            <a:ext cx="285135" cy="0"/>
+          </a:xfrm>
+          <a:prstGeom prst="line">
+            <a:avLst/>
+          </a:prstGeom>
+          <a:ln w="38100"/>
+        </p:spPr>
+        <p:style>
+          <a:lnRef idx="3">
+            <a:schemeClr val="dk1"/>
+          </a:lnRef>
+          <a:fillRef idx="0">
+            <a:schemeClr val="dk1"/>
+          </a:fillRef>
+          <a:effectRef idx="2">
+            <a:schemeClr val="dk1"/>
+          </a:effectRef>
+          <a:fontRef idx="minor">
+            <a:schemeClr val="tx1"/>
+          </a:fontRef>
+        </p:style>
+      </p:cxnSp>
+      <p:cxnSp>
+        <p:nvCxnSpPr>
+          <p:cNvPr id="41" name="Straight Connector 40">
+            <a:extLst>
+              <a:ext uri="{FF2B5EF4-FFF2-40B4-BE49-F238E27FC236}">
+                <a16:creationId xmlns:a16="http://schemas.microsoft.com/office/drawing/2014/main" id="{38275CB6-3A3B-DE2D-3DF8-617C24E29C54}"/>
+              </a:ext>
+            </a:extLst>
+          </p:cNvPr>
+          <p:cNvCxnSpPr>
+            <a:cxnSpLocks/>
+          </p:cNvCxnSpPr>
+          <p:nvPr/>
+        </p:nvCxnSpPr>
+        <p:spPr>
+          <a:xfrm>
+            <a:off x="8352521" y="919318"/>
+            <a:ext cx="285135" cy="0"/>
+          </a:xfrm>
+          <a:prstGeom prst="line">
+            <a:avLst/>
+          </a:prstGeom>
+          <a:ln w="38100"/>
+        </p:spPr>
+        <p:style>
+          <a:lnRef idx="3">
+            <a:schemeClr val="dk1"/>
+          </a:lnRef>
+          <a:fillRef idx="0">
+            <a:schemeClr val="dk1"/>
+          </a:fillRef>
+          <a:effectRef idx="2">
+            <a:schemeClr val="dk1"/>
+          </a:effectRef>
+          <a:fontRef idx="minor">
+            <a:schemeClr val="tx1"/>
+          </a:fontRef>
+        </p:style>
+      </p:cxnSp>
+      <p:cxnSp>
+        <p:nvCxnSpPr>
+          <p:cNvPr id="42" name="Straight Connector 41">
+            <a:extLst>
+              <a:ext uri="{FF2B5EF4-FFF2-40B4-BE49-F238E27FC236}">
+                <a16:creationId xmlns:a16="http://schemas.microsoft.com/office/drawing/2014/main" id="{9660B12E-837E-361A-BF55-50D2AFAA69AF}"/>
+              </a:ext>
+            </a:extLst>
+          </p:cNvPr>
+          <p:cNvCxnSpPr>
+            <a:cxnSpLocks/>
+          </p:cNvCxnSpPr>
+          <p:nvPr/>
+        </p:nvCxnSpPr>
+        <p:spPr>
+          <a:xfrm>
+            <a:off x="8721230" y="914400"/>
+            <a:ext cx="285135" cy="0"/>
+          </a:xfrm>
+          <a:prstGeom prst="line">
+            <a:avLst/>
+          </a:prstGeom>
+          <a:ln w="38100"/>
+        </p:spPr>
+        <p:style>
+          <a:lnRef idx="3">
+            <a:schemeClr val="dk1"/>
+          </a:lnRef>
+          <a:fillRef idx="0">
+            <a:schemeClr val="dk1"/>
+          </a:fillRef>
+          <a:effectRef idx="2">
+            <a:schemeClr val="dk1"/>
+          </a:effectRef>
+          <a:fontRef idx="minor">
+            <a:schemeClr val="tx1"/>
+          </a:fontRef>
+        </p:style>
+      </p:cxnSp>
+      <p:cxnSp>
+        <p:nvCxnSpPr>
+          <p:cNvPr id="43" name="Straight Connector 42">
+            <a:extLst>
+              <a:ext uri="{FF2B5EF4-FFF2-40B4-BE49-F238E27FC236}">
+                <a16:creationId xmlns:a16="http://schemas.microsoft.com/office/drawing/2014/main" id="{C06AC29D-B3F4-6B7A-5FB4-0B24B6D3DA87}"/>
+              </a:ext>
+            </a:extLst>
+          </p:cNvPr>
+          <p:cNvCxnSpPr>
+            <a:cxnSpLocks/>
+          </p:cNvCxnSpPr>
+          <p:nvPr/>
+        </p:nvCxnSpPr>
+        <p:spPr>
+          <a:xfrm>
+            <a:off x="9119437" y="919318"/>
+            <a:ext cx="285135" cy="0"/>
+          </a:xfrm>
+          <a:prstGeom prst="line">
+            <a:avLst/>
+          </a:prstGeom>
+          <a:ln w="38100"/>
+        </p:spPr>
+        <p:style>
+          <a:lnRef idx="3">
+            <a:schemeClr val="dk1"/>
+          </a:lnRef>
+          <a:fillRef idx="0">
+            <a:schemeClr val="dk1"/>
+          </a:fillRef>
+          <a:effectRef idx="2">
+            <a:schemeClr val="dk1"/>
+          </a:effectRef>
+          <a:fontRef idx="minor">
+            <a:schemeClr val="tx1"/>
+          </a:fontRef>
+        </p:style>
+      </p:cxnSp>
+      <p:cxnSp>
+        <p:nvCxnSpPr>
+          <p:cNvPr id="44" name="Straight Connector 43">
+            <a:extLst>
+              <a:ext uri="{FF2B5EF4-FFF2-40B4-BE49-F238E27FC236}">
+                <a16:creationId xmlns:a16="http://schemas.microsoft.com/office/drawing/2014/main" id="{71A77EEB-8284-F1FE-E687-6D6464B26B84}"/>
+              </a:ext>
+            </a:extLst>
+          </p:cNvPr>
+          <p:cNvCxnSpPr>
+            <a:cxnSpLocks/>
+          </p:cNvCxnSpPr>
+          <p:nvPr/>
+        </p:nvCxnSpPr>
+        <p:spPr>
+          <a:xfrm>
+            <a:off x="9488152" y="914402"/>
+            <a:ext cx="285135" cy="0"/>
+          </a:xfrm>
+          <a:prstGeom prst="line">
+            <a:avLst/>
+          </a:prstGeom>
+          <a:ln w="38100"/>
+        </p:spPr>
+        <p:style>
+          <a:lnRef idx="3">
+            <a:schemeClr val="dk1"/>
+          </a:lnRef>
+          <a:fillRef idx="0">
+            <a:schemeClr val="dk1"/>
+          </a:fillRef>
+          <a:effectRef idx="2">
+            <a:schemeClr val="dk1"/>
+          </a:effectRef>
+          <a:fontRef idx="minor">
+            <a:schemeClr val="tx1"/>
+          </a:fontRef>
+        </p:style>
+      </p:cxnSp>
+      <p:cxnSp>
+        <p:nvCxnSpPr>
+          <p:cNvPr id="45" name="Straight Connector 44">
+            <a:extLst>
+              <a:ext uri="{FF2B5EF4-FFF2-40B4-BE49-F238E27FC236}">
+                <a16:creationId xmlns:a16="http://schemas.microsoft.com/office/drawing/2014/main" id="{525A02BA-3606-D628-D4D0-5837E2BD8D79}"/>
+              </a:ext>
+            </a:extLst>
+          </p:cNvPr>
+          <p:cNvCxnSpPr>
+            <a:cxnSpLocks/>
+          </p:cNvCxnSpPr>
+          <p:nvPr/>
+        </p:nvCxnSpPr>
+        <p:spPr>
+          <a:xfrm>
+            <a:off x="9856862" y="919315"/>
+            <a:ext cx="285135" cy="0"/>
+          </a:xfrm>
+          <a:prstGeom prst="line">
+            <a:avLst/>
+          </a:prstGeom>
+          <a:ln w="38100"/>
+        </p:spPr>
+        <p:style>
+          <a:lnRef idx="3">
+            <a:schemeClr val="dk1"/>
+          </a:lnRef>
+          <a:fillRef idx="0">
+            <a:schemeClr val="dk1"/>
+          </a:fillRef>
+          <a:effectRef idx="2">
+            <a:schemeClr val="dk1"/>
+          </a:effectRef>
+          <a:fontRef idx="minor">
+            <a:schemeClr val="tx1"/>
+          </a:fontRef>
+        </p:style>
+      </p:cxnSp>
+      <p:cxnSp>
+        <p:nvCxnSpPr>
+          <p:cNvPr id="46" name="Straight Connector 45">
+            <a:extLst>
+              <a:ext uri="{FF2B5EF4-FFF2-40B4-BE49-F238E27FC236}">
+                <a16:creationId xmlns:a16="http://schemas.microsoft.com/office/drawing/2014/main" id="{29B07246-D997-2589-7044-0DF296CF9415}"/>
+              </a:ext>
+            </a:extLst>
+          </p:cNvPr>
+          <p:cNvCxnSpPr>
+            <a:cxnSpLocks/>
+          </p:cNvCxnSpPr>
+          <p:nvPr/>
+        </p:nvCxnSpPr>
+        <p:spPr>
+          <a:xfrm>
+            <a:off x="10205909" y="924233"/>
+            <a:ext cx="285135" cy="0"/>
+          </a:xfrm>
+          <a:prstGeom prst="line">
+            <a:avLst/>
+          </a:prstGeom>
+          <a:ln w="38100"/>
+        </p:spPr>
+        <p:style>
+          <a:lnRef idx="3">
+            <a:schemeClr val="dk1"/>
+          </a:lnRef>
+          <a:fillRef idx="0">
+            <a:schemeClr val="dk1"/>
+          </a:fillRef>
+          <a:effectRef idx="2">
+            <a:schemeClr val="dk1"/>
+          </a:effectRef>
+          <a:fontRef idx="minor">
+            <a:schemeClr val="tx1"/>
+          </a:fontRef>
+        </p:style>
+      </p:cxnSp>
+      <p:cxnSp>
+        <p:nvCxnSpPr>
+          <p:cNvPr id="47" name="Straight Connector 46">
+            <a:extLst>
+              <a:ext uri="{FF2B5EF4-FFF2-40B4-BE49-F238E27FC236}">
+                <a16:creationId xmlns:a16="http://schemas.microsoft.com/office/drawing/2014/main" id="{EEB6B8D3-83CE-1F91-237C-3DE63069D0C1}"/>
+              </a:ext>
+            </a:extLst>
+          </p:cNvPr>
+          <p:cNvCxnSpPr>
+            <a:cxnSpLocks/>
+          </p:cNvCxnSpPr>
+          <p:nvPr/>
+        </p:nvCxnSpPr>
+        <p:spPr>
+          <a:xfrm>
+            <a:off x="10584449" y="919314"/>
+            <a:ext cx="285135" cy="0"/>
+          </a:xfrm>
+          <a:prstGeom prst="line">
+            <a:avLst/>
+          </a:prstGeom>
+          <a:ln w="38100"/>
+        </p:spPr>
+        <p:style>
+          <a:lnRef idx="3">
+            <a:schemeClr val="dk1"/>
+          </a:lnRef>
+          <a:fillRef idx="0">
+            <a:schemeClr val="dk1"/>
+          </a:fillRef>
+          <a:effectRef idx="2">
+            <a:schemeClr val="dk1"/>
+          </a:effectRef>
+          <a:fontRef idx="minor">
+            <a:schemeClr val="tx1"/>
+          </a:fontRef>
+        </p:style>
+      </p:cxnSp>
+      <p:cxnSp>
+        <p:nvCxnSpPr>
+          <p:cNvPr id="48" name="Straight Connector 47">
+            <a:extLst>
+              <a:ext uri="{FF2B5EF4-FFF2-40B4-BE49-F238E27FC236}">
+                <a16:creationId xmlns:a16="http://schemas.microsoft.com/office/drawing/2014/main" id="{7DE6AD7B-3FDB-384D-AD02-580CE853BE73}"/>
+              </a:ext>
+            </a:extLst>
+          </p:cNvPr>
+          <p:cNvCxnSpPr>
+            <a:cxnSpLocks/>
+          </p:cNvCxnSpPr>
+          <p:nvPr/>
+        </p:nvCxnSpPr>
+        <p:spPr>
+          <a:xfrm>
+            <a:off x="10962993" y="914403"/>
+            <a:ext cx="285135" cy="0"/>
+          </a:xfrm>
+          <a:prstGeom prst="line">
+            <a:avLst/>
+          </a:prstGeom>
+          <a:ln w="38100"/>
+        </p:spPr>
+        <p:style>
+          <a:lnRef idx="3">
+            <a:schemeClr val="dk1"/>
+          </a:lnRef>
+          <a:fillRef idx="0">
+            <a:schemeClr val="dk1"/>
+          </a:fillRef>
+          <a:effectRef idx="2">
+            <a:schemeClr val="dk1"/>
+          </a:effectRef>
+          <a:fontRef idx="minor">
+            <a:schemeClr val="tx1"/>
+          </a:fontRef>
+        </p:style>
+      </p:cxnSp>
+      <p:cxnSp>
+        <p:nvCxnSpPr>
+          <p:cNvPr id="49" name="Straight Connector 48">
+            <a:extLst>
+              <a:ext uri="{FF2B5EF4-FFF2-40B4-BE49-F238E27FC236}">
+                <a16:creationId xmlns:a16="http://schemas.microsoft.com/office/drawing/2014/main" id="{35DAB611-CFC9-46CC-289A-4735FE9C27BA}"/>
+              </a:ext>
+            </a:extLst>
+          </p:cNvPr>
+          <p:cNvCxnSpPr>
+            <a:cxnSpLocks/>
+          </p:cNvCxnSpPr>
+          <p:nvPr/>
+        </p:nvCxnSpPr>
+        <p:spPr>
+          <a:xfrm>
+            <a:off x="11351366" y="919315"/>
+            <a:ext cx="285135" cy="0"/>
+          </a:xfrm>
+          <a:prstGeom prst="line">
+            <a:avLst/>
+          </a:prstGeom>
+          <a:ln w="38100"/>
+        </p:spPr>
+        <p:style>
+          <a:lnRef idx="3">
+            <a:schemeClr val="dk1"/>
+          </a:lnRef>
+          <a:fillRef idx="0">
+            <a:schemeClr val="dk1"/>
+          </a:fillRef>
+          <a:effectRef idx="2">
+            <a:schemeClr val="dk1"/>
+          </a:effectRef>
+          <a:fontRef idx="minor">
+            <a:schemeClr val="tx1"/>
+          </a:fontRef>
+        </p:style>
+      </p:cxnSp>
+      <p:pic>
+        <p:nvPicPr>
+          <p:cNvPr id="52" name="Graphic 51" descr="Bus with solid fill">
+            <a:extLst>
+              <a:ext uri="{FF2B5EF4-FFF2-40B4-BE49-F238E27FC236}">
+                <a16:creationId xmlns:a16="http://schemas.microsoft.com/office/drawing/2014/main" id="{ECABF725-820F-F99C-DB6C-FE0B27A74DC1}"/>
+              </a:ext>
+            </a:extLst>
+          </p:cNvPr>
+          <p:cNvPicPr>
+            <a:picLocks noChangeAspect="1"/>
+          </p:cNvPicPr>
+          <p:nvPr/>
+        </p:nvPicPr>
+        <p:blipFill>
+          <a:blip r:embed="rId2">
+            <a:extLst>
+              <a:ext uri="{96DAC541-7B7A-43D3-8B79-37D633B846F1}">
+                <asvg:svgBlip xmlns:asvg="http://schemas.microsoft.com/office/drawing/2016/SVG/main" r:embed="rId3"/>
+              </a:ext>
+            </a:extLst>
+          </a:blip>
+          <a:stretch>
+            <a:fillRect/>
+          </a:stretch>
+        </p:blipFill>
+        <p:spPr>
+          <a:xfrm>
+            <a:off x="12346006" y="460037"/>
+            <a:ext cx="571143" cy="571143"/>
+          </a:xfrm>
+          <a:prstGeom prst="rect">
+            <a:avLst/>
+          </a:prstGeom>
+        </p:spPr>
+      </p:pic>
+      <p:sp>
+        <p:nvSpPr>
+          <p:cNvPr id="10" name="TextBox 9">
+            <a:extLst>
+              <a:ext uri="{FF2B5EF4-FFF2-40B4-BE49-F238E27FC236}">
+                <a16:creationId xmlns:a16="http://schemas.microsoft.com/office/drawing/2014/main" id="{440C9BFE-6726-E586-237C-157DED38D82E}"/>
+              </a:ext>
+            </a:extLst>
+          </p:cNvPr>
+          <p:cNvSpPr txBox="1"/>
+          <p:nvPr/>
+        </p:nvSpPr>
+        <p:spPr>
+          <a:xfrm>
+            <a:off x="2325331" y="3293254"/>
+            <a:ext cx="7020248" cy="769441"/>
+          </a:xfrm>
+          <a:prstGeom prst="rect">
+            <a:avLst/>
+          </a:prstGeom>
+          <a:noFill/>
+        </p:spPr>
+        <p:txBody>
+          <a:bodyPr wrap="square">
+            <a:spAutoFit/>
+          </a:bodyPr>
+          <a:lstStyle/>
+          <a:p>
+            <a:pPr algn="ctr"/>
+            <a:r>
+              <a:rPr lang="en-IN" sz="4400" dirty="0">
+                <a:latin typeface="Berlin Sans FB Demi" panose="020E0802020502020306" pitchFamily="34" charset="0"/>
+              </a:rPr>
+              <a:t>Thankyou!</a:t>
+            </a:r>
+          </a:p>
+        </p:txBody>
+      </p:sp>
+      <p:pic>
+        <p:nvPicPr>
+          <p:cNvPr id="11" name="Picture 10">
+            <a:extLst>
+              <a:ext uri="{FF2B5EF4-FFF2-40B4-BE49-F238E27FC236}">
+                <a16:creationId xmlns:a16="http://schemas.microsoft.com/office/drawing/2014/main" id="{99F7C429-DB7F-C356-CB0A-A740DB1EDA14}"/>
+              </a:ext>
+            </a:extLst>
+          </p:cNvPr>
+          <p:cNvPicPr>
+            <a:picLocks noChangeAspect="1"/>
+          </p:cNvPicPr>
+          <p:nvPr/>
+        </p:nvPicPr>
+        <p:blipFill>
+          <a:blip r:embed="rId4">
+            <a:extLst>
+              <a:ext uri="{28A0092B-C50C-407E-A947-70E740481C1C}">
+                <a14:useLocalDpi xmlns:a14="http://schemas.microsoft.com/office/drawing/2010/main" val="0"/>
+              </a:ext>
+            </a:extLst>
+          </a:blip>
+          <a:srcRect l="16380" t="21238" r="15448" b="27025"/>
+          <a:stretch>
+            <a:fillRect/>
+          </a:stretch>
+        </p:blipFill>
+        <p:spPr>
+          <a:xfrm>
+            <a:off x="270068" y="160480"/>
+            <a:ext cx="435996" cy="330886"/>
+          </a:xfrm>
+          <a:prstGeom prst="rect">
+            <a:avLst/>
+          </a:prstGeom>
+        </p:spPr>
+      </p:pic>
+    </p:spTree>
+    <p:extLst>
+      <p:ext uri="{BB962C8B-B14F-4D97-AF65-F5344CB8AC3E}">
+        <p14:creationId xmlns:p14="http://schemas.microsoft.com/office/powerpoint/2010/main" val="1713506204"/>
+      </p:ext>
+    </p:extLst>
+  </p:cSld>
+  <p:clrMapOvr>
+    <a:masterClrMapping/>
+  </p:clrMapOvr>
+  <mc:AlternateContent xmlns:mc="http://schemas.openxmlformats.org/markup-compatibility/2006" xmlns:p159="http://schemas.microsoft.com/office/powerpoint/2015/09/main">
+    <mc:Choice Requires="p159">
+      <p:transition xmlns:p14="http://schemas.microsoft.com/office/powerpoint/2010/main" spd="slow" p14:dur="2000">
+        <p159:morph option="byObject"/>
+      </p:transition>
+    </mc:Choice>
+    <mc:Fallback xmlns="">
+      <p:transition spd="slow">
+        <p:fade/>
+      </p:transition>
+    </mc:Fallback>
+  </mc:AlternateContent>
+</p:sld>
+</file>
+
 <file path=ppt/slides/slide2.xml><?xml version="1.0" encoding="utf-8"?>
 <p:sld xmlns:a="http://schemas.openxmlformats.org/drawingml/2006/main" xmlns:r="http://schemas.openxmlformats.org/officeDocument/2006/relationships" xmlns:p="http://schemas.openxmlformats.org/presentationml/2006/main">
   <p:cSld>
@@ -5689,7 +8811,7 @@
           <a:p>
             <a:fld id="{E463A28B-0B42-4F98-9A3E-41622C347E01}" type="datetime1">
               <a:rPr lang="en-IN" b="1" smtClean="0"/>
-              <a:t>24-08-2025</a:t>
+              <a:t>19-09-2025</a:t>
             </a:fld>
             <a:endParaRPr lang="en-IN" b="1" dirty="0"/>
           </a:p>
@@ -6979,7 +10101,7 @@
         </p:blipFill>
         <p:spPr>
           <a:xfrm>
-            <a:off x="2100776" y="460037"/>
+            <a:off x="1225707" y="460037"/>
             <a:ext cx="571143" cy="571143"/>
           </a:xfrm>
           <a:prstGeom prst="rect">
@@ -7171,13 +10293,13 @@
   <p:clrMapOvr>
     <a:masterClrMapping/>
   </p:clrMapOvr>
-  <mc:AlternateContent xmlns:mc="http://schemas.openxmlformats.org/markup-compatibility/2006">
-    <mc:Choice xmlns:p159="http://schemas.microsoft.com/office/powerpoint/2015/09/main" Requires="p159">
+  <mc:AlternateContent xmlns:mc="http://schemas.openxmlformats.org/markup-compatibility/2006" xmlns:p159="http://schemas.microsoft.com/office/powerpoint/2015/09/main">
+    <mc:Choice Requires="p159">
       <p:transition xmlns:p14="http://schemas.microsoft.com/office/powerpoint/2010/main" spd="slow" p14:dur="2000">
         <p159:morph option="byObject"/>
       </p:transition>
     </mc:Choice>
-    <mc:Fallback>
+    <mc:Fallback xmlns="">
       <p:transition spd="slow">
         <p:fade/>
       </p:transition>
@@ -7328,7 +10450,7 @@
           <a:p>
             <a:fld id="{D7EBF021-A250-4AD9-8EA1-6A4A8CF6C547}" type="datetime1">
               <a:rPr lang="en-IN" b="1" smtClean="0"/>
-              <a:t>24-08-2025</a:t>
+              <a:t>19-09-2025</a:t>
             </a:fld>
             <a:endParaRPr lang="en-IN" b="1" dirty="0"/>
           </a:p>
@@ -8618,7 +11740,7 @@
         </p:blipFill>
         <p:spPr>
           <a:xfrm>
-            <a:off x="4204887" y="460037"/>
+            <a:off x="2277764" y="469869"/>
             <a:ext cx="571143" cy="571143"/>
           </a:xfrm>
           <a:prstGeom prst="rect">
@@ -8793,13 +11915,13 @@
   <p:clrMapOvr>
     <a:masterClrMapping/>
   </p:clrMapOvr>
-  <mc:AlternateContent xmlns:mc="http://schemas.openxmlformats.org/markup-compatibility/2006">
-    <mc:Choice xmlns:p159="http://schemas.microsoft.com/office/powerpoint/2015/09/main" Requires="p159">
+  <mc:AlternateContent xmlns:mc="http://schemas.openxmlformats.org/markup-compatibility/2006" xmlns:p159="http://schemas.microsoft.com/office/powerpoint/2015/09/main">
+    <mc:Choice Requires="p159">
       <p:transition xmlns:p14="http://schemas.microsoft.com/office/powerpoint/2010/main" spd="slow" p14:dur="2000">
         <p159:morph option="byObject"/>
       </p:transition>
     </mc:Choice>
-    <mc:Fallback>
+    <mc:Fallback xmlns="">
       <p:transition spd="slow">
         <p:fade/>
       </p:transition>
@@ -8950,7 +12072,7 @@
           <a:p>
             <a:fld id="{B79E93B8-652F-40E7-B8D3-30B9980ABAFF}" type="datetime1">
               <a:rPr lang="en-IN" b="1" smtClean="0"/>
-              <a:t>24-08-2025</a:t>
+              <a:t>19-09-2025</a:t>
             </a:fld>
             <a:endParaRPr lang="en-IN" b="1" dirty="0"/>
           </a:p>
@@ -10240,7 +13362,7 @@
         </p:blipFill>
         <p:spPr>
           <a:xfrm>
-            <a:off x="6210666" y="460037"/>
+            <a:off x="3408461" y="460037"/>
             <a:ext cx="571143" cy="571143"/>
           </a:xfrm>
           <a:prstGeom prst="rect">
@@ -10817,13 +13939,13 @@
   <p:clrMapOvr>
     <a:masterClrMapping/>
   </p:clrMapOvr>
-  <mc:AlternateContent xmlns:mc="http://schemas.openxmlformats.org/markup-compatibility/2006">
-    <mc:Choice xmlns:p159="http://schemas.microsoft.com/office/powerpoint/2015/09/main" Requires="p159">
+  <mc:AlternateContent xmlns:mc="http://schemas.openxmlformats.org/markup-compatibility/2006" xmlns:p159="http://schemas.microsoft.com/office/powerpoint/2015/09/main">
+    <mc:Choice Requires="p159">
       <p:transition xmlns:p14="http://schemas.microsoft.com/office/powerpoint/2010/main" spd="slow" p14:dur="2000">
         <p159:morph option="byObject"/>
       </p:transition>
     </mc:Choice>
-    <mc:Fallback>
+    <mc:Fallback xmlns="">
       <p:transition spd="slow">
         <p:fade/>
       </p:transition>
@@ -10974,7 +14096,7 @@
           <a:p>
             <a:fld id="{876B7D09-CD3A-4E68-A144-A3644A533F36}" type="datetime1">
               <a:rPr lang="en-IN" b="1" smtClean="0"/>
-              <a:t>24-08-2025</a:t>
+              <a:t>19-09-2025</a:t>
             </a:fld>
             <a:endParaRPr lang="en-IN" b="1" dirty="0"/>
           </a:p>
@@ -12264,7 +15386,7 @@
         </p:blipFill>
         <p:spPr>
           <a:xfrm>
-            <a:off x="7901829" y="460037"/>
+            <a:off x="4608005" y="460037"/>
             <a:ext cx="571143" cy="571143"/>
           </a:xfrm>
           <a:prstGeom prst="rect">
@@ -12412,13 +15534,13 @@
   <p:clrMapOvr>
     <a:masterClrMapping/>
   </p:clrMapOvr>
-  <mc:AlternateContent xmlns:mc="http://schemas.openxmlformats.org/markup-compatibility/2006">
-    <mc:Choice xmlns:p159="http://schemas.microsoft.com/office/powerpoint/2015/09/main" Requires="p159">
+  <mc:AlternateContent xmlns:mc="http://schemas.openxmlformats.org/markup-compatibility/2006" xmlns:p159="http://schemas.microsoft.com/office/powerpoint/2015/09/main">
+    <mc:Choice Requires="p159">
       <p:transition xmlns:p14="http://schemas.microsoft.com/office/powerpoint/2010/main" spd="slow" p14:dur="2000">
         <p159:morph option="byObject"/>
       </p:transition>
     </mc:Choice>
-    <mc:Fallback>
+    <mc:Fallback xmlns="">
       <p:transition spd="slow">
         <p:fade/>
       </p:transition>
@@ -12569,7 +15691,7 @@
           <a:p>
             <a:fld id="{981F4F65-59A9-4158-AC6B-F9288289EC87}" type="datetime1">
               <a:rPr lang="en-IN" b="1" smtClean="0"/>
-              <a:t>24-08-2025</a:t>
+              <a:t>19-09-2025</a:t>
             </a:fld>
             <a:endParaRPr lang="en-IN" b="1" dirty="0"/>
           </a:p>
@@ -13859,7 +16981,7 @@
         </p:blipFill>
         <p:spPr>
           <a:xfrm>
-            <a:off x="9661805" y="460037"/>
+            <a:off x="5620731" y="479701"/>
             <a:ext cx="571143" cy="571143"/>
           </a:xfrm>
           <a:prstGeom prst="rect">
@@ -14021,13 +17143,13 @@
   <p:clrMapOvr>
     <a:masterClrMapping/>
   </p:clrMapOvr>
-  <mc:AlternateContent xmlns:mc="http://schemas.openxmlformats.org/markup-compatibility/2006">
-    <mc:Choice xmlns:p159="http://schemas.microsoft.com/office/powerpoint/2015/09/main" Requires="p159">
+  <mc:AlternateContent xmlns:mc="http://schemas.openxmlformats.org/markup-compatibility/2006" xmlns:p159="http://schemas.microsoft.com/office/powerpoint/2015/09/main">
+    <mc:Choice Requires="p159">
       <p:transition xmlns:p14="http://schemas.microsoft.com/office/powerpoint/2010/main" spd="slow" p14:dur="2000">
         <p159:morph option="byObject"/>
       </p:transition>
     </mc:Choice>
-    <mc:Fallback>
+    <mc:Fallback xmlns="">
       <p:transition spd="slow">
         <p:fade/>
       </p:transition>
@@ -14178,7 +17300,7 @@
           <a:p>
             <a:fld id="{5D43BDE2-43FC-4E6A-9A43-DB8242B3C950}" type="datetime1">
               <a:rPr lang="en-IN" b="1" smtClean="0"/>
-              <a:t>24-08-2025</a:t>
+              <a:t>19-09-2025</a:t>
             </a:fld>
             <a:endParaRPr lang="en-IN" b="1" dirty="0"/>
           </a:p>
@@ -15468,7 +18590,7 @@
         </p:blipFill>
         <p:spPr>
           <a:xfrm>
-            <a:off x="12257523" y="460037"/>
+            <a:off x="6721940" y="460037"/>
             <a:ext cx="571143" cy="571143"/>
           </a:xfrm>
           <a:prstGeom prst="rect">
@@ -15490,8 +18612,8 @@
         </p:nvSpPr>
         <p:spPr>
           <a:xfrm>
-            <a:off x="2467904" y="2189176"/>
-            <a:ext cx="7020248" cy="1107996"/>
+            <a:off x="717767" y="1265167"/>
+            <a:ext cx="10815477" cy="1107996"/>
           </a:xfrm>
           <a:prstGeom prst="rect">
             <a:avLst/>
@@ -15509,17 +18631,3145 @@
               <a:rPr lang="en-IN" sz="6600" dirty="0">
                 <a:latin typeface="Britannic Bold" panose="020B0903060703020204" pitchFamily="34" charset="0"/>
               </a:rPr>
-              <a:t>End of the Review</a:t>
+              <a:t>Content to be added here</a:t>
+            </a:r>
+          </a:p>
+        </p:txBody>
+      </p:sp>
+      <p:pic>
+        <p:nvPicPr>
+          <p:cNvPr id="11" name="Picture 10">
+            <a:extLst>
+              <a:ext uri="{FF2B5EF4-FFF2-40B4-BE49-F238E27FC236}">
+                <a16:creationId xmlns:a16="http://schemas.microsoft.com/office/drawing/2014/main" id="{AFFDB325-76E6-F9D1-F38A-A2E5BD26BEC2}"/>
+              </a:ext>
+            </a:extLst>
+          </p:cNvPr>
+          <p:cNvPicPr>
+            <a:picLocks noChangeAspect="1"/>
+          </p:cNvPicPr>
+          <p:nvPr/>
+        </p:nvPicPr>
+        <p:blipFill>
+          <a:blip r:embed="rId4">
+            <a:extLst>
+              <a:ext uri="{28A0092B-C50C-407E-A947-70E740481C1C}">
+                <a14:useLocalDpi xmlns:a14="http://schemas.microsoft.com/office/drawing/2010/main" val="0"/>
+              </a:ext>
+            </a:extLst>
+          </a:blip>
+          <a:srcRect l="16380" t="21238" r="15448" b="27025"/>
+          <a:stretch>
+            <a:fillRect/>
+          </a:stretch>
+        </p:blipFill>
+        <p:spPr>
+          <a:xfrm>
+            <a:off x="270068" y="160480"/>
+            <a:ext cx="435996" cy="330886"/>
+          </a:xfrm>
+          <a:prstGeom prst="rect">
+            <a:avLst/>
+          </a:prstGeom>
+        </p:spPr>
+      </p:pic>
+      <p:sp>
+        <p:nvSpPr>
+          <p:cNvPr id="3" name="TextBox 2">
+            <a:extLst>
+              <a:ext uri="{FF2B5EF4-FFF2-40B4-BE49-F238E27FC236}">
+                <a16:creationId xmlns:a16="http://schemas.microsoft.com/office/drawing/2014/main" id="{527479B5-485D-2FF8-3371-D4B9717E5FB1}"/>
+              </a:ext>
+            </a:extLst>
+          </p:cNvPr>
+          <p:cNvSpPr txBox="1"/>
+          <p:nvPr/>
+        </p:nvSpPr>
+        <p:spPr>
+          <a:xfrm>
+            <a:off x="1292943" y="2560067"/>
+            <a:ext cx="10409928" cy="506292"/>
+          </a:xfrm>
+          <a:prstGeom prst="rect">
+            <a:avLst/>
+          </a:prstGeom>
+          <a:noFill/>
+        </p:spPr>
+        <p:txBody>
+          <a:bodyPr wrap="square" rtlCol="0">
+            <a:spAutoFit/>
+          </a:bodyPr>
+          <a:lstStyle/>
+          <a:p>
+            <a:pPr marL="342900" indent="-342900">
+              <a:lnSpc>
+                <a:spcPct val="150000"/>
+              </a:lnSpc>
+              <a:buFont typeface="Arial" panose="020B0604020202020204" pitchFamily="34" charset="0"/>
+              <a:buChar char="•"/>
+            </a:pPr>
+            <a:r>
+              <a:rPr lang="en-US" sz="2000" dirty="0"/>
+              <a:t>Content to be added</a:t>
+            </a:r>
+            <a:endParaRPr lang="en-IN" sz="2000" dirty="0"/>
+          </a:p>
+        </p:txBody>
+      </p:sp>
+    </p:spTree>
+    <p:extLst>
+      <p:ext uri="{BB962C8B-B14F-4D97-AF65-F5344CB8AC3E}">
+        <p14:creationId xmlns:p14="http://schemas.microsoft.com/office/powerpoint/2010/main" val="2633884868"/>
+      </p:ext>
+    </p:extLst>
+  </p:cSld>
+  <p:clrMapOvr>
+    <a:masterClrMapping/>
+  </p:clrMapOvr>
+  <mc:AlternateContent xmlns:mc="http://schemas.openxmlformats.org/markup-compatibility/2006" xmlns:p159="http://schemas.microsoft.com/office/powerpoint/2015/09/main">
+    <mc:Choice Requires="p159">
+      <p:transition xmlns:p14="http://schemas.microsoft.com/office/powerpoint/2010/main" spd="slow" p14:dur="2000">
+        <p159:morph option="byObject"/>
+      </p:transition>
+    </mc:Choice>
+    <mc:Fallback xmlns="">
+      <p:transition spd="slow">
+        <p:fade/>
+      </p:transition>
+    </mc:Fallback>
+  </mc:AlternateContent>
+</p:sld>
+</file>
+
+<file path=ppt/slides/slide8.xml><?xml version="1.0" encoding="utf-8"?>
+<p:sld xmlns:a="http://schemas.openxmlformats.org/drawingml/2006/main" xmlns:r="http://schemas.openxmlformats.org/officeDocument/2006/relationships" xmlns:p="http://schemas.openxmlformats.org/presentationml/2006/main">
+  <p:cSld>
+    <p:spTree>
+      <p:nvGrpSpPr>
+        <p:cNvPr id="1" name="">
+          <a:extLst>
+            <a:ext uri="{FF2B5EF4-FFF2-40B4-BE49-F238E27FC236}">
+              <a16:creationId xmlns:a16="http://schemas.microsoft.com/office/drawing/2014/main" id="{5A1F3D51-32CC-4C49-754D-5C6EF1440972}"/>
+            </a:ext>
+          </a:extLst>
+        </p:cNvPr>
+        <p:cNvGrpSpPr/>
+        <p:nvPr/>
+      </p:nvGrpSpPr>
+      <p:grpSpPr>
+        <a:xfrm>
+          <a:off x="0" y="0"/>
+          <a:ext cx="0" cy="0"/>
+          <a:chOff x="0" y="0"/>
+          <a:chExt cx="0" cy="0"/>
+        </a:xfrm>
+      </p:grpSpPr>
+      <p:sp>
+        <p:nvSpPr>
+          <p:cNvPr id="5" name="Footer Placeholder 4">
+            <a:extLst>
+              <a:ext uri="{FF2B5EF4-FFF2-40B4-BE49-F238E27FC236}">
+                <a16:creationId xmlns:a16="http://schemas.microsoft.com/office/drawing/2014/main" id="{D3282C71-4BF5-1DC2-61A5-4CAB794BC73E}"/>
+              </a:ext>
+            </a:extLst>
+          </p:cNvPr>
+          <p:cNvSpPr>
+            <a:spLocks noGrp="1"/>
+          </p:cNvSpPr>
+          <p:nvPr>
+            <p:ph type="ftr" sz="quarter" idx="11"/>
+          </p:nvPr>
+        </p:nvSpPr>
+        <p:spPr/>
+        <p:txBody>
+          <a:bodyPr/>
+          <a:lstStyle/>
+          <a:p>
+            <a:r>
+              <a:rPr lang="en-IN" b="1"/>
+              <a:t>Project Review 0</a:t>
+            </a:r>
+            <a:endParaRPr lang="en-IN" b="1" dirty="0"/>
+          </a:p>
+        </p:txBody>
+      </p:sp>
+      <p:sp>
+        <p:nvSpPr>
+          <p:cNvPr id="6" name="Slide Number Placeholder 5">
+            <a:extLst>
+              <a:ext uri="{FF2B5EF4-FFF2-40B4-BE49-F238E27FC236}">
+                <a16:creationId xmlns:a16="http://schemas.microsoft.com/office/drawing/2014/main" id="{A256638F-74C7-5CB6-ED1B-2368FD8AAFF7}"/>
+              </a:ext>
+            </a:extLst>
+          </p:cNvPr>
+          <p:cNvSpPr>
+            <a:spLocks noGrp="1"/>
+          </p:cNvSpPr>
+          <p:nvPr>
+            <p:ph type="sldNum" sz="quarter" idx="12"/>
+          </p:nvPr>
+        </p:nvSpPr>
+        <p:spPr/>
+        <p:txBody>
+          <a:bodyPr/>
+          <a:lstStyle/>
+          <a:p>
+            <a:fld id="{4912F8CF-BD92-4E9C-97A8-FB8335672A19}" type="slidenum">
+              <a:rPr lang="en-IN" b="1" smtClean="0"/>
+              <a:t>8</a:t>
+            </a:fld>
+            <a:endParaRPr lang="en-IN" b="1" dirty="0"/>
+          </a:p>
+        </p:txBody>
+      </p:sp>
+      <p:sp>
+        <p:nvSpPr>
+          <p:cNvPr id="7" name="TextBox 6">
+            <a:extLst>
+              <a:ext uri="{FF2B5EF4-FFF2-40B4-BE49-F238E27FC236}">
+                <a16:creationId xmlns:a16="http://schemas.microsoft.com/office/drawing/2014/main" id="{EF05DA69-1252-9BDB-5D71-20041CC59E34}"/>
+              </a:ext>
+            </a:extLst>
+          </p:cNvPr>
+          <p:cNvSpPr txBox="1"/>
+          <p:nvPr/>
+        </p:nvSpPr>
+        <p:spPr>
+          <a:xfrm>
+            <a:off x="658761" y="159876"/>
+            <a:ext cx="2428568" cy="307777"/>
+          </a:xfrm>
+          <a:prstGeom prst="rect">
+            <a:avLst/>
+          </a:prstGeom>
+          <a:noFill/>
+        </p:spPr>
+        <p:txBody>
+          <a:bodyPr wrap="square" rtlCol="0">
+            <a:spAutoFit/>
+          </a:bodyPr>
+          <a:lstStyle/>
+          <a:p>
+            <a:r>
+              <a:rPr lang="en-IN" sz="1400" b="1" dirty="0">
+                <a:latin typeface="Dubai" panose="020B0503030403030204" pitchFamily="34" charset="-78"/>
+                <a:cs typeface="Dubai" panose="020B0503030403030204" pitchFamily="34" charset="-78"/>
+              </a:rPr>
+              <a:t>Smart Transit Manager</a:t>
             </a:r>
           </a:p>
         </p:txBody>
       </p:sp>
       <p:sp>
         <p:nvSpPr>
+          <p:cNvPr id="2" name="Date Placeholder 1">
+            <a:extLst>
+              <a:ext uri="{FF2B5EF4-FFF2-40B4-BE49-F238E27FC236}">
+                <a16:creationId xmlns:a16="http://schemas.microsoft.com/office/drawing/2014/main" id="{E11CD449-503E-B694-EB53-D8E172497682}"/>
+              </a:ext>
+            </a:extLst>
+          </p:cNvPr>
+          <p:cNvSpPr>
+            <a:spLocks noGrp="1"/>
+          </p:cNvSpPr>
+          <p:nvPr>
+            <p:ph type="dt" sz="half" idx="10"/>
+          </p:nvPr>
+        </p:nvSpPr>
+        <p:spPr/>
+        <p:txBody>
+          <a:bodyPr/>
+          <a:lstStyle/>
+          <a:p>
+            <a:fld id="{5D43BDE2-43FC-4E6A-9A43-DB8242B3C950}" type="datetime1">
+              <a:rPr lang="en-IN" b="1" smtClean="0"/>
+              <a:t>19-09-2025</a:t>
+            </a:fld>
+            <a:endParaRPr lang="en-IN" b="1" dirty="0"/>
+          </a:p>
+        </p:txBody>
+      </p:sp>
+      <p:cxnSp>
+        <p:nvCxnSpPr>
+          <p:cNvPr id="8" name="Straight Connector 7">
+            <a:extLst>
+              <a:ext uri="{FF2B5EF4-FFF2-40B4-BE49-F238E27FC236}">
+                <a16:creationId xmlns:a16="http://schemas.microsoft.com/office/drawing/2014/main" id="{E668A12C-1446-FAEB-17E4-A8D673161B9E}"/>
+              </a:ext>
+            </a:extLst>
+          </p:cNvPr>
+          <p:cNvCxnSpPr>
+            <a:cxnSpLocks/>
+          </p:cNvCxnSpPr>
+          <p:nvPr/>
+        </p:nvCxnSpPr>
+        <p:spPr>
+          <a:xfrm>
+            <a:off x="363794" y="821619"/>
+            <a:ext cx="11484077" cy="0"/>
+          </a:xfrm>
+          <a:prstGeom prst="line">
+            <a:avLst/>
+          </a:prstGeom>
+          <a:ln>
+            <a:solidFill>
+              <a:schemeClr val="tx1"/>
+            </a:solidFill>
+          </a:ln>
+        </p:spPr>
+        <p:style>
+          <a:lnRef idx="1">
+            <a:schemeClr val="accent1"/>
+          </a:lnRef>
+          <a:fillRef idx="0">
+            <a:schemeClr val="accent1"/>
+          </a:fillRef>
+          <a:effectRef idx="0">
+            <a:schemeClr val="accent1"/>
+          </a:effectRef>
+          <a:fontRef idx="minor">
+            <a:schemeClr val="tx1"/>
+          </a:fontRef>
+        </p:style>
+      </p:cxnSp>
+      <p:cxnSp>
+        <p:nvCxnSpPr>
+          <p:cNvPr id="13" name="Straight Connector 12">
+            <a:extLst>
+              <a:ext uri="{FF2B5EF4-FFF2-40B4-BE49-F238E27FC236}">
+                <a16:creationId xmlns:a16="http://schemas.microsoft.com/office/drawing/2014/main" id="{43354438-7C67-58C4-3922-F39A3E61CC5E}"/>
+              </a:ext>
+            </a:extLst>
+          </p:cNvPr>
+          <p:cNvCxnSpPr>
+            <a:cxnSpLocks/>
+          </p:cNvCxnSpPr>
+          <p:nvPr/>
+        </p:nvCxnSpPr>
+        <p:spPr>
+          <a:xfrm>
+            <a:off x="363794" y="1003516"/>
+            <a:ext cx="11484077" cy="0"/>
+          </a:xfrm>
+          <a:prstGeom prst="line">
+            <a:avLst/>
+          </a:prstGeom>
+          <a:ln>
+            <a:solidFill>
+              <a:schemeClr val="tx1"/>
+            </a:solidFill>
+          </a:ln>
+        </p:spPr>
+        <p:style>
+          <a:lnRef idx="1">
+            <a:schemeClr val="accent1"/>
+          </a:lnRef>
+          <a:fillRef idx="0">
+            <a:schemeClr val="accent1"/>
+          </a:fillRef>
+          <a:effectRef idx="0">
+            <a:schemeClr val="accent1"/>
+          </a:effectRef>
+          <a:fontRef idx="minor">
+            <a:schemeClr val="tx1"/>
+          </a:fontRef>
+        </p:style>
+      </p:cxnSp>
+      <p:cxnSp>
+        <p:nvCxnSpPr>
+          <p:cNvPr id="15" name="Straight Connector 14">
+            <a:extLst>
+              <a:ext uri="{FF2B5EF4-FFF2-40B4-BE49-F238E27FC236}">
+                <a16:creationId xmlns:a16="http://schemas.microsoft.com/office/drawing/2014/main" id="{1473F37D-0D6B-DF9C-9265-8EB1672AB7CE}"/>
+              </a:ext>
+            </a:extLst>
+          </p:cNvPr>
+          <p:cNvCxnSpPr>
+            <a:cxnSpLocks/>
+          </p:cNvCxnSpPr>
+          <p:nvPr/>
+        </p:nvCxnSpPr>
+        <p:spPr>
+          <a:xfrm>
+            <a:off x="373626" y="914403"/>
+            <a:ext cx="285135" cy="0"/>
+          </a:xfrm>
+          <a:prstGeom prst="line">
+            <a:avLst/>
+          </a:prstGeom>
+          <a:ln w="38100"/>
+        </p:spPr>
+        <p:style>
+          <a:lnRef idx="3">
+            <a:schemeClr val="dk1"/>
+          </a:lnRef>
+          <a:fillRef idx="0">
+            <a:schemeClr val="dk1"/>
+          </a:fillRef>
+          <a:effectRef idx="2">
+            <a:schemeClr val="dk1"/>
+          </a:effectRef>
+          <a:fontRef idx="minor">
+            <a:schemeClr val="tx1"/>
+          </a:fontRef>
+        </p:style>
+      </p:cxnSp>
+      <p:cxnSp>
+        <p:nvCxnSpPr>
+          <p:cNvPr id="17" name="Straight Connector 16">
+            <a:extLst>
+              <a:ext uri="{FF2B5EF4-FFF2-40B4-BE49-F238E27FC236}">
+                <a16:creationId xmlns:a16="http://schemas.microsoft.com/office/drawing/2014/main" id="{278917CB-C397-5087-E32E-5656284206CA}"/>
+              </a:ext>
+            </a:extLst>
+          </p:cNvPr>
+          <p:cNvCxnSpPr>
+            <a:cxnSpLocks/>
+          </p:cNvCxnSpPr>
+          <p:nvPr/>
+        </p:nvCxnSpPr>
+        <p:spPr>
+          <a:xfrm>
+            <a:off x="762002" y="909488"/>
+            <a:ext cx="285135" cy="0"/>
+          </a:xfrm>
+          <a:prstGeom prst="line">
+            <a:avLst/>
+          </a:prstGeom>
+          <a:ln w="38100"/>
+        </p:spPr>
+        <p:style>
+          <a:lnRef idx="3">
+            <a:schemeClr val="dk1"/>
+          </a:lnRef>
+          <a:fillRef idx="0">
+            <a:schemeClr val="dk1"/>
+          </a:fillRef>
+          <a:effectRef idx="2">
+            <a:schemeClr val="dk1"/>
+          </a:effectRef>
+          <a:fontRef idx="minor">
+            <a:schemeClr val="tx1"/>
+          </a:fontRef>
+        </p:style>
+      </p:cxnSp>
+      <p:cxnSp>
+        <p:nvCxnSpPr>
+          <p:cNvPr id="18" name="Straight Connector 17">
+            <a:extLst>
+              <a:ext uri="{FF2B5EF4-FFF2-40B4-BE49-F238E27FC236}">
+                <a16:creationId xmlns:a16="http://schemas.microsoft.com/office/drawing/2014/main" id="{AF3D7F02-DB52-C97C-292D-D08FAACB3CEC}"/>
+              </a:ext>
+            </a:extLst>
+          </p:cNvPr>
+          <p:cNvCxnSpPr>
+            <a:cxnSpLocks/>
+          </p:cNvCxnSpPr>
+          <p:nvPr/>
+        </p:nvCxnSpPr>
+        <p:spPr>
+          <a:xfrm>
+            <a:off x="1150376" y="914403"/>
+            <a:ext cx="285135" cy="0"/>
+          </a:xfrm>
+          <a:prstGeom prst="line">
+            <a:avLst/>
+          </a:prstGeom>
+          <a:ln w="38100"/>
+        </p:spPr>
+        <p:style>
+          <a:lnRef idx="3">
+            <a:schemeClr val="dk1"/>
+          </a:lnRef>
+          <a:fillRef idx="0">
+            <a:schemeClr val="dk1"/>
+          </a:fillRef>
+          <a:effectRef idx="2">
+            <a:schemeClr val="dk1"/>
+          </a:effectRef>
+          <a:fontRef idx="minor">
+            <a:schemeClr val="tx1"/>
+          </a:fontRef>
+        </p:style>
+      </p:cxnSp>
+      <p:cxnSp>
+        <p:nvCxnSpPr>
+          <p:cNvPr id="19" name="Straight Connector 18">
+            <a:extLst>
+              <a:ext uri="{FF2B5EF4-FFF2-40B4-BE49-F238E27FC236}">
+                <a16:creationId xmlns:a16="http://schemas.microsoft.com/office/drawing/2014/main" id="{EE535EC8-5129-4A33-ECB5-AC5189B18F64}"/>
+              </a:ext>
+            </a:extLst>
+          </p:cNvPr>
+          <p:cNvCxnSpPr>
+            <a:cxnSpLocks/>
+          </p:cNvCxnSpPr>
+          <p:nvPr/>
+        </p:nvCxnSpPr>
+        <p:spPr>
+          <a:xfrm>
+            <a:off x="1519084" y="909489"/>
+            <a:ext cx="285135" cy="0"/>
+          </a:xfrm>
+          <a:prstGeom prst="line">
+            <a:avLst/>
+          </a:prstGeom>
+          <a:ln w="38100"/>
+        </p:spPr>
+        <p:style>
+          <a:lnRef idx="3">
+            <a:schemeClr val="dk1"/>
+          </a:lnRef>
+          <a:fillRef idx="0">
+            <a:schemeClr val="dk1"/>
+          </a:fillRef>
+          <a:effectRef idx="2">
+            <a:schemeClr val="dk1"/>
+          </a:effectRef>
+          <a:fontRef idx="minor">
+            <a:schemeClr val="tx1"/>
+          </a:fontRef>
+        </p:style>
+      </p:cxnSp>
+      <p:cxnSp>
+        <p:nvCxnSpPr>
+          <p:cNvPr id="20" name="Straight Connector 19">
+            <a:extLst>
+              <a:ext uri="{FF2B5EF4-FFF2-40B4-BE49-F238E27FC236}">
+                <a16:creationId xmlns:a16="http://schemas.microsoft.com/office/drawing/2014/main" id="{B62C93C2-1CD4-9AE2-ED08-F2996DAFB12A}"/>
+              </a:ext>
+            </a:extLst>
+          </p:cNvPr>
+          <p:cNvCxnSpPr>
+            <a:cxnSpLocks/>
+          </p:cNvCxnSpPr>
+          <p:nvPr/>
+        </p:nvCxnSpPr>
+        <p:spPr>
+          <a:xfrm>
+            <a:off x="1917296" y="914402"/>
+            <a:ext cx="285135" cy="0"/>
+          </a:xfrm>
+          <a:prstGeom prst="line">
+            <a:avLst/>
+          </a:prstGeom>
+          <a:ln w="38100"/>
+        </p:spPr>
+        <p:style>
+          <a:lnRef idx="3">
+            <a:schemeClr val="dk1"/>
+          </a:lnRef>
+          <a:fillRef idx="0">
+            <a:schemeClr val="dk1"/>
+          </a:fillRef>
+          <a:effectRef idx="2">
+            <a:schemeClr val="dk1"/>
+          </a:effectRef>
+          <a:fontRef idx="minor">
+            <a:schemeClr val="tx1"/>
+          </a:fontRef>
+        </p:style>
+      </p:cxnSp>
+      <p:cxnSp>
+        <p:nvCxnSpPr>
+          <p:cNvPr id="21" name="Straight Connector 20">
+            <a:extLst>
+              <a:ext uri="{FF2B5EF4-FFF2-40B4-BE49-F238E27FC236}">
+                <a16:creationId xmlns:a16="http://schemas.microsoft.com/office/drawing/2014/main" id="{706297D7-EE85-A3C7-E3D1-00FE7BF2DB9A}"/>
+              </a:ext>
+            </a:extLst>
+          </p:cNvPr>
+          <p:cNvCxnSpPr>
+            <a:cxnSpLocks/>
+          </p:cNvCxnSpPr>
+          <p:nvPr/>
+        </p:nvCxnSpPr>
+        <p:spPr>
+          <a:xfrm>
+            <a:off x="2286002" y="909487"/>
+            <a:ext cx="285135" cy="0"/>
+          </a:xfrm>
+          <a:prstGeom prst="line">
+            <a:avLst/>
+          </a:prstGeom>
+          <a:ln w="38100"/>
+        </p:spPr>
+        <p:style>
+          <a:lnRef idx="3">
+            <a:schemeClr val="dk1"/>
+          </a:lnRef>
+          <a:fillRef idx="0">
+            <a:schemeClr val="dk1"/>
+          </a:fillRef>
+          <a:effectRef idx="2">
+            <a:schemeClr val="dk1"/>
+          </a:effectRef>
+          <a:fontRef idx="minor">
+            <a:schemeClr val="tx1"/>
+          </a:fontRef>
+        </p:style>
+      </p:cxnSp>
+      <p:cxnSp>
+        <p:nvCxnSpPr>
+          <p:cNvPr id="22" name="Straight Connector 21">
+            <a:extLst>
+              <a:ext uri="{FF2B5EF4-FFF2-40B4-BE49-F238E27FC236}">
+                <a16:creationId xmlns:a16="http://schemas.microsoft.com/office/drawing/2014/main" id="{E6AE342F-DB07-FF99-4F11-DEE2F5755C6B}"/>
+              </a:ext>
+            </a:extLst>
+          </p:cNvPr>
+          <p:cNvCxnSpPr>
+            <a:cxnSpLocks/>
+          </p:cNvCxnSpPr>
+          <p:nvPr/>
+        </p:nvCxnSpPr>
+        <p:spPr>
+          <a:xfrm>
+            <a:off x="2664548" y="914403"/>
+            <a:ext cx="285135" cy="0"/>
+          </a:xfrm>
+          <a:prstGeom prst="line">
+            <a:avLst/>
+          </a:prstGeom>
+          <a:ln w="38100"/>
+        </p:spPr>
+        <p:style>
+          <a:lnRef idx="3">
+            <a:schemeClr val="dk1"/>
+          </a:lnRef>
+          <a:fillRef idx="0">
+            <a:schemeClr val="dk1"/>
+          </a:fillRef>
+          <a:effectRef idx="2">
+            <a:schemeClr val="dk1"/>
+          </a:effectRef>
+          <a:fontRef idx="minor">
+            <a:schemeClr val="tx1"/>
+          </a:fontRef>
+        </p:style>
+      </p:cxnSp>
+      <p:cxnSp>
+        <p:nvCxnSpPr>
+          <p:cNvPr id="23" name="Straight Connector 22">
+            <a:extLst>
+              <a:ext uri="{FF2B5EF4-FFF2-40B4-BE49-F238E27FC236}">
+                <a16:creationId xmlns:a16="http://schemas.microsoft.com/office/drawing/2014/main" id="{9BCA641B-565A-D200-E0EF-10703EC276CD}"/>
+              </a:ext>
+            </a:extLst>
+          </p:cNvPr>
+          <p:cNvCxnSpPr>
+            <a:cxnSpLocks/>
+          </p:cNvCxnSpPr>
+          <p:nvPr/>
+        </p:nvCxnSpPr>
+        <p:spPr>
+          <a:xfrm>
+            <a:off x="3033255" y="919318"/>
+            <a:ext cx="285135" cy="0"/>
+          </a:xfrm>
+          <a:prstGeom prst="line">
+            <a:avLst/>
+          </a:prstGeom>
+          <a:ln w="38100"/>
+        </p:spPr>
+        <p:style>
+          <a:lnRef idx="3">
+            <a:schemeClr val="dk1"/>
+          </a:lnRef>
+          <a:fillRef idx="0">
+            <a:schemeClr val="dk1"/>
+          </a:fillRef>
+          <a:effectRef idx="2">
+            <a:schemeClr val="dk1"/>
+          </a:effectRef>
+          <a:fontRef idx="minor">
+            <a:schemeClr val="tx1"/>
+          </a:fontRef>
+        </p:style>
+      </p:cxnSp>
+      <p:cxnSp>
+        <p:nvCxnSpPr>
+          <p:cNvPr id="24" name="Straight Connector 23">
+            <a:extLst>
+              <a:ext uri="{FF2B5EF4-FFF2-40B4-BE49-F238E27FC236}">
+                <a16:creationId xmlns:a16="http://schemas.microsoft.com/office/drawing/2014/main" id="{A975F36A-4426-242C-5039-A2958A466FF5}"/>
+              </a:ext>
+            </a:extLst>
+          </p:cNvPr>
+          <p:cNvCxnSpPr>
+            <a:cxnSpLocks/>
+          </p:cNvCxnSpPr>
+          <p:nvPr/>
+        </p:nvCxnSpPr>
+        <p:spPr>
+          <a:xfrm>
+            <a:off x="3421629" y="914403"/>
+            <a:ext cx="285135" cy="0"/>
+          </a:xfrm>
+          <a:prstGeom prst="line">
+            <a:avLst/>
+          </a:prstGeom>
+          <a:ln w="38100"/>
+        </p:spPr>
+        <p:style>
+          <a:lnRef idx="3">
+            <a:schemeClr val="dk1"/>
+          </a:lnRef>
+          <a:fillRef idx="0">
+            <a:schemeClr val="dk1"/>
+          </a:fillRef>
+          <a:effectRef idx="2">
+            <a:schemeClr val="dk1"/>
+          </a:effectRef>
+          <a:fontRef idx="minor">
+            <a:schemeClr val="tx1"/>
+          </a:fontRef>
+        </p:style>
+      </p:cxnSp>
+      <p:cxnSp>
+        <p:nvCxnSpPr>
+          <p:cNvPr id="25" name="Straight Connector 24">
+            <a:extLst>
+              <a:ext uri="{FF2B5EF4-FFF2-40B4-BE49-F238E27FC236}">
+                <a16:creationId xmlns:a16="http://schemas.microsoft.com/office/drawing/2014/main" id="{EF8A41D7-9D02-4F33-45BE-C9ADE62A50ED}"/>
+              </a:ext>
+            </a:extLst>
+          </p:cNvPr>
+          <p:cNvCxnSpPr>
+            <a:cxnSpLocks/>
+          </p:cNvCxnSpPr>
+          <p:nvPr/>
+        </p:nvCxnSpPr>
+        <p:spPr>
+          <a:xfrm>
+            <a:off x="3790338" y="919317"/>
+            <a:ext cx="285135" cy="0"/>
+          </a:xfrm>
+          <a:prstGeom prst="line">
+            <a:avLst/>
+          </a:prstGeom>
+          <a:ln w="38100"/>
+        </p:spPr>
+        <p:style>
+          <a:lnRef idx="3">
+            <a:schemeClr val="dk1"/>
+          </a:lnRef>
+          <a:fillRef idx="0">
+            <a:schemeClr val="dk1"/>
+          </a:fillRef>
+          <a:effectRef idx="2">
+            <a:schemeClr val="dk1"/>
+          </a:effectRef>
+          <a:fontRef idx="minor">
+            <a:schemeClr val="tx1"/>
+          </a:fontRef>
+        </p:style>
+      </p:cxnSp>
+      <p:cxnSp>
+        <p:nvCxnSpPr>
+          <p:cNvPr id="26" name="Straight Connector 25">
+            <a:extLst>
+              <a:ext uri="{FF2B5EF4-FFF2-40B4-BE49-F238E27FC236}">
+                <a16:creationId xmlns:a16="http://schemas.microsoft.com/office/drawing/2014/main" id="{AF9FD7EA-826B-C076-2310-4F129837025F}"/>
+              </a:ext>
+            </a:extLst>
+          </p:cNvPr>
+          <p:cNvCxnSpPr>
+            <a:cxnSpLocks/>
+          </p:cNvCxnSpPr>
+          <p:nvPr/>
+        </p:nvCxnSpPr>
+        <p:spPr>
+          <a:xfrm>
+            <a:off x="4188545" y="914403"/>
+            <a:ext cx="285135" cy="0"/>
+          </a:xfrm>
+          <a:prstGeom prst="line">
+            <a:avLst/>
+          </a:prstGeom>
+          <a:ln w="38100"/>
+        </p:spPr>
+        <p:style>
+          <a:lnRef idx="3">
+            <a:schemeClr val="dk1"/>
+          </a:lnRef>
+          <a:fillRef idx="0">
+            <a:schemeClr val="dk1"/>
+          </a:fillRef>
+          <a:effectRef idx="2">
+            <a:schemeClr val="dk1"/>
+          </a:effectRef>
+          <a:fontRef idx="minor">
+            <a:schemeClr val="tx1"/>
+          </a:fontRef>
+        </p:style>
+      </p:cxnSp>
+      <p:cxnSp>
+        <p:nvCxnSpPr>
+          <p:cNvPr id="27" name="Straight Connector 26">
+            <a:extLst>
+              <a:ext uri="{FF2B5EF4-FFF2-40B4-BE49-F238E27FC236}">
+                <a16:creationId xmlns:a16="http://schemas.microsoft.com/office/drawing/2014/main" id="{B08E3FC8-65D5-7ED1-F16F-1806613FFDF5}"/>
+              </a:ext>
+            </a:extLst>
+          </p:cNvPr>
+          <p:cNvCxnSpPr>
+            <a:cxnSpLocks/>
+          </p:cNvCxnSpPr>
+          <p:nvPr/>
+        </p:nvCxnSpPr>
+        <p:spPr>
+          <a:xfrm>
+            <a:off x="4557260" y="909487"/>
+            <a:ext cx="285135" cy="0"/>
+          </a:xfrm>
+          <a:prstGeom prst="line">
+            <a:avLst/>
+          </a:prstGeom>
+          <a:ln w="38100"/>
+        </p:spPr>
+        <p:style>
+          <a:lnRef idx="3">
+            <a:schemeClr val="dk1"/>
+          </a:lnRef>
+          <a:fillRef idx="0">
+            <a:schemeClr val="dk1"/>
+          </a:fillRef>
+          <a:effectRef idx="2">
+            <a:schemeClr val="dk1"/>
+          </a:effectRef>
+          <a:fontRef idx="minor">
+            <a:schemeClr val="tx1"/>
+          </a:fontRef>
+        </p:style>
+      </p:cxnSp>
+      <p:cxnSp>
+        <p:nvCxnSpPr>
+          <p:cNvPr id="28" name="Straight Connector 27">
+            <a:extLst>
+              <a:ext uri="{FF2B5EF4-FFF2-40B4-BE49-F238E27FC236}">
+                <a16:creationId xmlns:a16="http://schemas.microsoft.com/office/drawing/2014/main" id="{62E26DF4-F88F-82DE-0280-B51269C2D6EE}"/>
+              </a:ext>
+            </a:extLst>
+          </p:cNvPr>
+          <p:cNvCxnSpPr>
+            <a:cxnSpLocks/>
+          </p:cNvCxnSpPr>
+          <p:nvPr/>
+        </p:nvCxnSpPr>
+        <p:spPr>
+          <a:xfrm>
+            <a:off x="4925970" y="914400"/>
+            <a:ext cx="285135" cy="0"/>
+          </a:xfrm>
+          <a:prstGeom prst="line">
+            <a:avLst/>
+          </a:prstGeom>
+          <a:ln w="38100"/>
+        </p:spPr>
+        <p:style>
+          <a:lnRef idx="3">
+            <a:schemeClr val="dk1"/>
+          </a:lnRef>
+          <a:fillRef idx="0">
+            <a:schemeClr val="dk1"/>
+          </a:fillRef>
+          <a:effectRef idx="2">
+            <a:schemeClr val="dk1"/>
+          </a:effectRef>
+          <a:fontRef idx="minor">
+            <a:schemeClr val="tx1"/>
+          </a:fontRef>
+        </p:style>
+      </p:cxnSp>
+      <p:cxnSp>
+        <p:nvCxnSpPr>
+          <p:cNvPr id="29" name="Straight Connector 28">
+            <a:extLst>
+              <a:ext uri="{FF2B5EF4-FFF2-40B4-BE49-F238E27FC236}">
+                <a16:creationId xmlns:a16="http://schemas.microsoft.com/office/drawing/2014/main" id="{6577CAFA-B1B7-B71E-4095-94F23BEA367E}"/>
+              </a:ext>
+            </a:extLst>
+          </p:cNvPr>
+          <p:cNvCxnSpPr>
+            <a:cxnSpLocks/>
+          </p:cNvCxnSpPr>
+          <p:nvPr/>
+        </p:nvCxnSpPr>
+        <p:spPr>
+          <a:xfrm>
+            <a:off x="5275017" y="919318"/>
+            <a:ext cx="285135" cy="0"/>
+          </a:xfrm>
+          <a:prstGeom prst="line">
+            <a:avLst/>
+          </a:prstGeom>
+          <a:ln w="38100"/>
+        </p:spPr>
+        <p:style>
+          <a:lnRef idx="3">
+            <a:schemeClr val="dk1"/>
+          </a:lnRef>
+          <a:fillRef idx="0">
+            <a:schemeClr val="dk1"/>
+          </a:fillRef>
+          <a:effectRef idx="2">
+            <a:schemeClr val="dk1"/>
+          </a:effectRef>
+          <a:fontRef idx="minor">
+            <a:schemeClr val="tx1"/>
+          </a:fontRef>
+        </p:style>
+      </p:cxnSp>
+      <p:cxnSp>
+        <p:nvCxnSpPr>
+          <p:cNvPr id="30" name="Straight Connector 29">
+            <a:extLst>
+              <a:ext uri="{FF2B5EF4-FFF2-40B4-BE49-F238E27FC236}">
+                <a16:creationId xmlns:a16="http://schemas.microsoft.com/office/drawing/2014/main" id="{A93890A4-AD4E-6001-6FD3-B46F627ED525}"/>
+              </a:ext>
+            </a:extLst>
+          </p:cNvPr>
+          <p:cNvCxnSpPr>
+            <a:cxnSpLocks/>
+          </p:cNvCxnSpPr>
+          <p:nvPr/>
+        </p:nvCxnSpPr>
+        <p:spPr>
+          <a:xfrm>
+            <a:off x="5653557" y="914399"/>
+            <a:ext cx="285135" cy="0"/>
+          </a:xfrm>
+          <a:prstGeom prst="line">
+            <a:avLst/>
+          </a:prstGeom>
+          <a:ln w="38100"/>
+        </p:spPr>
+        <p:style>
+          <a:lnRef idx="3">
+            <a:schemeClr val="dk1"/>
+          </a:lnRef>
+          <a:fillRef idx="0">
+            <a:schemeClr val="dk1"/>
+          </a:fillRef>
+          <a:effectRef idx="2">
+            <a:schemeClr val="dk1"/>
+          </a:effectRef>
+          <a:fontRef idx="minor">
+            <a:schemeClr val="tx1"/>
+          </a:fontRef>
+        </p:style>
+      </p:cxnSp>
+      <p:cxnSp>
+        <p:nvCxnSpPr>
+          <p:cNvPr id="31" name="Straight Connector 30">
+            <a:extLst>
+              <a:ext uri="{FF2B5EF4-FFF2-40B4-BE49-F238E27FC236}">
+                <a16:creationId xmlns:a16="http://schemas.microsoft.com/office/drawing/2014/main" id="{A33AF392-7082-68B0-5D37-3D42926519E3}"/>
+              </a:ext>
+            </a:extLst>
+          </p:cNvPr>
+          <p:cNvCxnSpPr>
+            <a:cxnSpLocks/>
+          </p:cNvCxnSpPr>
+          <p:nvPr/>
+        </p:nvCxnSpPr>
+        <p:spPr>
+          <a:xfrm>
+            <a:off x="6032101" y="909488"/>
+            <a:ext cx="285135" cy="0"/>
+          </a:xfrm>
+          <a:prstGeom prst="line">
+            <a:avLst/>
+          </a:prstGeom>
+          <a:ln w="38100"/>
+        </p:spPr>
+        <p:style>
+          <a:lnRef idx="3">
+            <a:schemeClr val="dk1"/>
+          </a:lnRef>
+          <a:fillRef idx="0">
+            <a:schemeClr val="dk1"/>
+          </a:fillRef>
+          <a:effectRef idx="2">
+            <a:schemeClr val="dk1"/>
+          </a:effectRef>
+          <a:fontRef idx="minor">
+            <a:schemeClr val="tx1"/>
+          </a:fontRef>
+        </p:style>
+      </p:cxnSp>
+      <p:cxnSp>
+        <p:nvCxnSpPr>
+          <p:cNvPr id="32" name="Straight Connector 31">
+            <a:extLst>
+              <a:ext uri="{FF2B5EF4-FFF2-40B4-BE49-F238E27FC236}">
+                <a16:creationId xmlns:a16="http://schemas.microsoft.com/office/drawing/2014/main" id="{7427A5F9-2CD8-50E6-A621-B1B386082321}"/>
+              </a:ext>
+            </a:extLst>
+          </p:cNvPr>
+          <p:cNvCxnSpPr>
+            <a:cxnSpLocks/>
+          </p:cNvCxnSpPr>
+          <p:nvPr/>
+        </p:nvCxnSpPr>
+        <p:spPr>
+          <a:xfrm>
+            <a:off x="6440138" y="914400"/>
+            <a:ext cx="285135" cy="0"/>
+          </a:xfrm>
+          <a:prstGeom prst="line">
+            <a:avLst/>
+          </a:prstGeom>
+          <a:ln w="38100"/>
+        </p:spPr>
+        <p:style>
+          <a:lnRef idx="3">
+            <a:schemeClr val="dk1"/>
+          </a:lnRef>
+          <a:fillRef idx="0">
+            <a:schemeClr val="dk1"/>
+          </a:fillRef>
+          <a:effectRef idx="2">
+            <a:schemeClr val="dk1"/>
+          </a:effectRef>
+          <a:fontRef idx="minor">
+            <a:schemeClr val="tx1"/>
+          </a:fontRef>
+        </p:style>
+      </p:cxnSp>
+      <p:cxnSp>
+        <p:nvCxnSpPr>
+          <p:cNvPr id="37" name="Straight Connector 36">
+            <a:extLst>
+              <a:ext uri="{FF2B5EF4-FFF2-40B4-BE49-F238E27FC236}">
+                <a16:creationId xmlns:a16="http://schemas.microsoft.com/office/drawing/2014/main" id="{5F92D3BF-62A9-AB94-F355-2AA07A9535A8}"/>
+              </a:ext>
+            </a:extLst>
+          </p:cNvPr>
+          <p:cNvCxnSpPr>
+            <a:cxnSpLocks/>
+          </p:cNvCxnSpPr>
+          <p:nvPr/>
+        </p:nvCxnSpPr>
+        <p:spPr>
+          <a:xfrm>
+            <a:off x="6848188" y="919317"/>
+            <a:ext cx="285135" cy="0"/>
+          </a:xfrm>
+          <a:prstGeom prst="line">
+            <a:avLst/>
+          </a:prstGeom>
+          <a:ln w="38100"/>
+        </p:spPr>
+        <p:style>
+          <a:lnRef idx="3">
+            <a:schemeClr val="dk1"/>
+          </a:lnRef>
+          <a:fillRef idx="0">
+            <a:schemeClr val="dk1"/>
+          </a:fillRef>
+          <a:effectRef idx="2">
+            <a:schemeClr val="dk1"/>
+          </a:effectRef>
+          <a:fontRef idx="minor">
+            <a:schemeClr val="tx1"/>
+          </a:fontRef>
+        </p:style>
+      </p:cxnSp>
+      <p:cxnSp>
+        <p:nvCxnSpPr>
+          <p:cNvPr id="38" name="Straight Connector 37">
+            <a:extLst>
+              <a:ext uri="{FF2B5EF4-FFF2-40B4-BE49-F238E27FC236}">
+                <a16:creationId xmlns:a16="http://schemas.microsoft.com/office/drawing/2014/main" id="{3B5422FD-5DC7-306F-E7BC-49D2EE83A337}"/>
+              </a:ext>
+            </a:extLst>
+          </p:cNvPr>
+          <p:cNvCxnSpPr>
+            <a:cxnSpLocks/>
+          </p:cNvCxnSpPr>
+          <p:nvPr/>
+        </p:nvCxnSpPr>
+        <p:spPr>
+          <a:xfrm>
+            <a:off x="7216894" y="914402"/>
+            <a:ext cx="285135" cy="0"/>
+          </a:xfrm>
+          <a:prstGeom prst="line">
+            <a:avLst/>
+          </a:prstGeom>
+          <a:ln w="38100"/>
+        </p:spPr>
+        <p:style>
+          <a:lnRef idx="3">
+            <a:schemeClr val="dk1"/>
+          </a:lnRef>
+          <a:fillRef idx="0">
+            <a:schemeClr val="dk1"/>
+          </a:fillRef>
+          <a:effectRef idx="2">
+            <a:schemeClr val="dk1"/>
+          </a:effectRef>
+          <a:fontRef idx="minor">
+            <a:schemeClr val="tx1"/>
+          </a:fontRef>
+        </p:style>
+      </p:cxnSp>
+      <p:cxnSp>
+        <p:nvCxnSpPr>
+          <p:cNvPr id="39" name="Straight Connector 38">
+            <a:extLst>
+              <a:ext uri="{FF2B5EF4-FFF2-40B4-BE49-F238E27FC236}">
+                <a16:creationId xmlns:a16="http://schemas.microsoft.com/office/drawing/2014/main" id="{DC8BB3F6-7BA2-1E42-96DF-86170C4A59D7}"/>
+              </a:ext>
+            </a:extLst>
+          </p:cNvPr>
+          <p:cNvCxnSpPr>
+            <a:cxnSpLocks/>
+          </p:cNvCxnSpPr>
+          <p:nvPr/>
+        </p:nvCxnSpPr>
+        <p:spPr>
+          <a:xfrm>
+            <a:off x="7595440" y="919318"/>
+            <a:ext cx="285135" cy="0"/>
+          </a:xfrm>
+          <a:prstGeom prst="line">
+            <a:avLst/>
+          </a:prstGeom>
+          <a:ln w="38100"/>
+        </p:spPr>
+        <p:style>
+          <a:lnRef idx="3">
+            <a:schemeClr val="dk1"/>
+          </a:lnRef>
+          <a:fillRef idx="0">
+            <a:schemeClr val="dk1"/>
+          </a:fillRef>
+          <a:effectRef idx="2">
+            <a:schemeClr val="dk1"/>
+          </a:effectRef>
+          <a:fontRef idx="minor">
+            <a:schemeClr val="tx1"/>
+          </a:fontRef>
+        </p:style>
+      </p:cxnSp>
+      <p:cxnSp>
+        <p:nvCxnSpPr>
+          <p:cNvPr id="40" name="Straight Connector 39">
+            <a:extLst>
+              <a:ext uri="{FF2B5EF4-FFF2-40B4-BE49-F238E27FC236}">
+                <a16:creationId xmlns:a16="http://schemas.microsoft.com/office/drawing/2014/main" id="{57313EBF-2060-AA0C-8C54-DBE96964E9BC}"/>
+              </a:ext>
+            </a:extLst>
+          </p:cNvPr>
+          <p:cNvCxnSpPr>
+            <a:cxnSpLocks/>
+          </p:cNvCxnSpPr>
+          <p:nvPr/>
+        </p:nvCxnSpPr>
+        <p:spPr>
+          <a:xfrm>
+            <a:off x="7964147" y="914401"/>
+            <a:ext cx="285135" cy="0"/>
+          </a:xfrm>
+          <a:prstGeom prst="line">
+            <a:avLst/>
+          </a:prstGeom>
+          <a:ln w="38100"/>
+        </p:spPr>
+        <p:style>
+          <a:lnRef idx="3">
+            <a:schemeClr val="dk1"/>
+          </a:lnRef>
+          <a:fillRef idx="0">
+            <a:schemeClr val="dk1"/>
+          </a:fillRef>
+          <a:effectRef idx="2">
+            <a:schemeClr val="dk1"/>
+          </a:effectRef>
+          <a:fontRef idx="minor">
+            <a:schemeClr val="tx1"/>
+          </a:fontRef>
+        </p:style>
+      </p:cxnSp>
+      <p:cxnSp>
+        <p:nvCxnSpPr>
+          <p:cNvPr id="41" name="Straight Connector 40">
+            <a:extLst>
+              <a:ext uri="{FF2B5EF4-FFF2-40B4-BE49-F238E27FC236}">
+                <a16:creationId xmlns:a16="http://schemas.microsoft.com/office/drawing/2014/main" id="{38506FEB-1ADC-B5E4-5858-0D17CFA4571F}"/>
+              </a:ext>
+            </a:extLst>
+          </p:cNvPr>
+          <p:cNvCxnSpPr>
+            <a:cxnSpLocks/>
+          </p:cNvCxnSpPr>
+          <p:nvPr/>
+        </p:nvCxnSpPr>
+        <p:spPr>
+          <a:xfrm>
+            <a:off x="8352521" y="919318"/>
+            <a:ext cx="285135" cy="0"/>
+          </a:xfrm>
+          <a:prstGeom prst="line">
+            <a:avLst/>
+          </a:prstGeom>
+          <a:ln w="38100"/>
+        </p:spPr>
+        <p:style>
+          <a:lnRef idx="3">
+            <a:schemeClr val="dk1"/>
+          </a:lnRef>
+          <a:fillRef idx="0">
+            <a:schemeClr val="dk1"/>
+          </a:fillRef>
+          <a:effectRef idx="2">
+            <a:schemeClr val="dk1"/>
+          </a:effectRef>
+          <a:fontRef idx="minor">
+            <a:schemeClr val="tx1"/>
+          </a:fontRef>
+        </p:style>
+      </p:cxnSp>
+      <p:cxnSp>
+        <p:nvCxnSpPr>
+          <p:cNvPr id="42" name="Straight Connector 41">
+            <a:extLst>
+              <a:ext uri="{FF2B5EF4-FFF2-40B4-BE49-F238E27FC236}">
+                <a16:creationId xmlns:a16="http://schemas.microsoft.com/office/drawing/2014/main" id="{95208F3D-259E-10CB-A80C-FDDD7B6A6F6B}"/>
+              </a:ext>
+            </a:extLst>
+          </p:cNvPr>
+          <p:cNvCxnSpPr>
+            <a:cxnSpLocks/>
+          </p:cNvCxnSpPr>
+          <p:nvPr/>
+        </p:nvCxnSpPr>
+        <p:spPr>
+          <a:xfrm>
+            <a:off x="8721230" y="914400"/>
+            <a:ext cx="285135" cy="0"/>
+          </a:xfrm>
+          <a:prstGeom prst="line">
+            <a:avLst/>
+          </a:prstGeom>
+          <a:ln w="38100"/>
+        </p:spPr>
+        <p:style>
+          <a:lnRef idx="3">
+            <a:schemeClr val="dk1"/>
+          </a:lnRef>
+          <a:fillRef idx="0">
+            <a:schemeClr val="dk1"/>
+          </a:fillRef>
+          <a:effectRef idx="2">
+            <a:schemeClr val="dk1"/>
+          </a:effectRef>
+          <a:fontRef idx="minor">
+            <a:schemeClr val="tx1"/>
+          </a:fontRef>
+        </p:style>
+      </p:cxnSp>
+      <p:cxnSp>
+        <p:nvCxnSpPr>
+          <p:cNvPr id="43" name="Straight Connector 42">
+            <a:extLst>
+              <a:ext uri="{FF2B5EF4-FFF2-40B4-BE49-F238E27FC236}">
+                <a16:creationId xmlns:a16="http://schemas.microsoft.com/office/drawing/2014/main" id="{3E5EA242-F4EE-853C-9FBF-FB1952FB16A2}"/>
+              </a:ext>
+            </a:extLst>
+          </p:cNvPr>
+          <p:cNvCxnSpPr>
+            <a:cxnSpLocks/>
+          </p:cNvCxnSpPr>
+          <p:nvPr/>
+        </p:nvCxnSpPr>
+        <p:spPr>
+          <a:xfrm>
+            <a:off x="9119437" y="919318"/>
+            <a:ext cx="285135" cy="0"/>
+          </a:xfrm>
+          <a:prstGeom prst="line">
+            <a:avLst/>
+          </a:prstGeom>
+          <a:ln w="38100"/>
+        </p:spPr>
+        <p:style>
+          <a:lnRef idx="3">
+            <a:schemeClr val="dk1"/>
+          </a:lnRef>
+          <a:fillRef idx="0">
+            <a:schemeClr val="dk1"/>
+          </a:fillRef>
+          <a:effectRef idx="2">
+            <a:schemeClr val="dk1"/>
+          </a:effectRef>
+          <a:fontRef idx="minor">
+            <a:schemeClr val="tx1"/>
+          </a:fontRef>
+        </p:style>
+      </p:cxnSp>
+      <p:cxnSp>
+        <p:nvCxnSpPr>
+          <p:cNvPr id="44" name="Straight Connector 43">
+            <a:extLst>
+              <a:ext uri="{FF2B5EF4-FFF2-40B4-BE49-F238E27FC236}">
+                <a16:creationId xmlns:a16="http://schemas.microsoft.com/office/drawing/2014/main" id="{FF744D30-C132-C534-5D65-5562E275E8DD}"/>
+              </a:ext>
+            </a:extLst>
+          </p:cNvPr>
+          <p:cNvCxnSpPr>
+            <a:cxnSpLocks/>
+          </p:cNvCxnSpPr>
+          <p:nvPr/>
+        </p:nvCxnSpPr>
+        <p:spPr>
+          <a:xfrm>
+            <a:off x="9488152" y="914402"/>
+            <a:ext cx="285135" cy="0"/>
+          </a:xfrm>
+          <a:prstGeom prst="line">
+            <a:avLst/>
+          </a:prstGeom>
+          <a:ln w="38100"/>
+        </p:spPr>
+        <p:style>
+          <a:lnRef idx="3">
+            <a:schemeClr val="dk1"/>
+          </a:lnRef>
+          <a:fillRef idx="0">
+            <a:schemeClr val="dk1"/>
+          </a:fillRef>
+          <a:effectRef idx="2">
+            <a:schemeClr val="dk1"/>
+          </a:effectRef>
+          <a:fontRef idx="minor">
+            <a:schemeClr val="tx1"/>
+          </a:fontRef>
+        </p:style>
+      </p:cxnSp>
+      <p:cxnSp>
+        <p:nvCxnSpPr>
+          <p:cNvPr id="45" name="Straight Connector 44">
+            <a:extLst>
+              <a:ext uri="{FF2B5EF4-FFF2-40B4-BE49-F238E27FC236}">
+                <a16:creationId xmlns:a16="http://schemas.microsoft.com/office/drawing/2014/main" id="{5DB06106-67B8-865E-4D17-75AB11B8660D}"/>
+              </a:ext>
+            </a:extLst>
+          </p:cNvPr>
+          <p:cNvCxnSpPr>
+            <a:cxnSpLocks/>
+          </p:cNvCxnSpPr>
+          <p:nvPr/>
+        </p:nvCxnSpPr>
+        <p:spPr>
+          <a:xfrm>
+            <a:off x="9856862" y="919315"/>
+            <a:ext cx="285135" cy="0"/>
+          </a:xfrm>
+          <a:prstGeom prst="line">
+            <a:avLst/>
+          </a:prstGeom>
+          <a:ln w="38100"/>
+        </p:spPr>
+        <p:style>
+          <a:lnRef idx="3">
+            <a:schemeClr val="dk1"/>
+          </a:lnRef>
+          <a:fillRef idx="0">
+            <a:schemeClr val="dk1"/>
+          </a:fillRef>
+          <a:effectRef idx="2">
+            <a:schemeClr val="dk1"/>
+          </a:effectRef>
+          <a:fontRef idx="minor">
+            <a:schemeClr val="tx1"/>
+          </a:fontRef>
+        </p:style>
+      </p:cxnSp>
+      <p:cxnSp>
+        <p:nvCxnSpPr>
+          <p:cNvPr id="46" name="Straight Connector 45">
+            <a:extLst>
+              <a:ext uri="{FF2B5EF4-FFF2-40B4-BE49-F238E27FC236}">
+                <a16:creationId xmlns:a16="http://schemas.microsoft.com/office/drawing/2014/main" id="{43227828-3754-439C-CEFA-3E2B61EF34AD}"/>
+              </a:ext>
+            </a:extLst>
+          </p:cNvPr>
+          <p:cNvCxnSpPr>
+            <a:cxnSpLocks/>
+          </p:cNvCxnSpPr>
+          <p:nvPr/>
+        </p:nvCxnSpPr>
+        <p:spPr>
+          <a:xfrm>
+            <a:off x="10205909" y="924233"/>
+            <a:ext cx="285135" cy="0"/>
+          </a:xfrm>
+          <a:prstGeom prst="line">
+            <a:avLst/>
+          </a:prstGeom>
+          <a:ln w="38100"/>
+        </p:spPr>
+        <p:style>
+          <a:lnRef idx="3">
+            <a:schemeClr val="dk1"/>
+          </a:lnRef>
+          <a:fillRef idx="0">
+            <a:schemeClr val="dk1"/>
+          </a:fillRef>
+          <a:effectRef idx="2">
+            <a:schemeClr val="dk1"/>
+          </a:effectRef>
+          <a:fontRef idx="minor">
+            <a:schemeClr val="tx1"/>
+          </a:fontRef>
+        </p:style>
+      </p:cxnSp>
+      <p:cxnSp>
+        <p:nvCxnSpPr>
+          <p:cNvPr id="47" name="Straight Connector 46">
+            <a:extLst>
+              <a:ext uri="{FF2B5EF4-FFF2-40B4-BE49-F238E27FC236}">
+                <a16:creationId xmlns:a16="http://schemas.microsoft.com/office/drawing/2014/main" id="{F17F78B0-573A-4E5C-0CF2-3948A24EC280}"/>
+              </a:ext>
+            </a:extLst>
+          </p:cNvPr>
+          <p:cNvCxnSpPr>
+            <a:cxnSpLocks/>
+          </p:cNvCxnSpPr>
+          <p:nvPr/>
+        </p:nvCxnSpPr>
+        <p:spPr>
+          <a:xfrm>
+            <a:off x="10584449" y="919314"/>
+            <a:ext cx="285135" cy="0"/>
+          </a:xfrm>
+          <a:prstGeom prst="line">
+            <a:avLst/>
+          </a:prstGeom>
+          <a:ln w="38100"/>
+        </p:spPr>
+        <p:style>
+          <a:lnRef idx="3">
+            <a:schemeClr val="dk1"/>
+          </a:lnRef>
+          <a:fillRef idx="0">
+            <a:schemeClr val="dk1"/>
+          </a:fillRef>
+          <a:effectRef idx="2">
+            <a:schemeClr val="dk1"/>
+          </a:effectRef>
+          <a:fontRef idx="minor">
+            <a:schemeClr val="tx1"/>
+          </a:fontRef>
+        </p:style>
+      </p:cxnSp>
+      <p:cxnSp>
+        <p:nvCxnSpPr>
+          <p:cNvPr id="48" name="Straight Connector 47">
+            <a:extLst>
+              <a:ext uri="{FF2B5EF4-FFF2-40B4-BE49-F238E27FC236}">
+                <a16:creationId xmlns:a16="http://schemas.microsoft.com/office/drawing/2014/main" id="{D0EE1923-21B0-08A2-E098-5D3228605C99}"/>
+              </a:ext>
+            </a:extLst>
+          </p:cNvPr>
+          <p:cNvCxnSpPr>
+            <a:cxnSpLocks/>
+          </p:cNvCxnSpPr>
+          <p:nvPr/>
+        </p:nvCxnSpPr>
+        <p:spPr>
+          <a:xfrm>
+            <a:off x="10962993" y="914403"/>
+            <a:ext cx="285135" cy="0"/>
+          </a:xfrm>
+          <a:prstGeom prst="line">
+            <a:avLst/>
+          </a:prstGeom>
+          <a:ln w="38100"/>
+        </p:spPr>
+        <p:style>
+          <a:lnRef idx="3">
+            <a:schemeClr val="dk1"/>
+          </a:lnRef>
+          <a:fillRef idx="0">
+            <a:schemeClr val="dk1"/>
+          </a:fillRef>
+          <a:effectRef idx="2">
+            <a:schemeClr val="dk1"/>
+          </a:effectRef>
+          <a:fontRef idx="minor">
+            <a:schemeClr val="tx1"/>
+          </a:fontRef>
+        </p:style>
+      </p:cxnSp>
+      <p:cxnSp>
+        <p:nvCxnSpPr>
+          <p:cNvPr id="49" name="Straight Connector 48">
+            <a:extLst>
+              <a:ext uri="{FF2B5EF4-FFF2-40B4-BE49-F238E27FC236}">
+                <a16:creationId xmlns:a16="http://schemas.microsoft.com/office/drawing/2014/main" id="{6D47FCB1-66F9-4DB6-3156-12B8CF9F9A3B}"/>
+              </a:ext>
+            </a:extLst>
+          </p:cNvPr>
+          <p:cNvCxnSpPr>
+            <a:cxnSpLocks/>
+          </p:cNvCxnSpPr>
+          <p:nvPr/>
+        </p:nvCxnSpPr>
+        <p:spPr>
+          <a:xfrm>
+            <a:off x="11351366" y="919315"/>
+            <a:ext cx="285135" cy="0"/>
+          </a:xfrm>
+          <a:prstGeom prst="line">
+            <a:avLst/>
+          </a:prstGeom>
+          <a:ln w="38100"/>
+        </p:spPr>
+        <p:style>
+          <a:lnRef idx="3">
+            <a:schemeClr val="dk1"/>
+          </a:lnRef>
+          <a:fillRef idx="0">
+            <a:schemeClr val="dk1"/>
+          </a:fillRef>
+          <a:effectRef idx="2">
+            <a:schemeClr val="dk1"/>
+          </a:effectRef>
+          <a:fontRef idx="minor">
+            <a:schemeClr val="tx1"/>
+          </a:fontRef>
+        </p:style>
+      </p:cxnSp>
+      <p:pic>
+        <p:nvPicPr>
+          <p:cNvPr id="52" name="Graphic 51" descr="Bus with solid fill">
+            <a:extLst>
+              <a:ext uri="{FF2B5EF4-FFF2-40B4-BE49-F238E27FC236}">
+                <a16:creationId xmlns:a16="http://schemas.microsoft.com/office/drawing/2014/main" id="{F6FCFE1C-AD57-4410-63ED-B4C21EC3B0A0}"/>
+              </a:ext>
+            </a:extLst>
+          </p:cNvPr>
+          <p:cNvPicPr>
+            <a:picLocks noChangeAspect="1"/>
+          </p:cNvPicPr>
+          <p:nvPr/>
+        </p:nvPicPr>
+        <p:blipFill>
+          <a:blip r:embed="rId2">
+            <a:extLst>
+              <a:ext uri="{96DAC541-7B7A-43D3-8B79-37D633B846F1}">
+                <asvg:svgBlip xmlns:asvg="http://schemas.microsoft.com/office/drawing/2016/SVG/main" r:embed="rId3"/>
+              </a:ext>
+            </a:extLst>
+          </a:blip>
+          <a:stretch>
+            <a:fillRect/>
+          </a:stretch>
+        </p:blipFill>
+        <p:spPr>
+          <a:xfrm>
+            <a:off x="7646168" y="460037"/>
+            <a:ext cx="571143" cy="571143"/>
+          </a:xfrm>
+          <a:prstGeom prst="rect">
+            <a:avLst/>
+          </a:prstGeom>
+        </p:spPr>
+      </p:pic>
+      <p:sp>
+        <p:nvSpPr>
+          <p:cNvPr id="4" name="TextBox 3">
+            <a:extLst>
+              <a:ext uri="{FF2B5EF4-FFF2-40B4-BE49-F238E27FC236}">
+                <a16:creationId xmlns:a16="http://schemas.microsoft.com/office/drawing/2014/main" id="{C39F1AFA-ECC4-60CD-E75F-119B41826A1C}"/>
+              </a:ext>
+            </a:extLst>
+          </p:cNvPr>
+          <p:cNvSpPr txBox="1"/>
+          <p:nvPr/>
+        </p:nvSpPr>
+        <p:spPr>
+          <a:xfrm>
+            <a:off x="747285" y="1507229"/>
+            <a:ext cx="10776148" cy="1107996"/>
+          </a:xfrm>
+          <a:prstGeom prst="rect">
+            <a:avLst/>
+          </a:prstGeom>
+          <a:noFill/>
+        </p:spPr>
+        <p:txBody>
+          <a:bodyPr wrap="square">
+            <a:spAutoFit/>
+          </a:bodyPr>
+          <a:lstStyle/>
+          <a:p>
+            <a:pPr algn="ctr"/>
+            <a:r>
+              <a:rPr lang="en-IN" sz="6600" dirty="0">
+                <a:latin typeface="Britannic Bold" panose="020B0903060703020204" pitchFamily="34" charset="0"/>
+              </a:rPr>
+              <a:t>Content to be added here</a:t>
+            </a:r>
+          </a:p>
+        </p:txBody>
+      </p:sp>
+      <p:pic>
+        <p:nvPicPr>
+          <p:cNvPr id="11" name="Picture 10">
+            <a:extLst>
+              <a:ext uri="{FF2B5EF4-FFF2-40B4-BE49-F238E27FC236}">
+                <a16:creationId xmlns:a16="http://schemas.microsoft.com/office/drawing/2014/main" id="{DAAC1284-9FC4-8F87-B4B7-FEEC88CF9AB5}"/>
+              </a:ext>
+            </a:extLst>
+          </p:cNvPr>
+          <p:cNvPicPr>
+            <a:picLocks noChangeAspect="1"/>
+          </p:cNvPicPr>
+          <p:nvPr/>
+        </p:nvPicPr>
+        <p:blipFill>
+          <a:blip r:embed="rId4">
+            <a:extLst>
+              <a:ext uri="{28A0092B-C50C-407E-A947-70E740481C1C}">
+                <a14:useLocalDpi xmlns:a14="http://schemas.microsoft.com/office/drawing/2010/main" val="0"/>
+              </a:ext>
+            </a:extLst>
+          </a:blip>
+          <a:srcRect l="16380" t="21238" r="15448" b="27025"/>
+          <a:stretch>
+            <a:fillRect/>
+          </a:stretch>
+        </p:blipFill>
+        <p:spPr>
+          <a:xfrm>
+            <a:off x="270068" y="160480"/>
+            <a:ext cx="435996" cy="330886"/>
+          </a:xfrm>
+          <a:prstGeom prst="rect">
+            <a:avLst/>
+          </a:prstGeom>
+        </p:spPr>
+      </p:pic>
+      <p:sp>
+        <p:nvSpPr>
+          <p:cNvPr id="3" name="TextBox 2">
+            <a:extLst>
+              <a:ext uri="{FF2B5EF4-FFF2-40B4-BE49-F238E27FC236}">
+                <a16:creationId xmlns:a16="http://schemas.microsoft.com/office/drawing/2014/main" id="{2F9D41F4-7EA3-FC85-A8BE-F48ADF3E6609}"/>
+              </a:ext>
+            </a:extLst>
+          </p:cNvPr>
+          <p:cNvSpPr txBox="1"/>
+          <p:nvPr/>
+        </p:nvSpPr>
+        <p:spPr>
+          <a:xfrm>
+            <a:off x="1292943" y="2560067"/>
+            <a:ext cx="10409928" cy="506292"/>
+          </a:xfrm>
+          <a:prstGeom prst="rect">
+            <a:avLst/>
+          </a:prstGeom>
+          <a:noFill/>
+        </p:spPr>
+        <p:txBody>
+          <a:bodyPr wrap="square" rtlCol="0">
+            <a:spAutoFit/>
+          </a:bodyPr>
+          <a:lstStyle/>
+          <a:p>
+            <a:pPr marL="342900" indent="-342900">
+              <a:lnSpc>
+                <a:spcPct val="150000"/>
+              </a:lnSpc>
+              <a:buFont typeface="Arial" panose="020B0604020202020204" pitchFamily="34" charset="0"/>
+              <a:buChar char="•"/>
+            </a:pPr>
+            <a:r>
+              <a:rPr lang="en-US" sz="2000" dirty="0"/>
+              <a:t>Content to be added</a:t>
+            </a:r>
+            <a:endParaRPr lang="en-IN" sz="2000" dirty="0"/>
+          </a:p>
+        </p:txBody>
+      </p:sp>
+    </p:spTree>
+    <p:extLst>
+      <p:ext uri="{BB962C8B-B14F-4D97-AF65-F5344CB8AC3E}">
+        <p14:creationId xmlns:p14="http://schemas.microsoft.com/office/powerpoint/2010/main" val="3772322181"/>
+      </p:ext>
+    </p:extLst>
+  </p:cSld>
+  <p:clrMapOvr>
+    <a:masterClrMapping/>
+  </p:clrMapOvr>
+  <mc:AlternateContent xmlns:mc="http://schemas.openxmlformats.org/markup-compatibility/2006" xmlns:p159="http://schemas.microsoft.com/office/powerpoint/2015/09/main">
+    <mc:Choice Requires="p159">
+      <p:transition xmlns:p14="http://schemas.microsoft.com/office/powerpoint/2010/main" spd="slow" p14:dur="2000">
+        <p159:morph option="byObject"/>
+      </p:transition>
+    </mc:Choice>
+    <mc:Fallback xmlns="">
+      <p:transition spd="slow">
+        <p:fade/>
+      </p:transition>
+    </mc:Fallback>
+  </mc:AlternateContent>
+</p:sld>
+</file>
+
+<file path=ppt/slides/slide9.xml><?xml version="1.0" encoding="utf-8"?>
+<p:sld xmlns:a="http://schemas.openxmlformats.org/drawingml/2006/main" xmlns:r="http://schemas.openxmlformats.org/officeDocument/2006/relationships" xmlns:p="http://schemas.openxmlformats.org/presentationml/2006/main">
+  <p:cSld>
+    <p:spTree>
+      <p:nvGrpSpPr>
+        <p:cNvPr id="1" name="">
+          <a:extLst>
+            <a:ext uri="{FF2B5EF4-FFF2-40B4-BE49-F238E27FC236}">
+              <a16:creationId xmlns:a16="http://schemas.microsoft.com/office/drawing/2014/main" id="{DC2BB209-E9BC-5644-9E40-5E131407285D}"/>
+            </a:ext>
+          </a:extLst>
+        </p:cNvPr>
+        <p:cNvGrpSpPr/>
+        <p:nvPr/>
+      </p:nvGrpSpPr>
+      <p:grpSpPr>
+        <a:xfrm>
+          <a:off x="0" y="0"/>
+          <a:ext cx="0" cy="0"/>
+          <a:chOff x="0" y="0"/>
+          <a:chExt cx="0" cy="0"/>
+        </a:xfrm>
+      </p:grpSpPr>
+      <p:sp>
+        <p:nvSpPr>
+          <p:cNvPr id="5" name="Footer Placeholder 4">
+            <a:extLst>
+              <a:ext uri="{FF2B5EF4-FFF2-40B4-BE49-F238E27FC236}">
+                <a16:creationId xmlns:a16="http://schemas.microsoft.com/office/drawing/2014/main" id="{BD40334B-FA32-E6C5-5EC4-43452FF855D0}"/>
+              </a:ext>
+            </a:extLst>
+          </p:cNvPr>
+          <p:cNvSpPr>
+            <a:spLocks noGrp="1"/>
+          </p:cNvSpPr>
+          <p:nvPr>
+            <p:ph type="ftr" sz="quarter" idx="11"/>
+          </p:nvPr>
+        </p:nvSpPr>
+        <p:spPr/>
+        <p:txBody>
+          <a:bodyPr/>
+          <a:lstStyle/>
+          <a:p>
+            <a:r>
+              <a:rPr lang="en-IN" b="1"/>
+              <a:t>Project Review 0</a:t>
+            </a:r>
+            <a:endParaRPr lang="en-IN" b="1" dirty="0"/>
+          </a:p>
+        </p:txBody>
+      </p:sp>
+      <p:sp>
+        <p:nvSpPr>
+          <p:cNvPr id="6" name="Slide Number Placeholder 5">
+            <a:extLst>
+              <a:ext uri="{FF2B5EF4-FFF2-40B4-BE49-F238E27FC236}">
+                <a16:creationId xmlns:a16="http://schemas.microsoft.com/office/drawing/2014/main" id="{18E74DFB-F622-4884-A6B5-D0CB2DB51CFF}"/>
+              </a:ext>
+            </a:extLst>
+          </p:cNvPr>
+          <p:cNvSpPr>
+            <a:spLocks noGrp="1"/>
+          </p:cNvSpPr>
+          <p:nvPr>
+            <p:ph type="sldNum" sz="quarter" idx="12"/>
+          </p:nvPr>
+        </p:nvSpPr>
+        <p:spPr/>
+        <p:txBody>
+          <a:bodyPr/>
+          <a:lstStyle/>
+          <a:p>
+            <a:fld id="{4912F8CF-BD92-4E9C-97A8-FB8335672A19}" type="slidenum">
+              <a:rPr lang="en-IN" b="1" smtClean="0"/>
+              <a:t>9</a:t>
+            </a:fld>
+            <a:endParaRPr lang="en-IN" b="1" dirty="0"/>
+          </a:p>
+        </p:txBody>
+      </p:sp>
+      <p:sp>
+        <p:nvSpPr>
+          <p:cNvPr id="7" name="TextBox 6">
+            <a:extLst>
+              <a:ext uri="{FF2B5EF4-FFF2-40B4-BE49-F238E27FC236}">
+                <a16:creationId xmlns:a16="http://schemas.microsoft.com/office/drawing/2014/main" id="{5EA87BDF-2FEE-4F86-F365-FB49DAECF3DB}"/>
+              </a:ext>
+            </a:extLst>
+          </p:cNvPr>
+          <p:cNvSpPr txBox="1"/>
+          <p:nvPr/>
+        </p:nvSpPr>
+        <p:spPr>
+          <a:xfrm>
+            <a:off x="658761" y="159876"/>
+            <a:ext cx="2428568" cy="307777"/>
+          </a:xfrm>
+          <a:prstGeom prst="rect">
+            <a:avLst/>
+          </a:prstGeom>
+          <a:noFill/>
+        </p:spPr>
+        <p:txBody>
+          <a:bodyPr wrap="square" rtlCol="0">
+            <a:spAutoFit/>
+          </a:bodyPr>
+          <a:lstStyle/>
+          <a:p>
+            <a:r>
+              <a:rPr lang="en-IN" sz="1400" b="1" dirty="0">
+                <a:latin typeface="Dubai" panose="020B0503030403030204" pitchFamily="34" charset="-78"/>
+                <a:cs typeface="Dubai" panose="020B0503030403030204" pitchFamily="34" charset="-78"/>
+              </a:rPr>
+              <a:t>Smart Transit Manager</a:t>
+            </a:r>
+          </a:p>
+        </p:txBody>
+      </p:sp>
+      <p:sp>
+        <p:nvSpPr>
+          <p:cNvPr id="2" name="Date Placeholder 1">
+            <a:extLst>
+              <a:ext uri="{FF2B5EF4-FFF2-40B4-BE49-F238E27FC236}">
+                <a16:creationId xmlns:a16="http://schemas.microsoft.com/office/drawing/2014/main" id="{C53A8C25-41EF-6C15-48AE-F1C919596ADB}"/>
+              </a:ext>
+            </a:extLst>
+          </p:cNvPr>
+          <p:cNvSpPr>
+            <a:spLocks noGrp="1"/>
+          </p:cNvSpPr>
+          <p:nvPr>
+            <p:ph type="dt" sz="half" idx="10"/>
+          </p:nvPr>
+        </p:nvSpPr>
+        <p:spPr/>
+        <p:txBody>
+          <a:bodyPr/>
+          <a:lstStyle/>
+          <a:p>
+            <a:fld id="{5D43BDE2-43FC-4E6A-9A43-DB8242B3C950}" type="datetime1">
+              <a:rPr lang="en-IN" b="1" smtClean="0"/>
+              <a:t>19-09-2025</a:t>
+            </a:fld>
+            <a:endParaRPr lang="en-IN" b="1" dirty="0"/>
+          </a:p>
+        </p:txBody>
+      </p:sp>
+      <p:cxnSp>
+        <p:nvCxnSpPr>
+          <p:cNvPr id="8" name="Straight Connector 7">
+            <a:extLst>
+              <a:ext uri="{FF2B5EF4-FFF2-40B4-BE49-F238E27FC236}">
+                <a16:creationId xmlns:a16="http://schemas.microsoft.com/office/drawing/2014/main" id="{4777DF3E-235B-45D5-6DD3-C6503CBDDE72}"/>
+              </a:ext>
+            </a:extLst>
+          </p:cNvPr>
+          <p:cNvCxnSpPr>
+            <a:cxnSpLocks/>
+          </p:cNvCxnSpPr>
+          <p:nvPr/>
+        </p:nvCxnSpPr>
+        <p:spPr>
+          <a:xfrm>
+            <a:off x="363794" y="821619"/>
+            <a:ext cx="11484077" cy="0"/>
+          </a:xfrm>
+          <a:prstGeom prst="line">
+            <a:avLst/>
+          </a:prstGeom>
+          <a:ln>
+            <a:solidFill>
+              <a:schemeClr val="tx1"/>
+            </a:solidFill>
+          </a:ln>
+        </p:spPr>
+        <p:style>
+          <a:lnRef idx="1">
+            <a:schemeClr val="accent1"/>
+          </a:lnRef>
+          <a:fillRef idx="0">
+            <a:schemeClr val="accent1"/>
+          </a:fillRef>
+          <a:effectRef idx="0">
+            <a:schemeClr val="accent1"/>
+          </a:effectRef>
+          <a:fontRef idx="minor">
+            <a:schemeClr val="tx1"/>
+          </a:fontRef>
+        </p:style>
+      </p:cxnSp>
+      <p:cxnSp>
+        <p:nvCxnSpPr>
+          <p:cNvPr id="13" name="Straight Connector 12">
+            <a:extLst>
+              <a:ext uri="{FF2B5EF4-FFF2-40B4-BE49-F238E27FC236}">
+                <a16:creationId xmlns:a16="http://schemas.microsoft.com/office/drawing/2014/main" id="{3FF391AD-E8EA-B23A-9AD0-1D54C0A6008D}"/>
+              </a:ext>
+            </a:extLst>
+          </p:cNvPr>
+          <p:cNvCxnSpPr>
+            <a:cxnSpLocks/>
+          </p:cNvCxnSpPr>
+          <p:nvPr/>
+        </p:nvCxnSpPr>
+        <p:spPr>
+          <a:xfrm>
+            <a:off x="363794" y="1003516"/>
+            <a:ext cx="11484077" cy="0"/>
+          </a:xfrm>
+          <a:prstGeom prst="line">
+            <a:avLst/>
+          </a:prstGeom>
+          <a:ln>
+            <a:solidFill>
+              <a:schemeClr val="tx1"/>
+            </a:solidFill>
+          </a:ln>
+        </p:spPr>
+        <p:style>
+          <a:lnRef idx="1">
+            <a:schemeClr val="accent1"/>
+          </a:lnRef>
+          <a:fillRef idx="0">
+            <a:schemeClr val="accent1"/>
+          </a:fillRef>
+          <a:effectRef idx="0">
+            <a:schemeClr val="accent1"/>
+          </a:effectRef>
+          <a:fontRef idx="minor">
+            <a:schemeClr val="tx1"/>
+          </a:fontRef>
+        </p:style>
+      </p:cxnSp>
+      <p:cxnSp>
+        <p:nvCxnSpPr>
+          <p:cNvPr id="15" name="Straight Connector 14">
+            <a:extLst>
+              <a:ext uri="{FF2B5EF4-FFF2-40B4-BE49-F238E27FC236}">
+                <a16:creationId xmlns:a16="http://schemas.microsoft.com/office/drawing/2014/main" id="{A92CF1E3-1FF1-1C68-E47B-6B7AEABADEF7}"/>
+              </a:ext>
+            </a:extLst>
+          </p:cNvPr>
+          <p:cNvCxnSpPr>
+            <a:cxnSpLocks/>
+          </p:cNvCxnSpPr>
+          <p:nvPr/>
+        </p:nvCxnSpPr>
+        <p:spPr>
+          <a:xfrm>
+            <a:off x="373626" y="914403"/>
+            <a:ext cx="285135" cy="0"/>
+          </a:xfrm>
+          <a:prstGeom prst="line">
+            <a:avLst/>
+          </a:prstGeom>
+          <a:ln w="38100"/>
+        </p:spPr>
+        <p:style>
+          <a:lnRef idx="3">
+            <a:schemeClr val="dk1"/>
+          </a:lnRef>
+          <a:fillRef idx="0">
+            <a:schemeClr val="dk1"/>
+          </a:fillRef>
+          <a:effectRef idx="2">
+            <a:schemeClr val="dk1"/>
+          </a:effectRef>
+          <a:fontRef idx="minor">
+            <a:schemeClr val="tx1"/>
+          </a:fontRef>
+        </p:style>
+      </p:cxnSp>
+      <p:cxnSp>
+        <p:nvCxnSpPr>
+          <p:cNvPr id="17" name="Straight Connector 16">
+            <a:extLst>
+              <a:ext uri="{FF2B5EF4-FFF2-40B4-BE49-F238E27FC236}">
+                <a16:creationId xmlns:a16="http://schemas.microsoft.com/office/drawing/2014/main" id="{12D89C63-A224-F7C0-621F-67611F6F318B}"/>
+              </a:ext>
+            </a:extLst>
+          </p:cNvPr>
+          <p:cNvCxnSpPr>
+            <a:cxnSpLocks/>
+          </p:cNvCxnSpPr>
+          <p:nvPr/>
+        </p:nvCxnSpPr>
+        <p:spPr>
+          <a:xfrm>
+            <a:off x="762002" y="909488"/>
+            <a:ext cx="285135" cy="0"/>
+          </a:xfrm>
+          <a:prstGeom prst="line">
+            <a:avLst/>
+          </a:prstGeom>
+          <a:ln w="38100"/>
+        </p:spPr>
+        <p:style>
+          <a:lnRef idx="3">
+            <a:schemeClr val="dk1"/>
+          </a:lnRef>
+          <a:fillRef idx="0">
+            <a:schemeClr val="dk1"/>
+          </a:fillRef>
+          <a:effectRef idx="2">
+            <a:schemeClr val="dk1"/>
+          </a:effectRef>
+          <a:fontRef idx="minor">
+            <a:schemeClr val="tx1"/>
+          </a:fontRef>
+        </p:style>
+      </p:cxnSp>
+      <p:cxnSp>
+        <p:nvCxnSpPr>
+          <p:cNvPr id="18" name="Straight Connector 17">
+            <a:extLst>
+              <a:ext uri="{FF2B5EF4-FFF2-40B4-BE49-F238E27FC236}">
+                <a16:creationId xmlns:a16="http://schemas.microsoft.com/office/drawing/2014/main" id="{31FE7B96-41AE-57A1-450D-365EE181ADB9}"/>
+              </a:ext>
+            </a:extLst>
+          </p:cNvPr>
+          <p:cNvCxnSpPr>
+            <a:cxnSpLocks/>
+          </p:cNvCxnSpPr>
+          <p:nvPr/>
+        </p:nvCxnSpPr>
+        <p:spPr>
+          <a:xfrm>
+            <a:off x="1150376" y="914403"/>
+            <a:ext cx="285135" cy="0"/>
+          </a:xfrm>
+          <a:prstGeom prst="line">
+            <a:avLst/>
+          </a:prstGeom>
+          <a:ln w="38100"/>
+        </p:spPr>
+        <p:style>
+          <a:lnRef idx="3">
+            <a:schemeClr val="dk1"/>
+          </a:lnRef>
+          <a:fillRef idx="0">
+            <a:schemeClr val="dk1"/>
+          </a:fillRef>
+          <a:effectRef idx="2">
+            <a:schemeClr val="dk1"/>
+          </a:effectRef>
+          <a:fontRef idx="minor">
+            <a:schemeClr val="tx1"/>
+          </a:fontRef>
+        </p:style>
+      </p:cxnSp>
+      <p:cxnSp>
+        <p:nvCxnSpPr>
+          <p:cNvPr id="19" name="Straight Connector 18">
+            <a:extLst>
+              <a:ext uri="{FF2B5EF4-FFF2-40B4-BE49-F238E27FC236}">
+                <a16:creationId xmlns:a16="http://schemas.microsoft.com/office/drawing/2014/main" id="{78798CE1-185D-B17D-64AE-A81BE14242A6}"/>
+              </a:ext>
+            </a:extLst>
+          </p:cNvPr>
+          <p:cNvCxnSpPr>
+            <a:cxnSpLocks/>
+          </p:cNvCxnSpPr>
+          <p:nvPr/>
+        </p:nvCxnSpPr>
+        <p:spPr>
+          <a:xfrm>
+            <a:off x="1519084" y="909489"/>
+            <a:ext cx="285135" cy="0"/>
+          </a:xfrm>
+          <a:prstGeom prst="line">
+            <a:avLst/>
+          </a:prstGeom>
+          <a:ln w="38100"/>
+        </p:spPr>
+        <p:style>
+          <a:lnRef idx="3">
+            <a:schemeClr val="dk1"/>
+          </a:lnRef>
+          <a:fillRef idx="0">
+            <a:schemeClr val="dk1"/>
+          </a:fillRef>
+          <a:effectRef idx="2">
+            <a:schemeClr val="dk1"/>
+          </a:effectRef>
+          <a:fontRef idx="minor">
+            <a:schemeClr val="tx1"/>
+          </a:fontRef>
+        </p:style>
+      </p:cxnSp>
+      <p:cxnSp>
+        <p:nvCxnSpPr>
+          <p:cNvPr id="20" name="Straight Connector 19">
+            <a:extLst>
+              <a:ext uri="{FF2B5EF4-FFF2-40B4-BE49-F238E27FC236}">
+                <a16:creationId xmlns:a16="http://schemas.microsoft.com/office/drawing/2014/main" id="{4A00A05D-4524-F968-E5EF-EDD9741EA990}"/>
+              </a:ext>
+            </a:extLst>
+          </p:cNvPr>
+          <p:cNvCxnSpPr>
+            <a:cxnSpLocks/>
+          </p:cNvCxnSpPr>
+          <p:nvPr/>
+        </p:nvCxnSpPr>
+        <p:spPr>
+          <a:xfrm>
+            <a:off x="1917296" y="914402"/>
+            <a:ext cx="285135" cy="0"/>
+          </a:xfrm>
+          <a:prstGeom prst="line">
+            <a:avLst/>
+          </a:prstGeom>
+          <a:ln w="38100"/>
+        </p:spPr>
+        <p:style>
+          <a:lnRef idx="3">
+            <a:schemeClr val="dk1"/>
+          </a:lnRef>
+          <a:fillRef idx="0">
+            <a:schemeClr val="dk1"/>
+          </a:fillRef>
+          <a:effectRef idx="2">
+            <a:schemeClr val="dk1"/>
+          </a:effectRef>
+          <a:fontRef idx="minor">
+            <a:schemeClr val="tx1"/>
+          </a:fontRef>
+        </p:style>
+      </p:cxnSp>
+      <p:cxnSp>
+        <p:nvCxnSpPr>
+          <p:cNvPr id="21" name="Straight Connector 20">
+            <a:extLst>
+              <a:ext uri="{FF2B5EF4-FFF2-40B4-BE49-F238E27FC236}">
+                <a16:creationId xmlns:a16="http://schemas.microsoft.com/office/drawing/2014/main" id="{218247AA-002C-64B7-8211-2F56442D7FD6}"/>
+              </a:ext>
+            </a:extLst>
+          </p:cNvPr>
+          <p:cNvCxnSpPr>
+            <a:cxnSpLocks/>
+          </p:cNvCxnSpPr>
+          <p:nvPr/>
+        </p:nvCxnSpPr>
+        <p:spPr>
+          <a:xfrm>
+            <a:off x="2286002" y="909487"/>
+            <a:ext cx="285135" cy="0"/>
+          </a:xfrm>
+          <a:prstGeom prst="line">
+            <a:avLst/>
+          </a:prstGeom>
+          <a:ln w="38100"/>
+        </p:spPr>
+        <p:style>
+          <a:lnRef idx="3">
+            <a:schemeClr val="dk1"/>
+          </a:lnRef>
+          <a:fillRef idx="0">
+            <a:schemeClr val="dk1"/>
+          </a:fillRef>
+          <a:effectRef idx="2">
+            <a:schemeClr val="dk1"/>
+          </a:effectRef>
+          <a:fontRef idx="minor">
+            <a:schemeClr val="tx1"/>
+          </a:fontRef>
+        </p:style>
+      </p:cxnSp>
+      <p:cxnSp>
+        <p:nvCxnSpPr>
+          <p:cNvPr id="22" name="Straight Connector 21">
+            <a:extLst>
+              <a:ext uri="{FF2B5EF4-FFF2-40B4-BE49-F238E27FC236}">
+                <a16:creationId xmlns:a16="http://schemas.microsoft.com/office/drawing/2014/main" id="{BEBA585C-BAFD-BFE2-EE6B-162BC69DCB9F}"/>
+              </a:ext>
+            </a:extLst>
+          </p:cNvPr>
+          <p:cNvCxnSpPr>
+            <a:cxnSpLocks/>
+          </p:cNvCxnSpPr>
+          <p:nvPr/>
+        </p:nvCxnSpPr>
+        <p:spPr>
+          <a:xfrm>
+            <a:off x="2664548" y="914403"/>
+            <a:ext cx="285135" cy="0"/>
+          </a:xfrm>
+          <a:prstGeom prst="line">
+            <a:avLst/>
+          </a:prstGeom>
+          <a:ln w="38100"/>
+        </p:spPr>
+        <p:style>
+          <a:lnRef idx="3">
+            <a:schemeClr val="dk1"/>
+          </a:lnRef>
+          <a:fillRef idx="0">
+            <a:schemeClr val="dk1"/>
+          </a:fillRef>
+          <a:effectRef idx="2">
+            <a:schemeClr val="dk1"/>
+          </a:effectRef>
+          <a:fontRef idx="minor">
+            <a:schemeClr val="tx1"/>
+          </a:fontRef>
+        </p:style>
+      </p:cxnSp>
+      <p:cxnSp>
+        <p:nvCxnSpPr>
+          <p:cNvPr id="23" name="Straight Connector 22">
+            <a:extLst>
+              <a:ext uri="{FF2B5EF4-FFF2-40B4-BE49-F238E27FC236}">
+                <a16:creationId xmlns:a16="http://schemas.microsoft.com/office/drawing/2014/main" id="{8A8BF34F-2193-89F6-429F-6F787311AA11}"/>
+              </a:ext>
+            </a:extLst>
+          </p:cNvPr>
+          <p:cNvCxnSpPr>
+            <a:cxnSpLocks/>
+          </p:cNvCxnSpPr>
+          <p:nvPr/>
+        </p:nvCxnSpPr>
+        <p:spPr>
+          <a:xfrm>
+            <a:off x="3033255" y="919318"/>
+            <a:ext cx="285135" cy="0"/>
+          </a:xfrm>
+          <a:prstGeom prst="line">
+            <a:avLst/>
+          </a:prstGeom>
+          <a:ln w="38100"/>
+        </p:spPr>
+        <p:style>
+          <a:lnRef idx="3">
+            <a:schemeClr val="dk1"/>
+          </a:lnRef>
+          <a:fillRef idx="0">
+            <a:schemeClr val="dk1"/>
+          </a:fillRef>
+          <a:effectRef idx="2">
+            <a:schemeClr val="dk1"/>
+          </a:effectRef>
+          <a:fontRef idx="minor">
+            <a:schemeClr val="tx1"/>
+          </a:fontRef>
+        </p:style>
+      </p:cxnSp>
+      <p:cxnSp>
+        <p:nvCxnSpPr>
+          <p:cNvPr id="24" name="Straight Connector 23">
+            <a:extLst>
+              <a:ext uri="{FF2B5EF4-FFF2-40B4-BE49-F238E27FC236}">
+                <a16:creationId xmlns:a16="http://schemas.microsoft.com/office/drawing/2014/main" id="{86F46EA2-0688-5E55-71D8-17E1CFA82A06}"/>
+              </a:ext>
+            </a:extLst>
+          </p:cNvPr>
+          <p:cNvCxnSpPr>
+            <a:cxnSpLocks/>
+          </p:cNvCxnSpPr>
+          <p:nvPr/>
+        </p:nvCxnSpPr>
+        <p:spPr>
+          <a:xfrm>
+            <a:off x="3421629" y="914403"/>
+            <a:ext cx="285135" cy="0"/>
+          </a:xfrm>
+          <a:prstGeom prst="line">
+            <a:avLst/>
+          </a:prstGeom>
+          <a:ln w="38100"/>
+        </p:spPr>
+        <p:style>
+          <a:lnRef idx="3">
+            <a:schemeClr val="dk1"/>
+          </a:lnRef>
+          <a:fillRef idx="0">
+            <a:schemeClr val="dk1"/>
+          </a:fillRef>
+          <a:effectRef idx="2">
+            <a:schemeClr val="dk1"/>
+          </a:effectRef>
+          <a:fontRef idx="minor">
+            <a:schemeClr val="tx1"/>
+          </a:fontRef>
+        </p:style>
+      </p:cxnSp>
+      <p:cxnSp>
+        <p:nvCxnSpPr>
+          <p:cNvPr id="25" name="Straight Connector 24">
+            <a:extLst>
+              <a:ext uri="{FF2B5EF4-FFF2-40B4-BE49-F238E27FC236}">
+                <a16:creationId xmlns:a16="http://schemas.microsoft.com/office/drawing/2014/main" id="{8BB78C90-9272-91F2-BE9B-AC4287435E48}"/>
+              </a:ext>
+            </a:extLst>
+          </p:cNvPr>
+          <p:cNvCxnSpPr>
+            <a:cxnSpLocks/>
+          </p:cNvCxnSpPr>
+          <p:nvPr/>
+        </p:nvCxnSpPr>
+        <p:spPr>
+          <a:xfrm>
+            <a:off x="3790338" y="919317"/>
+            <a:ext cx="285135" cy="0"/>
+          </a:xfrm>
+          <a:prstGeom prst="line">
+            <a:avLst/>
+          </a:prstGeom>
+          <a:ln w="38100"/>
+        </p:spPr>
+        <p:style>
+          <a:lnRef idx="3">
+            <a:schemeClr val="dk1"/>
+          </a:lnRef>
+          <a:fillRef idx="0">
+            <a:schemeClr val="dk1"/>
+          </a:fillRef>
+          <a:effectRef idx="2">
+            <a:schemeClr val="dk1"/>
+          </a:effectRef>
+          <a:fontRef idx="minor">
+            <a:schemeClr val="tx1"/>
+          </a:fontRef>
+        </p:style>
+      </p:cxnSp>
+      <p:cxnSp>
+        <p:nvCxnSpPr>
+          <p:cNvPr id="26" name="Straight Connector 25">
+            <a:extLst>
+              <a:ext uri="{FF2B5EF4-FFF2-40B4-BE49-F238E27FC236}">
+                <a16:creationId xmlns:a16="http://schemas.microsoft.com/office/drawing/2014/main" id="{1450F6FA-A2F8-DD6D-42E3-8E0E97A933E0}"/>
+              </a:ext>
+            </a:extLst>
+          </p:cNvPr>
+          <p:cNvCxnSpPr>
+            <a:cxnSpLocks/>
+          </p:cNvCxnSpPr>
+          <p:nvPr/>
+        </p:nvCxnSpPr>
+        <p:spPr>
+          <a:xfrm>
+            <a:off x="4188545" y="914403"/>
+            <a:ext cx="285135" cy="0"/>
+          </a:xfrm>
+          <a:prstGeom prst="line">
+            <a:avLst/>
+          </a:prstGeom>
+          <a:ln w="38100"/>
+        </p:spPr>
+        <p:style>
+          <a:lnRef idx="3">
+            <a:schemeClr val="dk1"/>
+          </a:lnRef>
+          <a:fillRef idx="0">
+            <a:schemeClr val="dk1"/>
+          </a:fillRef>
+          <a:effectRef idx="2">
+            <a:schemeClr val="dk1"/>
+          </a:effectRef>
+          <a:fontRef idx="minor">
+            <a:schemeClr val="tx1"/>
+          </a:fontRef>
+        </p:style>
+      </p:cxnSp>
+      <p:cxnSp>
+        <p:nvCxnSpPr>
+          <p:cNvPr id="27" name="Straight Connector 26">
+            <a:extLst>
+              <a:ext uri="{FF2B5EF4-FFF2-40B4-BE49-F238E27FC236}">
+                <a16:creationId xmlns:a16="http://schemas.microsoft.com/office/drawing/2014/main" id="{C82630CF-BA32-FB80-4F28-E06750627341}"/>
+              </a:ext>
+            </a:extLst>
+          </p:cNvPr>
+          <p:cNvCxnSpPr>
+            <a:cxnSpLocks/>
+          </p:cNvCxnSpPr>
+          <p:nvPr/>
+        </p:nvCxnSpPr>
+        <p:spPr>
+          <a:xfrm>
+            <a:off x="4557260" y="909487"/>
+            <a:ext cx="285135" cy="0"/>
+          </a:xfrm>
+          <a:prstGeom prst="line">
+            <a:avLst/>
+          </a:prstGeom>
+          <a:ln w="38100"/>
+        </p:spPr>
+        <p:style>
+          <a:lnRef idx="3">
+            <a:schemeClr val="dk1"/>
+          </a:lnRef>
+          <a:fillRef idx="0">
+            <a:schemeClr val="dk1"/>
+          </a:fillRef>
+          <a:effectRef idx="2">
+            <a:schemeClr val="dk1"/>
+          </a:effectRef>
+          <a:fontRef idx="minor">
+            <a:schemeClr val="tx1"/>
+          </a:fontRef>
+        </p:style>
+      </p:cxnSp>
+      <p:cxnSp>
+        <p:nvCxnSpPr>
+          <p:cNvPr id="28" name="Straight Connector 27">
+            <a:extLst>
+              <a:ext uri="{FF2B5EF4-FFF2-40B4-BE49-F238E27FC236}">
+                <a16:creationId xmlns:a16="http://schemas.microsoft.com/office/drawing/2014/main" id="{0FB53AB9-DE24-8D0C-22E5-F899169832B3}"/>
+              </a:ext>
+            </a:extLst>
+          </p:cNvPr>
+          <p:cNvCxnSpPr>
+            <a:cxnSpLocks/>
+          </p:cNvCxnSpPr>
+          <p:nvPr/>
+        </p:nvCxnSpPr>
+        <p:spPr>
+          <a:xfrm>
+            <a:off x="4925970" y="914400"/>
+            <a:ext cx="285135" cy="0"/>
+          </a:xfrm>
+          <a:prstGeom prst="line">
+            <a:avLst/>
+          </a:prstGeom>
+          <a:ln w="38100"/>
+        </p:spPr>
+        <p:style>
+          <a:lnRef idx="3">
+            <a:schemeClr val="dk1"/>
+          </a:lnRef>
+          <a:fillRef idx="0">
+            <a:schemeClr val="dk1"/>
+          </a:fillRef>
+          <a:effectRef idx="2">
+            <a:schemeClr val="dk1"/>
+          </a:effectRef>
+          <a:fontRef idx="minor">
+            <a:schemeClr val="tx1"/>
+          </a:fontRef>
+        </p:style>
+      </p:cxnSp>
+      <p:cxnSp>
+        <p:nvCxnSpPr>
+          <p:cNvPr id="29" name="Straight Connector 28">
+            <a:extLst>
+              <a:ext uri="{FF2B5EF4-FFF2-40B4-BE49-F238E27FC236}">
+                <a16:creationId xmlns:a16="http://schemas.microsoft.com/office/drawing/2014/main" id="{4988E0DC-F2E3-7ABF-1AD9-32537817F387}"/>
+              </a:ext>
+            </a:extLst>
+          </p:cNvPr>
+          <p:cNvCxnSpPr>
+            <a:cxnSpLocks/>
+          </p:cNvCxnSpPr>
+          <p:nvPr/>
+        </p:nvCxnSpPr>
+        <p:spPr>
+          <a:xfrm>
+            <a:off x="5275017" y="919318"/>
+            <a:ext cx="285135" cy="0"/>
+          </a:xfrm>
+          <a:prstGeom prst="line">
+            <a:avLst/>
+          </a:prstGeom>
+          <a:ln w="38100"/>
+        </p:spPr>
+        <p:style>
+          <a:lnRef idx="3">
+            <a:schemeClr val="dk1"/>
+          </a:lnRef>
+          <a:fillRef idx="0">
+            <a:schemeClr val="dk1"/>
+          </a:fillRef>
+          <a:effectRef idx="2">
+            <a:schemeClr val="dk1"/>
+          </a:effectRef>
+          <a:fontRef idx="minor">
+            <a:schemeClr val="tx1"/>
+          </a:fontRef>
+        </p:style>
+      </p:cxnSp>
+      <p:cxnSp>
+        <p:nvCxnSpPr>
+          <p:cNvPr id="30" name="Straight Connector 29">
+            <a:extLst>
+              <a:ext uri="{FF2B5EF4-FFF2-40B4-BE49-F238E27FC236}">
+                <a16:creationId xmlns:a16="http://schemas.microsoft.com/office/drawing/2014/main" id="{78EDC056-5C35-034C-9AC8-51923A1A9467}"/>
+              </a:ext>
+            </a:extLst>
+          </p:cNvPr>
+          <p:cNvCxnSpPr>
+            <a:cxnSpLocks/>
+          </p:cNvCxnSpPr>
+          <p:nvPr/>
+        </p:nvCxnSpPr>
+        <p:spPr>
+          <a:xfrm>
+            <a:off x="5653557" y="914399"/>
+            <a:ext cx="285135" cy="0"/>
+          </a:xfrm>
+          <a:prstGeom prst="line">
+            <a:avLst/>
+          </a:prstGeom>
+          <a:ln w="38100"/>
+        </p:spPr>
+        <p:style>
+          <a:lnRef idx="3">
+            <a:schemeClr val="dk1"/>
+          </a:lnRef>
+          <a:fillRef idx="0">
+            <a:schemeClr val="dk1"/>
+          </a:fillRef>
+          <a:effectRef idx="2">
+            <a:schemeClr val="dk1"/>
+          </a:effectRef>
+          <a:fontRef idx="minor">
+            <a:schemeClr val="tx1"/>
+          </a:fontRef>
+        </p:style>
+      </p:cxnSp>
+      <p:cxnSp>
+        <p:nvCxnSpPr>
+          <p:cNvPr id="31" name="Straight Connector 30">
+            <a:extLst>
+              <a:ext uri="{FF2B5EF4-FFF2-40B4-BE49-F238E27FC236}">
+                <a16:creationId xmlns:a16="http://schemas.microsoft.com/office/drawing/2014/main" id="{F2F8331C-65D8-D07D-3403-C358E145E1AC}"/>
+              </a:ext>
+            </a:extLst>
+          </p:cNvPr>
+          <p:cNvCxnSpPr>
+            <a:cxnSpLocks/>
+          </p:cNvCxnSpPr>
+          <p:nvPr/>
+        </p:nvCxnSpPr>
+        <p:spPr>
+          <a:xfrm>
+            <a:off x="6032101" y="909488"/>
+            <a:ext cx="285135" cy="0"/>
+          </a:xfrm>
+          <a:prstGeom prst="line">
+            <a:avLst/>
+          </a:prstGeom>
+          <a:ln w="38100"/>
+        </p:spPr>
+        <p:style>
+          <a:lnRef idx="3">
+            <a:schemeClr val="dk1"/>
+          </a:lnRef>
+          <a:fillRef idx="0">
+            <a:schemeClr val="dk1"/>
+          </a:fillRef>
+          <a:effectRef idx="2">
+            <a:schemeClr val="dk1"/>
+          </a:effectRef>
+          <a:fontRef idx="minor">
+            <a:schemeClr val="tx1"/>
+          </a:fontRef>
+        </p:style>
+      </p:cxnSp>
+      <p:cxnSp>
+        <p:nvCxnSpPr>
+          <p:cNvPr id="32" name="Straight Connector 31">
+            <a:extLst>
+              <a:ext uri="{FF2B5EF4-FFF2-40B4-BE49-F238E27FC236}">
+                <a16:creationId xmlns:a16="http://schemas.microsoft.com/office/drawing/2014/main" id="{B476B5F8-00D0-5C45-8DDE-1FF318B6ED64}"/>
+              </a:ext>
+            </a:extLst>
+          </p:cNvPr>
+          <p:cNvCxnSpPr>
+            <a:cxnSpLocks/>
+          </p:cNvCxnSpPr>
+          <p:nvPr/>
+        </p:nvCxnSpPr>
+        <p:spPr>
+          <a:xfrm>
+            <a:off x="6440138" y="914400"/>
+            <a:ext cx="285135" cy="0"/>
+          </a:xfrm>
+          <a:prstGeom prst="line">
+            <a:avLst/>
+          </a:prstGeom>
+          <a:ln w="38100"/>
+        </p:spPr>
+        <p:style>
+          <a:lnRef idx="3">
+            <a:schemeClr val="dk1"/>
+          </a:lnRef>
+          <a:fillRef idx="0">
+            <a:schemeClr val="dk1"/>
+          </a:fillRef>
+          <a:effectRef idx="2">
+            <a:schemeClr val="dk1"/>
+          </a:effectRef>
+          <a:fontRef idx="minor">
+            <a:schemeClr val="tx1"/>
+          </a:fontRef>
+        </p:style>
+      </p:cxnSp>
+      <p:cxnSp>
+        <p:nvCxnSpPr>
+          <p:cNvPr id="37" name="Straight Connector 36">
+            <a:extLst>
+              <a:ext uri="{FF2B5EF4-FFF2-40B4-BE49-F238E27FC236}">
+                <a16:creationId xmlns:a16="http://schemas.microsoft.com/office/drawing/2014/main" id="{1452ADFD-50B5-0D0E-8BDE-5AE81922A5DC}"/>
+              </a:ext>
+            </a:extLst>
+          </p:cNvPr>
+          <p:cNvCxnSpPr>
+            <a:cxnSpLocks/>
+          </p:cNvCxnSpPr>
+          <p:nvPr/>
+        </p:nvCxnSpPr>
+        <p:spPr>
+          <a:xfrm>
+            <a:off x="6848188" y="919317"/>
+            <a:ext cx="285135" cy="0"/>
+          </a:xfrm>
+          <a:prstGeom prst="line">
+            <a:avLst/>
+          </a:prstGeom>
+          <a:ln w="38100"/>
+        </p:spPr>
+        <p:style>
+          <a:lnRef idx="3">
+            <a:schemeClr val="dk1"/>
+          </a:lnRef>
+          <a:fillRef idx="0">
+            <a:schemeClr val="dk1"/>
+          </a:fillRef>
+          <a:effectRef idx="2">
+            <a:schemeClr val="dk1"/>
+          </a:effectRef>
+          <a:fontRef idx="minor">
+            <a:schemeClr val="tx1"/>
+          </a:fontRef>
+        </p:style>
+      </p:cxnSp>
+      <p:cxnSp>
+        <p:nvCxnSpPr>
+          <p:cNvPr id="38" name="Straight Connector 37">
+            <a:extLst>
+              <a:ext uri="{FF2B5EF4-FFF2-40B4-BE49-F238E27FC236}">
+                <a16:creationId xmlns:a16="http://schemas.microsoft.com/office/drawing/2014/main" id="{0CA4230A-41B2-80AB-1D88-A68AA7DAED19}"/>
+              </a:ext>
+            </a:extLst>
+          </p:cNvPr>
+          <p:cNvCxnSpPr>
+            <a:cxnSpLocks/>
+          </p:cNvCxnSpPr>
+          <p:nvPr/>
+        </p:nvCxnSpPr>
+        <p:spPr>
+          <a:xfrm>
+            <a:off x="7216894" y="914402"/>
+            <a:ext cx="285135" cy="0"/>
+          </a:xfrm>
+          <a:prstGeom prst="line">
+            <a:avLst/>
+          </a:prstGeom>
+          <a:ln w="38100"/>
+        </p:spPr>
+        <p:style>
+          <a:lnRef idx="3">
+            <a:schemeClr val="dk1"/>
+          </a:lnRef>
+          <a:fillRef idx="0">
+            <a:schemeClr val="dk1"/>
+          </a:fillRef>
+          <a:effectRef idx="2">
+            <a:schemeClr val="dk1"/>
+          </a:effectRef>
+          <a:fontRef idx="minor">
+            <a:schemeClr val="tx1"/>
+          </a:fontRef>
+        </p:style>
+      </p:cxnSp>
+      <p:cxnSp>
+        <p:nvCxnSpPr>
+          <p:cNvPr id="39" name="Straight Connector 38">
+            <a:extLst>
+              <a:ext uri="{FF2B5EF4-FFF2-40B4-BE49-F238E27FC236}">
+                <a16:creationId xmlns:a16="http://schemas.microsoft.com/office/drawing/2014/main" id="{54354DED-6A25-850F-8B54-E2481B137CA5}"/>
+              </a:ext>
+            </a:extLst>
+          </p:cNvPr>
+          <p:cNvCxnSpPr>
+            <a:cxnSpLocks/>
+          </p:cNvCxnSpPr>
+          <p:nvPr/>
+        </p:nvCxnSpPr>
+        <p:spPr>
+          <a:xfrm>
+            <a:off x="7595440" y="919318"/>
+            <a:ext cx="285135" cy="0"/>
+          </a:xfrm>
+          <a:prstGeom prst="line">
+            <a:avLst/>
+          </a:prstGeom>
+          <a:ln w="38100"/>
+        </p:spPr>
+        <p:style>
+          <a:lnRef idx="3">
+            <a:schemeClr val="dk1"/>
+          </a:lnRef>
+          <a:fillRef idx="0">
+            <a:schemeClr val="dk1"/>
+          </a:fillRef>
+          <a:effectRef idx="2">
+            <a:schemeClr val="dk1"/>
+          </a:effectRef>
+          <a:fontRef idx="minor">
+            <a:schemeClr val="tx1"/>
+          </a:fontRef>
+        </p:style>
+      </p:cxnSp>
+      <p:cxnSp>
+        <p:nvCxnSpPr>
+          <p:cNvPr id="40" name="Straight Connector 39">
+            <a:extLst>
+              <a:ext uri="{FF2B5EF4-FFF2-40B4-BE49-F238E27FC236}">
+                <a16:creationId xmlns:a16="http://schemas.microsoft.com/office/drawing/2014/main" id="{F1B61D52-3919-63B2-124C-1E12CE92E9C9}"/>
+              </a:ext>
+            </a:extLst>
+          </p:cNvPr>
+          <p:cNvCxnSpPr>
+            <a:cxnSpLocks/>
+          </p:cNvCxnSpPr>
+          <p:nvPr/>
+        </p:nvCxnSpPr>
+        <p:spPr>
+          <a:xfrm>
+            <a:off x="7964147" y="914401"/>
+            <a:ext cx="285135" cy="0"/>
+          </a:xfrm>
+          <a:prstGeom prst="line">
+            <a:avLst/>
+          </a:prstGeom>
+          <a:ln w="38100"/>
+        </p:spPr>
+        <p:style>
+          <a:lnRef idx="3">
+            <a:schemeClr val="dk1"/>
+          </a:lnRef>
+          <a:fillRef idx="0">
+            <a:schemeClr val="dk1"/>
+          </a:fillRef>
+          <a:effectRef idx="2">
+            <a:schemeClr val="dk1"/>
+          </a:effectRef>
+          <a:fontRef idx="minor">
+            <a:schemeClr val="tx1"/>
+          </a:fontRef>
+        </p:style>
+      </p:cxnSp>
+      <p:cxnSp>
+        <p:nvCxnSpPr>
+          <p:cNvPr id="41" name="Straight Connector 40">
+            <a:extLst>
+              <a:ext uri="{FF2B5EF4-FFF2-40B4-BE49-F238E27FC236}">
+                <a16:creationId xmlns:a16="http://schemas.microsoft.com/office/drawing/2014/main" id="{698DDDE5-C6D0-87BA-5884-0DE28A096D25}"/>
+              </a:ext>
+            </a:extLst>
+          </p:cNvPr>
+          <p:cNvCxnSpPr>
+            <a:cxnSpLocks/>
+          </p:cNvCxnSpPr>
+          <p:nvPr/>
+        </p:nvCxnSpPr>
+        <p:spPr>
+          <a:xfrm>
+            <a:off x="8352521" y="919318"/>
+            <a:ext cx="285135" cy="0"/>
+          </a:xfrm>
+          <a:prstGeom prst="line">
+            <a:avLst/>
+          </a:prstGeom>
+          <a:ln w="38100"/>
+        </p:spPr>
+        <p:style>
+          <a:lnRef idx="3">
+            <a:schemeClr val="dk1"/>
+          </a:lnRef>
+          <a:fillRef idx="0">
+            <a:schemeClr val="dk1"/>
+          </a:fillRef>
+          <a:effectRef idx="2">
+            <a:schemeClr val="dk1"/>
+          </a:effectRef>
+          <a:fontRef idx="minor">
+            <a:schemeClr val="tx1"/>
+          </a:fontRef>
+        </p:style>
+      </p:cxnSp>
+      <p:cxnSp>
+        <p:nvCxnSpPr>
+          <p:cNvPr id="42" name="Straight Connector 41">
+            <a:extLst>
+              <a:ext uri="{FF2B5EF4-FFF2-40B4-BE49-F238E27FC236}">
+                <a16:creationId xmlns:a16="http://schemas.microsoft.com/office/drawing/2014/main" id="{CD6A447D-322A-369F-200F-2B208FE56694}"/>
+              </a:ext>
+            </a:extLst>
+          </p:cNvPr>
+          <p:cNvCxnSpPr>
+            <a:cxnSpLocks/>
+          </p:cNvCxnSpPr>
+          <p:nvPr/>
+        </p:nvCxnSpPr>
+        <p:spPr>
+          <a:xfrm>
+            <a:off x="8721230" y="914400"/>
+            <a:ext cx="285135" cy="0"/>
+          </a:xfrm>
+          <a:prstGeom prst="line">
+            <a:avLst/>
+          </a:prstGeom>
+          <a:ln w="38100"/>
+        </p:spPr>
+        <p:style>
+          <a:lnRef idx="3">
+            <a:schemeClr val="dk1"/>
+          </a:lnRef>
+          <a:fillRef idx="0">
+            <a:schemeClr val="dk1"/>
+          </a:fillRef>
+          <a:effectRef idx="2">
+            <a:schemeClr val="dk1"/>
+          </a:effectRef>
+          <a:fontRef idx="minor">
+            <a:schemeClr val="tx1"/>
+          </a:fontRef>
+        </p:style>
+      </p:cxnSp>
+      <p:cxnSp>
+        <p:nvCxnSpPr>
+          <p:cNvPr id="43" name="Straight Connector 42">
+            <a:extLst>
+              <a:ext uri="{FF2B5EF4-FFF2-40B4-BE49-F238E27FC236}">
+                <a16:creationId xmlns:a16="http://schemas.microsoft.com/office/drawing/2014/main" id="{FEFB98E8-F1A2-51FB-8A6C-282C4855ED0C}"/>
+              </a:ext>
+            </a:extLst>
+          </p:cNvPr>
+          <p:cNvCxnSpPr>
+            <a:cxnSpLocks/>
+          </p:cNvCxnSpPr>
+          <p:nvPr/>
+        </p:nvCxnSpPr>
+        <p:spPr>
+          <a:xfrm>
+            <a:off x="9119437" y="919318"/>
+            <a:ext cx="285135" cy="0"/>
+          </a:xfrm>
+          <a:prstGeom prst="line">
+            <a:avLst/>
+          </a:prstGeom>
+          <a:ln w="38100"/>
+        </p:spPr>
+        <p:style>
+          <a:lnRef idx="3">
+            <a:schemeClr val="dk1"/>
+          </a:lnRef>
+          <a:fillRef idx="0">
+            <a:schemeClr val="dk1"/>
+          </a:fillRef>
+          <a:effectRef idx="2">
+            <a:schemeClr val="dk1"/>
+          </a:effectRef>
+          <a:fontRef idx="minor">
+            <a:schemeClr val="tx1"/>
+          </a:fontRef>
+        </p:style>
+      </p:cxnSp>
+      <p:cxnSp>
+        <p:nvCxnSpPr>
+          <p:cNvPr id="44" name="Straight Connector 43">
+            <a:extLst>
+              <a:ext uri="{FF2B5EF4-FFF2-40B4-BE49-F238E27FC236}">
+                <a16:creationId xmlns:a16="http://schemas.microsoft.com/office/drawing/2014/main" id="{2E1C4C79-A2F1-6834-0FAE-7CF0DE330495}"/>
+              </a:ext>
+            </a:extLst>
+          </p:cNvPr>
+          <p:cNvCxnSpPr>
+            <a:cxnSpLocks/>
+          </p:cNvCxnSpPr>
+          <p:nvPr/>
+        </p:nvCxnSpPr>
+        <p:spPr>
+          <a:xfrm>
+            <a:off x="9488152" y="914402"/>
+            <a:ext cx="285135" cy="0"/>
+          </a:xfrm>
+          <a:prstGeom prst="line">
+            <a:avLst/>
+          </a:prstGeom>
+          <a:ln w="38100"/>
+        </p:spPr>
+        <p:style>
+          <a:lnRef idx="3">
+            <a:schemeClr val="dk1"/>
+          </a:lnRef>
+          <a:fillRef idx="0">
+            <a:schemeClr val="dk1"/>
+          </a:fillRef>
+          <a:effectRef idx="2">
+            <a:schemeClr val="dk1"/>
+          </a:effectRef>
+          <a:fontRef idx="minor">
+            <a:schemeClr val="tx1"/>
+          </a:fontRef>
+        </p:style>
+      </p:cxnSp>
+      <p:cxnSp>
+        <p:nvCxnSpPr>
+          <p:cNvPr id="45" name="Straight Connector 44">
+            <a:extLst>
+              <a:ext uri="{FF2B5EF4-FFF2-40B4-BE49-F238E27FC236}">
+                <a16:creationId xmlns:a16="http://schemas.microsoft.com/office/drawing/2014/main" id="{C75B6DA5-6046-FF44-025B-D6B4162B624B}"/>
+              </a:ext>
+            </a:extLst>
+          </p:cNvPr>
+          <p:cNvCxnSpPr>
+            <a:cxnSpLocks/>
+          </p:cNvCxnSpPr>
+          <p:nvPr/>
+        </p:nvCxnSpPr>
+        <p:spPr>
+          <a:xfrm>
+            <a:off x="9856862" y="919315"/>
+            <a:ext cx="285135" cy="0"/>
+          </a:xfrm>
+          <a:prstGeom prst="line">
+            <a:avLst/>
+          </a:prstGeom>
+          <a:ln w="38100"/>
+        </p:spPr>
+        <p:style>
+          <a:lnRef idx="3">
+            <a:schemeClr val="dk1"/>
+          </a:lnRef>
+          <a:fillRef idx="0">
+            <a:schemeClr val="dk1"/>
+          </a:fillRef>
+          <a:effectRef idx="2">
+            <a:schemeClr val="dk1"/>
+          </a:effectRef>
+          <a:fontRef idx="minor">
+            <a:schemeClr val="tx1"/>
+          </a:fontRef>
+        </p:style>
+      </p:cxnSp>
+      <p:cxnSp>
+        <p:nvCxnSpPr>
+          <p:cNvPr id="46" name="Straight Connector 45">
+            <a:extLst>
+              <a:ext uri="{FF2B5EF4-FFF2-40B4-BE49-F238E27FC236}">
+                <a16:creationId xmlns:a16="http://schemas.microsoft.com/office/drawing/2014/main" id="{77794BFF-52AD-88C6-1A3F-F11952EC56E3}"/>
+              </a:ext>
+            </a:extLst>
+          </p:cNvPr>
+          <p:cNvCxnSpPr>
+            <a:cxnSpLocks/>
+          </p:cNvCxnSpPr>
+          <p:nvPr/>
+        </p:nvCxnSpPr>
+        <p:spPr>
+          <a:xfrm>
+            <a:off x="10205909" y="924233"/>
+            <a:ext cx="285135" cy="0"/>
+          </a:xfrm>
+          <a:prstGeom prst="line">
+            <a:avLst/>
+          </a:prstGeom>
+          <a:ln w="38100"/>
+        </p:spPr>
+        <p:style>
+          <a:lnRef idx="3">
+            <a:schemeClr val="dk1"/>
+          </a:lnRef>
+          <a:fillRef idx="0">
+            <a:schemeClr val="dk1"/>
+          </a:fillRef>
+          <a:effectRef idx="2">
+            <a:schemeClr val="dk1"/>
+          </a:effectRef>
+          <a:fontRef idx="minor">
+            <a:schemeClr val="tx1"/>
+          </a:fontRef>
+        </p:style>
+      </p:cxnSp>
+      <p:cxnSp>
+        <p:nvCxnSpPr>
+          <p:cNvPr id="47" name="Straight Connector 46">
+            <a:extLst>
+              <a:ext uri="{FF2B5EF4-FFF2-40B4-BE49-F238E27FC236}">
+                <a16:creationId xmlns:a16="http://schemas.microsoft.com/office/drawing/2014/main" id="{8810908F-73D6-366B-9ECD-B57F9A3F2B30}"/>
+              </a:ext>
+            </a:extLst>
+          </p:cNvPr>
+          <p:cNvCxnSpPr>
+            <a:cxnSpLocks/>
+          </p:cNvCxnSpPr>
+          <p:nvPr/>
+        </p:nvCxnSpPr>
+        <p:spPr>
+          <a:xfrm>
+            <a:off x="10584449" y="919314"/>
+            <a:ext cx="285135" cy="0"/>
+          </a:xfrm>
+          <a:prstGeom prst="line">
+            <a:avLst/>
+          </a:prstGeom>
+          <a:ln w="38100"/>
+        </p:spPr>
+        <p:style>
+          <a:lnRef idx="3">
+            <a:schemeClr val="dk1"/>
+          </a:lnRef>
+          <a:fillRef idx="0">
+            <a:schemeClr val="dk1"/>
+          </a:fillRef>
+          <a:effectRef idx="2">
+            <a:schemeClr val="dk1"/>
+          </a:effectRef>
+          <a:fontRef idx="minor">
+            <a:schemeClr val="tx1"/>
+          </a:fontRef>
+        </p:style>
+      </p:cxnSp>
+      <p:cxnSp>
+        <p:nvCxnSpPr>
+          <p:cNvPr id="48" name="Straight Connector 47">
+            <a:extLst>
+              <a:ext uri="{FF2B5EF4-FFF2-40B4-BE49-F238E27FC236}">
+                <a16:creationId xmlns:a16="http://schemas.microsoft.com/office/drawing/2014/main" id="{1E239920-648B-E79F-B40A-66047C1A94CB}"/>
+              </a:ext>
+            </a:extLst>
+          </p:cNvPr>
+          <p:cNvCxnSpPr>
+            <a:cxnSpLocks/>
+          </p:cNvCxnSpPr>
+          <p:nvPr/>
+        </p:nvCxnSpPr>
+        <p:spPr>
+          <a:xfrm>
+            <a:off x="10962993" y="914403"/>
+            <a:ext cx="285135" cy="0"/>
+          </a:xfrm>
+          <a:prstGeom prst="line">
+            <a:avLst/>
+          </a:prstGeom>
+          <a:ln w="38100"/>
+        </p:spPr>
+        <p:style>
+          <a:lnRef idx="3">
+            <a:schemeClr val="dk1"/>
+          </a:lnRef>
+          <a:fillRef idx="0">
+            <a:schemeClr val="dk1"/>
+          </a:fillRef>
+          <a:effectRef idx="2">
+            <a:schemeClr val="dk1"/>
+          </a:effectRef>
+          <a:fontRef idx="minor">
+            <a:schemeClr val="tx1"/>
+          </a:fontRef>
+        </p:style>
+      </p:cxnSp>
+      <p:cxnSp>
+        <p:nvCxnSpPr>
+          <p:cNvPr id="49" name="Straight Connector 48">
+            <a:extLst>
+              <a:ext uri="{FF2B5EF4-FFF2-40B4-BE49-F238E27FC236}">
+                <a16:creationId xmlns:a16="http://schemas.microsoft.com/office/drawing/2014/main" id="{539B02A1-1D4D-3D6D-1BAA-A7F1D6AF767E}"/>
+              </a:ext>
+            </a:extLst>
+          </p:cNvPr>
+          <p:cNvCxnSpPr>
+            <a:cxnSpLocks/>
+          </p:cNvCxnSpPr>
+          <p:nvPr/>
+        </p:nvCxnSpPr>
+        <p:spPr>
+          <a:xfrm>
+            <a:off x="11351366" y="919315"/>
+            <a:ext cx="285135" cy="0"/>
+          </a:xfrm>
+          <a:prstGeom prst="line">
+            <a:avLst/>
+          </a:prstGeom>
+          <a:ln w="38100"/>
+        </p:spPr>
+        <p:style>
+          <a:lnRef idx="3">
+            <a:schemeClr val="dk1"/>
+          </a:lnRef>
+          <a:fillRef idx="0">
+            <a:schemeClr val="dk1"/>
+          </a:fillRef>
+          <a:effectRef idx="2">
+            <a:schemeClr val="dk1"/>
+          </a:effectRef>
+          <a:fontRef idx="minor">
+            <a:schemeClr val="tx1"/>
+          </a:fontRef>
+        </p:style>
+      </p:cxnSp>
+      <p:pic>
+        <p:nvPicPr>
+          <p:cNvPr id="52" name="Graphic 51" descr="Bus with solid fill">
+            <a:extLst>
+              <a:ext uri="{FF2B5EF4-FFF2-40B4-BE49-F238E27FC236}">
+                <a16:creationId xmlns:a16="http://schemas.microsoft.com/office/drawing/2014/main" id="{6279CB00-2CE8-29C4-3949-27D4E7E891F6}"/>
+              </a:ext>
+            </a:extLst>
+          </p:cNvPr>
+          <p:cNvPicPr>
+            <a:picLocks noChangeAspect="1"/>
+          </p:cNvPicPr>
+          <p:nvPr/>
+        </p:nvPicPr>
+        <p:blipFill>
+          <a:blip r:embed="rId2">
+            <a:extLst>
+              <a:ext uri="{96DAC541-7B7A-43D3-8B79-37D633B846F1}">
+                <asvg:svgBlip xmlns:asvg="http://schemas.microsoft.com/office/drawing/2016/SVG/main" r:embed="rId3"/>
+              </a:ext>
+            </a:extLst>
+          </a:blip>
+          <a:stretch>
+            <a:fillRect/>
+          </a:stretch>
+        </p:blipFill>
+        <p:spPr>
+          <a:xfrm>
+            <a:off x="8885034" y="460037"/>
+            <a:ext cx="571143" cy="571143"/>
+          </a:xfrm>
+          <a:prstGeom prst="rect">
+            <a:avLst/>
+          </a:prstGeom>
+        </p:spPr>
+      </p:pic>
+      <p:sp>
+        <p:nvSpPr>
           <p:cNvPr id="10" name="TextBox 9">
             <a:extLst>
               <a:ext uri="{FF2B5EF4-FFF2-40B4-BE49-F238E27FC236}">
-                <a16:creationId xmlns:a16="http://schemas.microsoft.com/office/drawing/2014/main" id="{AFAFD224-77D7-9A84-EEE7-A9856A60269B}"/>
+                <a16:creationId xmlns:a16="http://schemas.microsoft.com/office/drawing/2014/main" id="{0B4C2B3A-9D56-C948-BC26-B9C7D4FA270D}"/>
               </a:ext>
             </a:extLst>
           </p:cNvPr>
@@ -15557,7 +21807,7 @@
           <p:cNvPr id="11" name="Picture 10">
             <a:extLst>
               <a:ext uri="{FF2B5EF4-FFF2-40B4-BE49-F238E27FC236}">
-                <a16:creationId xmlns:a16="http://schemas.microsoft.com/office/drawing/2014/main" id="{AFFDB325-76E6-F9D1-F38A-A2E5BD26BEC2}"/>
+                <a16:creationId xmlns:a16="http://schemas.microsoft.com/office/drawing/2014/main" id="{61FD8FE8-EB74-1DFD-3B52-D30FB1FF8BD2}"/>
               </a:ext>
             </a:extLst>
           </p:cNvPr>
@@ -15589,23 +21839,61 @@
           </a:prstGeom>
         </p:spPr>
       </p:pic>
+      <p:sp>
+        <p:nvSpPr>
+          <p:cNvPr id="3" name="TextBox 2">
+            <a:extLst>
+              <a:ext uri="{FF2B5EF4-FFF2-40B4-BE49-F238E27FC236}">
+                <a16:creationId xmlns:a16="http://schemas.microsoft.com/office/drawing/2014/main" id="{56881A7E-E90F-15CB-20DC-9135E0A4F6A4}"/>
+              </a:ext>
+            </a:extLst>
+          </p:cNvPr>
+          <p:cNvSpPr txBox="1"/>
+          <p:nvPr/>
+        </p:nvSpPr>
+        <p:spPr>
+          <a:xfrm>
+            <a:off x="678456" y="1500358"/>
+            <a:ext cx="10815477" cy="1107996"/>
+          </a:xfrm>
+          <a:prstGeom prst="rect">
+            <a:avLst/>
+          </a:prstGeom>
+          <a:noFill/>
+        </p:spPr>
+        <p:txBody>
+          <a:bodyPr wrap="square">
+            <a:spAutoFit/>
+          </a:bodyPr>
+          <a:lstStyle/>
+          <a:p>
+            <a:pPr algn="ctr"/>
+            <a:r>
+              <a:rPr lang="en-IN" sz="6600" dirty="0">
+                <a:latin typeface="Britannic Bold" panose="020B0903060703020204" pitchFamily="34" charset="0"/>
+              </a:rPr>
+              <a:t>Content to be added here</a:t>
+            </a:r>
+          </a:p>
+        </p:txBody>
+      </p:sp>
     </p:spTree>
     <p:extLst>
       <p:ext uri="{BB962C8B-B14F-4D97-AF65-F5344CB8AC3E}">
-        <p14:creationId xmlns:p14="http://schemas.microsoft.com/office/powerpoint/2010/main" val="2633884868"/>
+        <p14:creationId xmlns:p14="http://schemas.microsoft.com/office/powerpoint/2010/main" val="1782596829"/>
       </p:ext>
     </p:extLst>
   </p:cSld>
   <p:clrMapOvr>
     <a:masterClrMapping/>
   </p:clrMapOvr>
-  <mc:AlternateContent xmlns:mc="http://schemas.openxmlformats.org/markup-compatibility/2006">
-    <mc:Choice xmlns:p159="http://schemas.microsoft.com/office/powerpoint/2015/09/main" Requires="p159">
+  <mc:AlternateContent xmlns:mc="http://schemas.openxmlformats.org/markup-compatibility/2006" xmlns:p159="http://schemas.microsoft.com/office/powerpoint/2015/09/main">
+    <mc:Choice Requires="p159">
       <p:transition xmlns:p14="http://schemas.microsoft.com/office/powerpoint/2010/main" spd="slow" p14:dur="2000">
         <p159:morph option="byObject"/>
       </p:transition>
     </mc:Choice>
-    <mc:Fallback>
+    <mc:Fallback xmlns="">
       <p:transition spd="slow">
         <p:fade/>
       </p:transition>
